--- a/article/figures/流水线PPT.pptx
+++ b/article/figures/流水线PPT.pptx
@@ -6,6 +6,7 @@
   </p:sldMasterIdLst>
   <p:sldIdLst>
     <p:sldId id="256" r:id="rId2"/>
+    <p:sldId id="257" r:id="rId3"/>
   </p:sldIdLst>
   <p:sldSz cx="12192000" cy="6858000"/>
   <p:notesSz cx="6858000" cy="9144000"/>
@@ -104,6 +105,11 @@
       </a:defRPr>
     </a:lvl9pPr>
   </p:defaultTextStyle>
+  <p:extLst>
+    <p:ext uri="{EFAFB233-063F-42B5-8137-9DF3F51BA10A}">
+      <p15:sldGuideLst xmlns:p15="http://schemas.microsoft.com/office/powerpoint/2012/main"/>
+    </p:ext>
+  </p:extLst>
 </p:presentation>
 </file>
 
@@ -3377,73 +3383,10 @@
       </p:sp>
       <p:sp>
         <p:nvSpPr>
-          <p:cNvPr id="5" name="文本框 4">
-            <a:extLst>
-              <a:ext uri="{FF2B5EF4-FFF2-40B4-BE49-F238E27FC236}">
-                <a16:creationId xmlns:a16="http://schemas.microsoft.com/office/drawing/2014/main" id="{4587D682-1CAE-47E0-ABD8-D6DDB86CD089}"/>
-              </a:ext>
-            </a:extLst>
-          </p:cNvPr>
-          <p:cNvSpPr txBox="1"/>
-          <p:nvPr/>
-        </p:nvSpPr>
-        <p:spPr>
-          <a:xfrm>
-            <a:off x="731520" y="1204559"/>
-            <a:ext cx="1280160" cy="3477875"/>
-          </a:xfrm>
-          <a:prstGeom prst="rect">
-            <a:avLst/>
-          </a:prstGeom>
-          <a:noFill/>
-        </p:spPr>
-        <p:txBody>
-          <a:bodyPr wrap="square" rtlCol="0">
-            <a:spAutoFit/>
-          </a:bodyPr>
-          <a:lstStyle/>
-          <a:p>
-            <a:r>
-              <a:rPr lang="en-US" altLang="zh-CN" sz="4000" dirty="0"/>
-              <a:t>CJ1</a:t>
-            </a:r>
-          </a:p>
-          <a:p>
-            <a:endParaRPr lang="en-US" altLang="zh-CN" sz="2000" dirty="0"/>
-          </a:p>
-          <a:p>
-            <a:r>
-              <a:rPr lang="en-US" altLang="zh-CN" sz="4000" dirty="0"/>
-              <a:t>CJ2</a:t>
-            </a:r>
-          </a:p>
-          <a:p>
-            <a:endParaRPr lang="en-US" altLang="zh-CN" sz="2000" dirty="0"/>
-          </a:p>
-          <a:p>
-            <a:r>
-              <a:rPr lang="en-US" altLang="zh-CN" sz="4000" dirty="0"/>
-              <a:t>CJ3</a:t>
-            </a:r>
-          </a:p>
-          <a:p>
-            <a:endParaRPr lang="en-US" altLang="zh-CN" sz="2000" dirty="0"/>
-          </a:p>
-          <a:p>
-            <a:r>
-              <a:rPr lang="en-US" altLang="zh-CN" sz="4000" dirty="0"/>
-              <a:t>CJ4</a:t>
-            </a:r>
-            <a:endParaRPr lang="zh-CN" altLang="en-US" sz="4000" dirty="0"/>
-          </a:p>
-        </p:txBody>
-      </p:sp>
-      <p:sp>
-        <p:nvSpPr>
-          <p:cNvPr id="7" name="矩形 6">
-            <a:extLst>
-              <a:ext uri="{FF2B5EF4-FFF2-40B4-BE49-F238E27FC236}">
-                <a16:creationId xmlns:a16="http://schemas.microsoft.com/office/drawing/2014/main" id="{C01815AA-C460-4F03-8556-2379186DB1CD}"/>
+          <p:cNvPr id="24" name="矩形 23">
+            <a:extLst>
+              <a:ext uri="{FF2B5EF4-FFF2-40B4-BE49-F238E27FC236}">
+                <a16:creationId xmlns:a16="http://schemas.microsoft.com/office/drawing/2014/main" id="{F65F5DDC-B39C-486A-A2A3-4B6B35672E81}"/>
               </a:ext>
             </a:extLst>
           </p:cNvPr>
@@ -3452,8 +3395,8 @@
         </p:nvSpPr>
         <p:spPr>
           <a:xfrm>
-            <a:off x="3152502" y="1985554"/>
-            <a:ext cx="1628503" cy="957942"/>
+            <a:off x="6844931" y="3914502"/>
+            <a:ext cx="1802658" cy="951408"/>
           </a:xfrm>
           <a:prstGeom prst="rect">
             <a:avLst/>
@@ -3461,15 +3404,15 @@
         </p:spPr>
         <p:style>
           <a:lnRef idx="2">
-            <a:schemeClr val="accent1">
+            <a:schemeClr val="accent3">
               <a:shade val="50000"/>
             </a:schemeClr>
           </a:lnRef>
           <a:fillRef idx="1">
-            <a:schemeClr val="accent1"/>
+            <a:schemeClr val="accent3"/>
           </a:fillRef>
           <a:effectRef idx="0">
-            <a:schemeClr val="accent1"/>
+            <a:schemeClr val="accent3"/>
           </a:effectRef>
           <a:fontRef idx="minor">
             <a:schemeClr val="lt1"/>
@@ -3480,20 +3423,16 @@
           <a:lstStyle/>
           <a:p>
             <a:pPr algn="ctr"/>
-            <a:r>
-              <a:rPr lang="en-US" altLang="zh-CN" dirty="0"/>
-              <a:t>T12</a:t>
-            </a:r>
-            <a:endParaRPr lang="zh-CN" altLang="en-US" dirty="0"/>
+            <a:endParaRPr lang="zh-CN" altLang="en-US"/>
           </a:p>
         </p:txBody>
       </p:sp>
       <p:sp>
         <p:nvSpPr>
-          <p:cNvPr id="10" name="矩形 9">
-            <a:extLst>
-              <a:ext uri="{FF2B5EF4-FFF2-40B4-BE49-F238E27FC236}">
-                <a16:creationId xmlns:a16="http://schemas.microsoft.com/office/drawing/2014/main" id="{96CCB507-7D3E-48B2-92BC-FFBCA6320B60}"/>
+          <p:cNvPr id="5" name="矩形 4">
+            <a:extLst>
+              <a:ext uri="{FF2B5EF4-FFF2-40B4-BE49-F238E27FC236}">
+                <a16:creationId xmlns:a16="http://schemas.microsoft.com/office/drawing/2014/main" id="{91032E41-A49A-49F9-8C1C-0A76BA5E57B0}"/>
               </a:ext>
             </a:extLst>
           </p:cNvPr>
@@ -3502,8 +3441,8 @@
         </p:nvSpPr>
         <p:spPr>
           <a:xfrm>
-            <a:off x="2124893" y="1027612"/>
-            <a:ext cx="1027610" cy="957942"/>
+            <a:off x="5808614" y="2950029"/>
+            <a:ext cx="1615428" cy="951408"/>
           </a:xfrm>
           <a:prstGeom prst="rect">
             <a:avLst/>
@@ -3511,15 +3450,15 @@
         </p:spPr>
         <p:style>
           <a:lnRef idx="2">
-            <a:schemeClr val="accent1">
+            <a:schemeClr val="accent3">
               <a:shade val="50000"/>
             </a:schemeClr>
           </a:lnRef>
           <a:fillRef idx="1">
-            <a:schemeClr val="accent1"/>
+            <a:schemeClr val="accent3"/>
           </a:fillRef>
           <a:effectRef idx="0">
-            <a:schemeClr val="accent1"/>
+            <a:schemeClr val="accent3"/>
           </a:effectRef>
           <a:fontRef idx="minor">
             <a:schemeClr val="lt1"/>
@@ -3530,514 +3469,1654 @@
           <a:lstStyle/>
           <a:p>
             <a:pPr algn="ctr"/>
-            <a:r>
-              <a:rPr lang="en-US" altLang="zh-CN" dirty="0"/>
-              <a:t>T11</a:t>
-            </a:r>
-            <a:endParaRPr lang="zh-CN" altLang="en-US" dirty="0"/>
+            <a:endParaRPr lang="zh-CN" altLang="en-US"/>
           </a:p>
         </p:txBody>
       </p:sp>
-      <p:sp>
-        <p:nvSpPr>
-          <p:cNvPr id="11" name="矩形 10">
-            <a:extLst>
-              <a:ext uri="{FF2B5EF4-FFF2-40B4-BE49-F238E27FC236}">
-                <a16:creationId xmlns:a16="http://schemas.microsoft.com/office/drawing/2014/main" id="{6A5200FC-7E91-4DA4-AC5D-C448290A86C9}"/>
-              </a:ext>
-            </a:extLst>
-          </p:cNvPr>
-          <p:cNvSpPr/>
-          <p:nvPr/>
-        </p:nvSpPr>
-        <p:spPr>
-          <a:xfrm>
-            <a:off x="5808614" y="3907971"/>
-            <a:ext cx="1027610" cy="957942"/>
-          </a:xfrm>
-          <a:prstGeom prst="rect">
-            <a:avLst/>
-          </a:prstGeom>
-        </p:spPr>
-        <p:style>
-          <a:lnRef idx="2">
-            <a:schemeClr val="accent1">
-              <a:shade val="50000"/>
-            </a:schemeClr>
-          </a:lnRef>
-          <a:fillRef idx="1">
-            <a:schemeClr val="accent1"/>
-          </a:fillRef>
-          <a:effectRef idx="0">
-            <a:schemeClr val="accent1"/>
-          </a:effectRef>
-          <a:fontRef idx="minor">
-            <a:schemeClr val="lt1"/>
-          </a:fontRef>
-        </p:style>
-        <p:txBody>
-          <a:bodyPr rtlCol="0" anchor="ctr"/>
-          <a:lstStyle/>
-          <a:p>
-            <a:pPr algn="ctr"/>
-            <a:r>
-              <a:rPr lang="en-US" altLang="zh-CN" dirty="0"/>
-              <a:t>T14</a:t>
-            </a:r>
-            <a:endParaRPr lang="zh-CN" altLang="en-US" dirty="0"/>
-          </a:p>
-        </p:txBody>
-      </p:sp>
-      <p:sp>
-        <p:nvSpPr>
-          <p:cNvPr id="12" name="矩形 11">
-            <a:extLst>
-              <a:ext uri="{FF2B5EF4-FFF2-40B4-BE49-F238E27FC236}">
-                <a16:creationId xmlns:a16="http://schemas.microsoft.com/office/drawing/2014/main" id="{0F17D8E2-907E-4AB5-A727-0EC802B56F5A}"/>
-              </a:ext>
-            </a:extLst>
-          </p:cNvPr>
-          <p:cNvSpPr/>
-          <p:nvPr/>
-        </p:nvSpPr>
-        <p:spPr>
-          <a:xfrm>
-            <a:off x="4781004" y="2950029"/>
-            <a:ext cx="1027610" cy="957942"/>
-          </a:xfrm>
-          <a:prstGeom prst="rect">
-            <a:avLst/>
-          </a:prstGeom>
-        </p:spPr>
-        <p:style>
-          <a:lnRef idx="2">
-            <a:schemeClr val="accent1">
-              <a:shade val="50000"/>
-            </a:schemeClr>
-          </a:lnRef>
-          <a:fillRef idx="1">
-            <a:schemeClr val="accent1"/>
-          </a:fillRef>
-          <a:effectRef idx="0">
-            <a:schemeClr val="accent1"/>
-          </a:effectRef>
-          <a:fontRef idx="minor">
-            <a:schemeClr val="lt1"/>
-          </a:fontRef>
-        </p:style>
-        <p:txBody>
-          <a:bodyPr rtlCol="0" anchor="ctr"/>
-          <a:lstStyle/>
-          <a:p>
-            <a:pPr algn="ctr"/>
-            <a:r>
-              <a:rPr lang="en-US" altLang="zh-CN" dirty="0"/>
-              <a:t>T13</a:t>
-            </a:r>
-            <a:endParaRPr lang="zh-CN" altLang="en-US" dirty="0"/>
-          </a:p>
-        </p:txBody>
-      </p:sp>
-      <p:sp>
-        <p:nvSpPr>
-          <p:cNvPr id="13" name="矩形 12">
-            <a:extLst>
-              <a:ext uri="{FF2B5EF4-FFF2-40B4-BE49-F238E27FC236}">
-                <a16:creationId xmlns:a16="http://schemas.microsoft.com/office/drawing/2014/main" id="{6EA8416D-B2DC-4F64-9741-D1C31233D967}"/>
-              </a:ext>
-            </a:extLst>
-          </p:cNvPr>
-          <p:cNvSpPr/>
-          <p:nvPr/>
-        </p:nvSpPr>
-        <p:spPr>
-          <a:xfrm>
-            <a:off x="4781000" y="1988821"/>
-            <a:ext cx="1767845" cy="957942"/>
-          </a:xfrm>
-          <a:prstGeom prst="rect">
-            <a:avLst/>
-          </a:prstGeom>
-        </p:spPr>
-        <p:style>
-          <a:lnRef idx="2">
-            <a:schemeClr val="accent4">
-              <a:shade val="50000"/>
-            </a:schemeClr>
-          </a:lnRef>
-          <a:fillRef idx="1">
-            <a:schemeClr val="accent4"/>
-          </a:fillRef>
-          <a:effectRef idx="0">
-            <a:schemeClr val="accent4"/>
-          </a:effectRef>
-          <a:fontRef idx="minor">
-            <a:schemeClr val="lt1"/>
-          </a:fontRef>
-        </p:style>
-        <p:txBody>
-          <a:bodyPr rtlCol="0" anchor="ctr"/>
-          <a:lstStyle/>
-          <a:p>
-            <a:pPr algn="ctr"/>
-            <a:r>
-              <a:rPr lang="en-US" altLang="zh-CN" dirty="0"/>
-              <a:t>T22</a:t>
-            </a:r>
-            <a:endParaRPr lang="zh-CN" altLang="en-US" dirty="0"/>
-          </a:p>
-        </p:txBody>
-      </p:sp>
-      <p:sp>
-        <p:nvSpPr>
-          <p:cNvPr id="14" name="矩形 13">
-            <a:extLst>
-              <a:ext uri="{FF2B5EF4-FFF2-40B4-BE49-F238E27FC236}">
-                <a16:creationId xmlns:a16="http://schemas.microsoft.com/office/drawing/2014/main" id="{ECDD92BD-E923-4FEF-8F2A-FFDEF3A5D47E}"/>
-              </a:ext>
-            </a:extLst>
-          </p:cNvPr>
-          <p:cNvSpPr/>
-          <p:nvPr/>
-        </p:nvSpPr>
-        <p:spPr>
-          <a:xfrm>
-            <a:off x="7959625" y="3914502"/>
-            <a:ext cx="1027610" cy="957942"/>
-          </a:xfrm>
-          <a:prstGeom prst="rect">
-            <a:avLst/>
-          </a:prstGeom>
-        </p:spPr>
-        <p:style>
-          <a:lnRef idx="2">
-            <a:schemeClr val="accent4">
-              <a:shade val="50000"/>
-            </a:schemeClr>
-          </a:lnRef>
-          <a:fillRef idx="1">
-            <a:schemeClr val="accent4"/>
-          </a:fillRef>
-          <a:effectRef idx="0">
-            <a:schemeClr val="accent4"/>
-          </a:effectRef>
-          <a:fontRef idx="minor">
-            <a:schemeClr val="lt1"/>
-          </a:fontRef>
-        </p:style>
-        <p:txBody>
-          <a:bodyPr rtlCol="0" anchor="ctr"/>
-          <a:lstStyle/>
-          <a:p>
-            <a:pPr algn="ctr"/>
-            <a:r>
-              <a:rPr lang="en-US" altLang="zh-CN" dirty="0"/>
-              <a:t>T24</a:t>
-            </a:r>
-            <a:endParaRPr lang="zh-CN" altLang="en-US" dirty="0"/>
-          </a:p>
-        </p:txBody>
-      </p:sp>
-      <p:sp>
-        <p:nvSpPr>
-          <p:cNvPr id="15" name="矩形 14">
-            <a:extLst>
-              <a:ext uri="{FF2B5EF4-FFF2-40B4-BE49-F238E27FC236}">
-                <a16:creationId xmlns:a16="http://schemas.microsoft.com/office/drawing/2014/main" id="{B48552F2-F60B-4560-9DD5-CE15FC9DFC11}"/>
-              </a:ext>
-            </a:extLst>
-          </p:cNvPr>
-          <p:cNvSpPr/>
-          <p:nvPr/>
-        </p:nvSpPr>
-        <p:spPr>
-          <a:xfrm>
-            <a:off x="6557553" y="2950029"/>
-            <a:ext cx="1393364" cy="957942"/>
-          </a:xfrm>
-          <a:prstGeom prst="rect">
-            <a:avLst/>
-          </a:prstGeom>
-        </p:spPr>
-        <p:style>
-          <a:lnRef idx="2">
-            <a:schemeClr val="accent4">
-              <a:shade val="50000"/>
-            </a:schemeClr>
-          </a:lnRef>
-          <a:fillRef idx="1">
-            <a:schemeClr val="accent4"/>
-          </a:fillRef>
-          <a:effectRef idx="0">
-            <a:schemeClr val="accent4"/>
-          </a:effectRef>
-          <a:fontRef idx="minor">
-            <a:schemeClr val="lt1"/>
-          </a:fontRef>
-        </p:style>
-        <p:txBody>
-          <a:bodyPr rtlCol="0" anchor="ctr"/>
-          <a:lstStyle/>
-          <a:p>
-            <a:pPr algn="ctr"/>
-            <a:r>
-              <a:rPr lang="en-US" altLang="zh-CN" dirty="0"/>
-              <a:t>T23</a:t>
-            </a:r>
-            <a:endParaRPr lang="zh-CN" altLang="en-US" dirty="0"/>
-          </a:p>
-        </p:txBody>
-      </p:sp>
-      <p:sp>
-        <p:nvSpPr>
-          <p:cNvPr id="16" name="矩形 15">
-            <a:extLst>
-              <a:ext uri="{FF2B5EF4-FFF2-40B4-BE49-F238E27FC236}">
-                <a16:creationId xmlns:a16="http://schemas.microsoft.com/office/drawing/2014/main" id="{A360B559-3910-453A-8A68-4194082DF111}"/>
-              </a:ext>
-            </a:extLst>
-          </p:cNvPr>
-          <p:cNvSpPr/>
-          <p:nvPr/>
-        </p:nvSpPr>
-        <p:spPr>
-          <a:xfrm>
-            <a:off x="6557553" y="1985554"/>
-            <a:ext cx="1027610" cy="957942"/>
-          </a:xfrm>
-          <a:prstGeom prst="rect">
-            <a:avLst/>
-          </a:prstGeom>
-        </p:spPr>
-        <p:style>
-          <a:lnRef idx="2">
-            <a:schemeClr val="accent6">
-              <a:shade val="50000"/>
-            </a:schemeClr>
-          </a:lnRef>
-          <a:fillRef idx="1">
-            <a:schemeClr val="accent6"/>
-          </a:fillRef>
-          <a:effectRef idx="0">
-            <a:schemeClr val="accent6"/>
-          </a:effectRef>
-          <a:fontRef idx="minor">
-            <a:schemeClr val="lt1"/>
-          </a:fontRef>
-        </p:style>
-        <p:txBody>
-          <a:bodyPr rtlCol="0" anchor="ctr"/>
-          <a:lstStyle/>
-          <a:p>
-            <a:pPr algn="ctr"/>
-            <a:r>
-              <a:rPr lang="en-US" altLang="zh-CN" dirty="0"/>
-              <a:t>T32</a:t>
-            </a:r>
-            <a:endParaRPr lang="zh-CN" altLang="en-US" dirty="0"/>
-          </a:p>
-        </p:txBody>
-      </p:sp>
-      <p:sp>
-        <p:nvSpPr>
-          <p:cNvPr id="17" name="矩形 16">
-            <a:extLst>
-              <a:ext uri="{FF2B5EF4-FFF2-40B4-BE49-F238E27FC236}">
-                <a16:creationId xmlns:a16="http://schemas.microsoft.com/office/drawing/2014/main" id="{5C721AA9-5E1F-44D5-B41D-4DE4B968917C}"/>
-              </a:ext>
-            </a:extLst>
-          </p:cNvPr>
-          <p:cNvSpPr/>
-          <p:nvPr/>
-        </p:nvSpPr>
-        <p:spPr>
-          <a:xfrm>
-            <a:off x="7950920" y="2943494"/>
-            <a:ext cx="1027597" cy="971008"/>
-          </a:xfrm>
-          <a:prstGeom prst="rect">
-            <a:avLst/>
-          </a:prstGeom>
-        </p:spPr>
-        <p:style>
-          <a:lnRef idx="2">
-            <a:schemeClr val="accent6">
-              <a:shade val="50000"/>
-            </a:schemeClr>
-          </a:lnRef>
-          <a:fillRef idx="1">
-            <a:schemeClr val="accent6"/>
-          </a:fillRef>
-          <a:effectRef idx="0">
-            <a:schemeClr val="accent6"/>
-          </a:effectRef>
-          <a:fontRef idx="minor">
-            <a:schemeClr val="lt1"/>
-          </a:fontRef>
-        </p:style>
-        <p:txBody>
-          <a:bodyPr rtlCol="0" anchor="ctr"/>
-          <a:lstStyle/>
-          <a:p>
-            <a:pPr algn="ctr"/>
-            <a:r>
-              <a:rPr lang="en-US" altLang="zh-CN" dirty="0"/>
-              <a:t>T33</a:t>
-            </a:r>
-            <a:endParaRPr lang="zh-CN" altLang="en-US" dirty="0"/>
-          </a:p>
-        </p:txBody>
-      </p:sp>
-      <p:sp>
-        <p:nvSpPr>
-          <p:cNvPr id="18" name="矩形 17">
-            <a:extLst>
-              <a:ext uri="{FF2B5EF4-FFF2-40B4-BE49-F238E27FC236}">
-                <a16:creationId xmlns:a16="http://schemas.microsoft.com/office/drawing/2014/main" id="{DB005465-F87E-45CA-B3AD-795C11B3DEE4}"/>
-              </a:ext>
-            </a:extLst>
-          </p:cNvPr>
-          <p:cNvSpPr/>
-          <p:nvPr/>
-        </p:nvSpPr>
-        <p:spPr>
-          <a:xfrm>
-            <a:off x="4781001" y="1021079"/>
-            <a:ext cx="1027610" cy="957942"/>
-          </a:xfrm>
-          <a:prstGeom prst="rect">
-            <a:avLst/>
-          </a:prstGeom>
-        </p:spPr>
-        <p:style>
-          <a:lnRef idx="2">
-            <a:schemeClr val="accent6">
-              <a:shade val="50000"/>
-            </a:schemeClr>
-          </a:lnRef>
-          <a:fillRef idx="1">
-            <a:schemeClr val="accent6"/>
-          </a:fillRef>
-          <a:effectRef idx="0">
-            <a:schemeClr val="accent6"/>
-          </a:effectRef>
-          <a:fontRef idx="minor">
-            <a:schemeClr val="lt1"/>
-          </a:fontRef>
-        </p:style>
-        <p:txBody>
-          <a:bodyPr rtlCol="0" anchor="ctr"/>
-          <a:lstStyle/>
-          <a:p>
-            <a:pPr algn="ctr"/>
-            <a:r>
-              <a:rPr lang="en-US" altLang="zh-CN" dirty="0"/>
-              <a:t>T31</a:t>
-            </a:r>
-            <a:endParaRPr lang="zh-CN" altLang="en-US" dirty="0"/>
-          </a:p>
-        </p:txBody>
-      </p:sp>
-      <p:sp>
-        <p:nvSpPr>
-          <p:cNvPr id="19" name="矩形 18">
-            <a:extLst>
-              <a:ext uri="{FF2B5EF4-FFF2-40B4-BE49-F238E27FC236}">
-                <a16:creationId xmlns:a16="http://schemas.microsoft.com/office/drawing/2014/main" id="{0F16E645-95ED-48A5-8556-C0ACE49000E8}"/>
-              </a:ext>
-            </a:extLst>
-          </p:cNvPr>
-          <p:cNvSpPr/>
-          <p:nvPr/>
-        </p:nvSpPr>
-        <p:spPr>
-          <a:xfrm>
-            <a:off x="3152501" y="1027612"/>
-            <a:ext cx="1027610" cy="957942"/>
-          </a:xfrm>
-          <a:prstGeom prst="rect">
-            <a:avLst/>
-          </a:prstGeom>
-        </p:spPr>
-        <p:style>
-          <a:lnRef idx="2">
-            <a:schemeClr val="accent4">
-              <a:shade val="50000"/>
-            </a:schemeClr>
-          </a:lnRef>
-          <a:fillRef idx="1">
-            <a:schemeClr val="accent4"/>
-          </a:fillRef>
-          <a:effectRef idx="0">
-            <a:schemeClr val="accent4"/>
-          </a:effectRef>
-          <a:fontRef idx="minor">
-            <a:schemeClr val="lt1"/>
-          </a:fontRef>
-        </p:style>
-        <p:txBody>
-          <a:bodyPr rtlCol="0" anchor="ctr"/>
-          <a:lstStyle/>
-          <a:p>
-            <a:pPr algn="ctr"/>
-            <a:r>
-              <a:rPr lang="en-US" altLang="zh-CN" dirty="0"/>
-              <a:t>T21</a:t>
-            </a:r>
-            <a:endParaRPr lang="zh-CN" altLang="en-US" dirty="0"/>
-          </a:p>
-        </p:txBody>
-      </p:sp>
-      <p:sp>
-        <p:nvSpPr>
-          <p:cNvPr id="21" name="矩形 20">
-            <a:extLst>
-              <a:ext uri="{FF2B5EF4-FFF2-40B4-BE49-F238E27FC236}">
-                <a16:creationId xmlns:a16="http://schemas.microsoft.com/office/drawing/2014/main" id="{5D3A0000-6B55-4561-A95D-2DB1DC14E2C4}"/>
-              </a:ext>
-            </a:extLst>
-          </p:cNvPr>
-          <p:cNvSpPr/>
-          <p:nvPr/>
-        </p:nvSpPr>
-        <p:spPr>
-          <a:xfrm>
-            <a:off x="8987225" y="3907971"/>
-            <a:ext cx="1027610" cy="957942"/>
-          </a:xfrm>
-          <a:prstGeom prst="rect">
-            <a:avLst/>
-          </a:prstGeom>
-        </p:spPr>
-        <p:style>
-          <a:lnRef idx="2">
-            <a:schemeClr val="accent6">
-              <a:shade val="50000"/>
-            </a:schemeClr>
-          </a:lnRef>
-          <a:fillRef idx="1">
-            <a:schemeClr val="accent6"/>
-          </a:fillRef>
-          <a:effectRef idx="0">
-            <a:schemeClr val="accent6"/>
-          </a:effectRef>
-          <a:fontRef idx="minor">
-            <a:schemeClr val="lt1"/>
-          </a:fontRef>
-        </p:style>
-        <p:txBody>
-          <a:bodyPr rtlCol="0" anchor="ctr"/>
-          <a:lstStyle/>
-          <a:p>
-            <a:pPr algn="ctr"/>
-            <a:r>
-              <a:rPr lang="en-US" altLang="zh-CN" dirty="0"/>
-              <a:t>T34</a:t>
-            </a:r>
-            <a:endParaRPr lang="zh-CN" altLang="en-US" dirty="0"/>
-          </a:p>
-        </p:txBody>
-      </p:sp>
+      <mc:AlternateContent xmlns:mc="http://schemas.openxmlformats.org/markup-compatibility/2006">
+        <mc:Choice xmlns:a14="http://schemas.microsoft.com/office/drawing/2010/main" Requires="a14">
+          <p:sp>
+            <p:nvSpPr>
+              <p:cNvPr id="7" name="矩形 6">
+                <a:extLst>
+                  <a:ext uri="{FF2B5EF4-FFF2-40B4-BE49-F238E27FC236}">
+                    <a16:creationId xmlns:a16="http://schemas.microsoft.com/office/drawing/2014/main" id="{C01815AA-C460-4F03-8556-2379186DB1CD}"/>
+                  </a:ext>
+                </a:extLst>
+              </p:cNvPr>
+              <p:cNvSpPr/>
+              <p:nvPr/>
+            </p:nvSpPr>
+            <p:spPr>
+              <a:xfrm>
+                <a:off x="3152502" y="1985554"/>
+                <a:ext cx="1628503" cy="957942"/>
+              </a:xfrm>
+              <a:prstGeom prst="rect">
+                <a:avLst/>
+              </a:prstGeom>
+            </p:spPr>
+            <p:style>
+              <a:lnRef idx="2">
+                <a:schemeClr val="accent1">
+                  <a:shade val="50000"/>
+                </a:schemeClr>
+              </a:lnRef>
+              <a:fillRef idx="1">
+                <a:schemeClr val="accent1"/>
+              </a:fillRef>
+              <a:effectRef idx="0">
+                <a:schemeClr val="accent1"/>
+              </a:effectRef>
+              <a:fontRef idx="minor">
+                <a:schemeClr val="lt1"/>
+              </a:fontRef>
+            </p:style>
+            <p:txBody>
+              <a:bodyPr rtlCol="0" anchor="ctr"/>
+              <a:lstStyle/>
+              <a:p>
+                <a:pPr algn="ctr"/>
+                <a14:m>
+                  <m:oMathPara xmlns:m="http://schemas.openxmlformats.org/officeDocument/2006/math">
+                    <m:oMathParaPr>
+                      <m:jc m:val="centerGroup"/>
+                    </m:oMathParaPr>
+                    <m:oMath xmlns:m="http://schemas.openxmlformats.org/officeDocument/2006/math">
+                      <m:r>
+                        <a:rPr lang="en-US" altLang="zh-CN" i="1" dirty="0" smtClean="0">
+                          <a:latin typeface="Cambria Math" panose="02040503050406030204" pitchFamily="18" charset="0"/>
+                        </a:rPr>
+                        <m:t>𝑇</m:t>
+                      </m:r>
+                      <m:r>
+                        <a:rPr lang="en-US" altLang="zh-CN" b="0" i="1" dirty="0" smtClean="0">
+                          <a:latin typeface="Cambria Math" panose="02040503050406030204" pitchFamily="18" charset="0"/>
+                        </a:rPr>
+                        <m:t>(</m:t>
+                      </m:r>
+                      <m:r>
+                        <a:rPr lang="en-US" altLang="zh-CN" b="0" i="1" dirty="0" smtClean="0">
+                          <a:latin typeface="Cambria Math" panose="02040503050406030204" pitchFamily="18" charset="0"/>
+                        </a:rPr>
+                        <m:t>1</m:t>
+                      </m:r>
+                      <m:r>
+                        <a:rPr lang="en-US" altLang="zh-CN" b="0" i="1" dirty="0" smtClean="0">
+                          <a:latin typeface="Cambria Math" panose="02040503050406030204" pitchFamily="18" charset="0"/>
+                        </a:rPr>
+                        <m:t>,</m:t>
+                      </m:r>
+                      <m:r>
+                        <a:rPr lang="en-US" altLang="zh-CN" i="1" dirty="0">
+                          <a:latin typeface="Cambria Math" panose="02040503050406030204" pitchFamily="18" charset="0"/>
+                        </a:rPr>
+                        <m:t>2</m:t>
+                      </m:r>
+                      <m:r>
+                        <a:rPr lang="en-US" altLang="zh-CN" b="0" i="1" dirty="0" smtClean="0">
+                          <a:latin typeface="Cambria Math" panose="02040503050406030204" pitchFamily="18" charset="0"/>
+                        </a:rPr>
+                        <m:t>)</m:t>
+                      </m:r>
+                    </m:oMath>
+                  </m:oMathPara>
+                </a14:m>
+                <a:endParaRPr lang="zh-CN" altLang="en-US" dirty="0"/>
+              </a:p>
+            </p:txBody>
+          </p:sp>
+        </mc:Choice>
+        <mc:Fallback>
+          <p:sp>
+            <p:nvSpPr>
+              <p:cNvPr id="7" name="矩形 6">
+                <a:extLst>
+                  <a:ext uri="{FF2B5EF4-FFF2-40B4-BE49-F238E27FC236}">
+                    <a16:creationId xmlns:a16="http://schemas.microsoft.com/office/drawing/2014/main" id="{C01815AA-C460-4F03-8556-2379186DB1CD}"/>
+                  </a:ext>
+                </a:extLst>
+              </p:cNvPr>
+              <p:cNvSpPr>
+                <a:spLocks noRot="1" noChangeAspect="1" noMove="1" noResize="1" noEditPoints="1" noAdjustHandles="1" noChangeArrowheads="1" noChangeShapeType="1" noTextEdit="1"/>
+              </p:cNvSpPr>
+              <p:nvPr/>
+            </p:nvSpPr>
+            <p:spPr>
+              <a:xfrm>
+                <a:off x="3152502" y="1985554"/>
+                <a:ext cx="1628503" cy="957942"/>
+              </a:xfrm>
+              <a:prstGeom prst="rect">
+                <a:avLst/>
+              </a:prstGeom>
+              <a:blipFill>
+                <a:blip r:embed="rId2"/>
+                <a:stretch>
+                  <a:fillRect/>
+                </a:stretch>
+              </a:blipFill>
+            </p:spPr>
+            <p:txBody>
+              <a:bodyPr/>
+              <a:lstStyle/>
+              <a:p>
+                <a:r>
+                  <a:rPr lang="zh-CN" altLang="en-US">
+                    <a:noFill/>
+                  </a:rPr>
+                  <a:t> </a:t>
+                </a:r>
+              </a:p>
+            </p:txBody>
+          </p:sp>
+        </mc:Fallback>
+      </mc:AlternateContent>
+      <mc:AlternateContent xmlns:mc="http://schemas.openxmlformats.org/markup-compatibility/2006">
+        <mc:Choice xmlns:a14="http://schemas.microsoft.com/office/drawing/2010/main" Requires="a14">
+          <p:sp>
+            <p:nvSpPr>
+              <p:cNvPr id="10" name="矩形 9">
+                <a:extLst>
+                  <a:ext uri="{FF2B5EF4-FFF2-40B4-BE49-F238E27FC236}">
+                    <a16:creationId xmlns:a16="http://schemas.microsoft.com/office/drawing/2014/main" id="{96CCB507-7D3E-48B2-92BC-FFBCA6320B60}"/>
+                  </a:ext>
+                </a:extLst>
+              </p:cNvPr>
+              <p:cNvSpPr/>
+              <p:nvPr/>
+            </p:nvSpPr>
+            <p:spPr>
+              <a:xfrm>
+                <a:off x="2124893" y="1027612"/>
+                <a:ext cx="1027610" cy="957942"/>
+              </a:xfrm>
+              <a:prstGeom prst="rect">
+                <a:avLst/>
+              </a:prstGeom>
+            </p:spPr>
+            <p:style>
+              <a:lnRef idx="2">
+                <a:schemeClr val="accent1">
+                  <a:shade val="50000"/>
+                </a:schemeClr>
+              </a:lnRef>
+              <a:fillRef idx="1">
+                <a:schemeClr val="accent1"/>
+              </a:fillRef>
+              <a:effectRef idx="0">
+                <a:schemeClr val="accent1"/>
+              </a:effectRef>
+              <a:fontRef idx="minor">
+                <a:schemeClr val="lt1"/>
+              </a:fontRef>
+            </p:style>
+            <p:txBody>
+              <a:bodyPr rtlCol="0" anchor="ctr"/>
+              <a:lstStyle/>
+              <a:p>
+                <a:pPr algn="ctr"/>
+                <a14:m>
+                  <m:oMathPara xmlns:m="http://schemas.openxmlformats.org/officeDocument/2006/math">
+                    <m:oMathParaPr>
+                      <m:jc m:val="centerGroup"/>
+                    </m:oMathParaPr>
+                    <m:oMath xmlns:m="http://schemas.openxmlformats.org/officeDocument/2006/math">
+                      <m:r>
+                        <a:rPr lang="en-US" altLang="zh-CN" i="1" dirty="0" smtClean="0">
+                          <a:latin typeface="Cambria Math" panose="02040503050406030204" pitchFamily="18" charset="0"/>
+                        </a:rPr>
+                        <m:t>𝑇</m:t>
+                      </m:r>
+                      <m:r>
+                        <a:rPr lang="en-US" altLang="zh-CN" b="0" i="1" dirty="0" smtClean="0">
+                          <a:latin typeface="Cambria Math" panose="02040503050406030204" pitchFamily="18" charset="0"/>
+                        </a:rPr>
+                        <m:t>(</m:t>
+                      </m:r>
+                      <m:r>
+                        <a:rPr lang="en-US" altLang="zh-CN" b="0" i="1" dirty="0" smtClean="0">
+                          <a:latin typeface="Cambria Math" panose="02040503050406030204" pitchFamily="18" charset="0"/>
+                        </a:rPr>
+                        <m:t>1</m:t>
+                      </m:r>
+                      <m:r>
+                        <a:rPr lang="en-US" altLang="zh-CN" b="0" i="1" dirty="0" smtClean="0">
+                          <a:latin typeface="Cambria Math" panose="02040503050406030204" pitchFamily="18" charset="0"/>
+                        </a:rPr>
+                        <m:t>,</m:t>
+                      </m:r>
+                      <m:r>
+                        <a:rPr lang="en-US" altLang="zh-CN" b="0" i="1" dirty="0" smtClean="0">
+                          <a:latin typeface="Cambria Math" panose="02040503050406030204" pitchFamily="18" charset="0"/>
+                        </a:rPr>
+                        <m:t>1</m:t>
+                      </m:r>
+                      <m:r>
+                        <a:rPr lang="en-US" altLang="zh-CN" b="0" i="1" dirty="0" smtClean="0">
+                          <a:latin typeface="Cambria Math" panose="02040503050406030204" pitchFamily="18" charset="0"/>
+                        </a:rPr>
+                        <m:t>)</m:t>
+                      </m:r>
+                    </m:oMath>
+                  </m:oMathPara>
+                </a14:m>
+                <a:endParaRPr lang="zh-CN" altLang="en-US" dirty="0"/>
+              </a:p>
+            </p:txBody>
+          </p:sp>
+        </mc:Choice>
+        <mc:Fallback>
+          <p:sp>
+            <p:nvSpPr>
+              <p:cNvPr id="10" name="矩形 9">
+                <a:extLst>
+                  <a:ext uri="{FF2B5EF4-FFF2-40B4-BE49-F238E27FC236}">
+                    <a16:creationId xmlns:a16="http://schemas.microsoft.com/office/drawing/2014/main" id="{96CCB507-7D3E-48B2-92BC-FFBCA6320B60}"/>
+                  </a:ext>
+                </a:extLst>
+              </p:cNvPr>
+              <p:cNvSpPr>
+                <a:spLocks noRot="1" noChangeAspect="1" noMove="1" noResize="1" noEditPoints="1" noAdjustHandles="1" noChangeArrowheads="1" noChangeShapeType="1" noTextEdit="1"/>
+              </p:cNvSpPr>
+              <p:nvPr/>
+            </p:nvSpPr>
+            <p:spPr>
+              <a:xfrm>
+                <a:off x="2124893" y="1027612"/>
+                <a:ext cx="1027610" cy="957942"/>
+              </a:xfrm>
+              <a:prstGeom prst="rect">
+                <a:avLst/>
+              </a:prstGeom>
+              <a:blipFill>
+                <a:blip r:embed="rId3"/>
+                <a:stretch>
+                  <a:fillRect/>
+                </a:stretch>
+              </a:blipFill>
+            </p:spPr>
+            <p:txBody>
+              <a:bodyPr/>
+              <a:lstStyle/>
+              <a:p>
+                <a:r>
+                  <a:rPr lang="zh-CN" altLang="en-US">
+                    <a:noFill/>
+                  </a:rPr>
+                  <a:t> </a:t>
+                </a:r>
+              </a:p>
+            </p:txBody>
+          </p:sp>
+        </mc:Fallback>
+      </mc:AlternateContent>
+      <mc:AlternateContent xmlns:mc="http://schemas.openxmlformats.org/markup-compatibility/2006">
+        <mc:Choice xmlns:a14="http://schemas.microsoft.com/office/drawing/2010/main" Requires="a14">
+          <p:sp>
+            <p:nvSpPr>
+              <p:cNvPr id="11" name="矩形 10">
+                <a:extLst>
+                  <a:ext uri="{FF2B5EF4-FFF2-40B4-BE49-F238E27FC236}">
+                    <a16:creationId xmlns:a16="http://schemas.microsoft.com/office/drawing/2014/main" id="{6A5200FC-7E91-4DA4-AC5D-C448290A86C9}"/>
+                  </a:ext>
+                </a:extLst>
+              </p:cNvPr>
+              <p:cNvSpPr/>
+              <p:nvPr/>
+            </p:nvSpPr>
+            <p:spPr>
+              <a:xfrm>
+                <a:off x="5808614" y="3907971"/>
+                <a:ext cx="1027610" cy="957942"/>
+              </a:xfrm>
+              <a:prstGeom prst="rect">
+                <a:avLst/>
+              </a:prstGeom>
+            </p:spPr>
+            <p:style>
+              <a:lnRef idx="2">
+                <a:schemeClr val="accent1">
+                  <a:shade val="50000"/>
+                </a:schemeClr>
+              </a:lnRef>
+              <a:fillRef idx="1">
+                <a:schemeClr val="accent1"/>
+              </a:fillRef>
+              <a:effectRef idx="0">
+                <a:schemeClr val="accent1"/>
+              </a:effectRef>
+              <a:fontRef idx="minor">
+                <a:schemeClr val="lt1"/>
+              </a:fontRef>
+            </p:style>
+            <p:txBody>
+              <a:bodyPr rtlCol="0" anchor="ctr"/>
+              <a:lstStyle/>
+              <a:p>
+                <a:pPr algn="ctr"/>
+                <a14:m>
+                  <m:oMathPara xmlns:m="http://schemas.openxmlformats.org/officeDocument/2006/math">
+                    <m:oMathParaPr>
+                      <m:jc m:val="centerGroup"/>
+                    </m:oMathParaPr>
+                    <m:oMath xmlns:m="http://schemas.openxmlformats.org/officeDocument/2006/math">
+                      <m:r>
+                        <a:rPr lang="en-US" altLang="zh-CN" i="1" dirty="0" smtClean="0">
+                          <a:latin typeface="Cambria Math" panose="02040503050406030204" pitchFamily="18" charset="0"/>
+                        </a:rPr>
+                        <m:t>𝑇</m:t>
+                      </m:r>
+                      <m:r>
+                        <a:rPr lang="en-US" altLang="zh-CN" b="0" i="1" dirty="0" smtClean="0">
+                          <a:latin typeface="Cambria Math" panose="02040503050406030204" pitchFamily="18" charset="0"/>
+                        </a:rPr>
+                        <m:t>(</m:t>
+                      </m:r>
+                      <m:r>
+                        <a:rPr lang="en-US" altLang="zh-CN" b="0" i="1" dirty="0" smtClean="0">
+                          <a:latin typeface="Cambria Math" panose="02040503050406030204" pitchFamily="18" charset="0"/>
+                        </a:rPr>
+                        <m:t>1</m:t>
+                      </m:r>
+                      <m:r>
+                        <a:rPr lang="en-US" altLang="zh-CN" b="0" i="1" dirty="0" smtClean="0">
+                          <a:latin typeface="Cambria Math" panose="02040503050406030204" pitchFamily="18" charset="0"/>
+                        </a:rPr>
+                        <m:t>,</m:t>
+                      </m:r>
+                      <m:r>
+                        <a:rPr lang="en-US" altLang="zh-CN" b="0" i="1" dirty="0" smtClean="0">
+                          <a:latin typeface="Cambria Math" panose="02040503050406030204" pitchFamily="18" charset="0"/>
+                        </a:rPr>
+                        <m:t>4</m:t>
+                      </m:r>
+                      <m:r>
+                        <a:rPr lang="en-US" altLang="zh-CN" b="0" i="1" dirty="0" smtClean="0">
+                          <a:latin typeface="Cambria Math" panose="02040503050406030204" pitchFamily="18" charset="0"/>
+                        </a:rPr>
+                        <m:t>)</m:t>
+                      </m:r>
+                    </m:oMath>
+                  </m:oMathPara>
+                </a14:m>
+                <a:endParaRPr lang="zh-CN" altLang="en-US" dirty="0"/>
+              </a:p>
+            </p:txBody>
+          </p:sp>
+        </mc:Choice>
+        <mc:Fallback>
+          <p:sp>
+            <p:nvSpPr>
+              <p:cNvPr id="11" name="矩形 10">
+                <a:extLst>
+                  <a:ext uri="{FF2B5EF4-FFF2-40B4-BE49-F238E27FC236}">
+                    <a16:creationId xmlns:a16="http://schemas.microsoft.com/office/drawing/2014/main" id="{6A5200FC-7E91-4DA4-AC5D-C448290A86C9}"/>
+                  </a:ext>
+                </a:extLst>
+              </p:cNvPr>
+              <p:cNvSpPr>
+                <a:spLocks noRot="1" noChangeAspect="1" noMove="1" noResize="1" noEditPoints="1" noAdjustHandles="1" noChangeArrowheads="1" noChangeShapeType="1" noTextEdit="1"/>
+              </p:cNvSpPr>
+              <p:nvPr/>
+            </p:nvSpPr>
+            <p:spPr>
+              <a:xfrm>
+                <a:off x="5808614" y="3907971"/>
+                <a:ext cx="1027610" cy="957942"/>
+              </a:xfrm>
+              <a:prstGeom prst="rect">
+                <a:avLst/>
+              </a:prstGeom>
+              <a:blipFill>
+                <a:blip r:embed="rId4"/>
+                <a:stretch>
+                  <a:fillRect/>
+                </a:stretch>
+              </a:blipFill>
+            </p:spPr>
+            <p:txBody>
+              <a:bodyPr/>
+              <a:lstStyle/>
+              <a:p>
+                <a:r>
+                  <a:rPr lang="zh-CN" altLang="en-US">
+                    <a:noFill/>
+                  </a:rPr>
+                  <a:t> </a:t>
+                </a:r>
+              </a:p>
+            </p:txBody>
+          </p:sp>
+        </mc:Fallback>
+      </mc:AlternateContent>
+      <mc:AlternateContent xmlns:mc="http://schemas.openxmlformats.org/markup-compatibility/2006">
+        <mc:Choice xmlns:a14="http://schemas.microsoft.com/office/drawing/2010/main" Requires="a14">
+          <p:sp>
+            <p:nvSpPr>
+              <p:cNvPr id="12" name="矩形 11">
+                <a:extLst>
+                  <a:ext uri="{FF2B5EF4-FFF2-40B4-BE49-F238E27FC236}">
+                    <a16:creationId xmlns:a16="http://schemas.microsoft.com/office/drawing/2014/main" id="{0F17D8E2-907E-4AB5-A727-0EC802B56F5A}"/>
+                  </a:ext>
+                </a:extLst>
+              </p:cNvPr>
+              <p:cNvSpPr/>
+              <p:nvPr/>
+            </p:nvSpPr>
+            <p:spPr>
+              <a:xfrm>
+                <a:off x="4781004" y="2950029"/>
+                <a:ext cx="1027610" cy="957942"/>
+              </a:xfrm>
+              <a:prstGeom prst="rect">
+                <a:avLst/>
+              </a:prstGeom>
+            </p:spPr>
+            <p:style>
+              <a:lnRef idx="2">
+                <a:schemeClr val="accent1">
+                  <a:shade val="50000"/>
+                </a:schemeClr>
+              </a:lnRef>
+              <a:fillRef idx="1">
+                <a:schemeClr val="accent1"/>
+              </a:fillRef>
+              <a:effectRef idx="0">
+                <a:schemeClr val="accent1"/>
+              </a:effectRef>
+              <a:fontRef idx="minor">
+                <a:schemeClr val="lt1"/>
+              </a:fontRef>
+            </p:style>
+            <p:txBody>
+              <a:bodyPr rtlCol="0" anchor="ctr"/>
+              <a:lstStyle/>
+              <a:p>
+                <a:pPr algn="ctr"/>
+                <a14:m>
+                  <m:oMathPara xmlns:m="http://schemas.openxmlformats.org/officeDocument/2006/math">
+                    <m:oMathParaPr>
+                      <m:jc m:val="centerGroup"/>
+                    </m:oMathParaPr>
+                    <m:oMath xmlns:m="http://schemas.openxmlformats.org/officeDocument/2006/math">
+                      <m:r>
+                        <a:rPr lang="en-US" altLang="zh-CN" i="1" dirty="0" smtClean="0">
+                          <a:latin typeface="Cambria Math" panose="02040503050406030204" pitchFamily="18" charset="0"/>
+                        </a:rPr>
+                        <m:t>𝑇</m:t>
+                      </m:r>
+                      <m:r>
+                        <a:rPr lang="en-US" altLang="zh-CN" b="0" i="1" dirty="0" smtClean="0">
+                          <a:latin typeface="Cambria Math" panose="02040503050406030204" pitchFamily="18" charset="0"/>
+                        </a:rPr>
+                        <m:t>(</m:t>
+                      </m:r>
+                      <m:r>
+                        <a:rPr lang="en-US" altLang="zh-CN" b="0" i="1" dirty="0" smtClean="0">
+                          <a:latin typeface="Cambria Math" panose="02040503050406030204" pitchFamily="18" charset="0"/>
+                        </a:rPr>
+                        <m:t>1</m:t>
+                      </m:r>
+                      <m:r>
+                        <a:rPr lang="en-US" altLang="zh-CN" b="0" i="1" dirty="0" smtClean="0">
+                          <a:latin typeface="Cambria Math" panose="02040503050406030204" pitchFamily="18" charset="0"/>
+                        </a:rPr>
+                        <m:t>,</m:t>
+                      </m:r>
+                      <m:r>
+                        <a:rPr lang="en-US" altLang="zh-CN" b="0" i="1" dirty="0" smtClean="0">
+                          <a:latin typeface="Cambria Math" panose="02040503050406030204" pitchFamily="18" charset="0"/>
+                        </a:rPr>
+                        <m:t>3</m:t>
+                      </m:r>
+                      <m:r>
+                        <a:rPr lang="en-US" altLang="zh-CN" b="0" i="1" dirty="0" smtClean="0">
+                          <a:latin typeface="Cambria Math" panose="02040503050406030204" pitchFamily="18" charset="0"/>
+                        </a:rPr>
+                        <m:t>)</m:t>
+                      </m:r>
+                    </m:oMath>
+                  </m:oMathPara>
+                </a14:m>
+                <a:endParaRPr lang="zh-CN" altLang="en-US" dirty="0"/>
+              </a:p>
+            </p:txBody>
+          </p:sp>
+        </mc:Choice>
+        <mc:Fallback>
+          <p:sp>
+            <p:nvSpPr>
+              <p:cNvPr id="12" name="矩形 11">
+                <a:extLst>
+                  <a:ext uri="{FF2B5EF4-FFF2-40B4-BE49-F238E27FC236}">
+                    <a16:creationId xmlns:a16="http://schemas.microsoft.com/office/drawing/2014/main" id="{0F17D8E2-907E-4AB5-A727-0EC802B56F5A}"/>
+                  </a:ext>
+                </a:extLst>
+              </p:cNvPr>
+              <p:cNvSpPr>
+                <a:spLocks noRot="1" noChangeAspect="1" noMove="1" noResize="1" noEditPoints="1" noAdjustHandles="1" noChangeArrowheads="1" noChangeShapeType="1" noTextEdit="1"/>
+              </p:cNvSpPr>
+              <p:nvPr/>
+            </p:nvSpPr>
+            <p:spPr>
+              <a:xfrm>
+                <a:off x="4781004" y="2950029"/>
+                <a:ext cx="1027610" cy="957942"/>
+              </a:xfrm>
+              <a:prstGeom prst="rect">
+                <a:avLst/>
+              </a:prstGeom>
+              <a:blipFill>
+                <a:blip r:embed="rId5"/>
+                <a:stretch>
+                  <a:fillRect/>
+                </a:stretch>
+              </a:blipFill>
+            </p:spPr>
+            <p:txBody>
+              <a:bodyPr/>
+              <a:lstStyle/>
+              <a:p>
+                <a:r>
+                  <a:rPr lang="zh-CN" altLang="en-US">
+                    <a:noFill/>
+                  </a:rPr>
+                  <a:t> </a:t>
+                </a:r>
+              </a:p>
+            </p:txBody>
+          </p:sp>
+        </mc:Fallback>
+      </mc:AlternateContent>
+      <mc:AlternateContent xmlns:mc="http://schemas.openxmlformats.org/markup-compatibility/2006">
+        <mc:Choice xmlns:a14="http://schemas.microsoft.com/office/drawing/2010/main" Requires="a14">
+          <p:sp>
+            <p:nvSpPr>
+              <p:cNvPr id="13" name="矩形 12">
+                <a:extLst>
+                  <a:ext uri="{FF2B5EF4-FFF2-40B4-BE49-F238E27FC236}">
+                    <a16:creationId xmlns:a16="http://schemas.microsoft.com/office/drawing/2014/main" id="{6EA8416D-B2DC-4F64-9741-D1C31233D967}"/>
+                  </a:ext>
+                </a:extLst>
+              </p:cNvPr>
+              <p:cNvSpPr/>
+              <p:nvPr/>
+            </p:nvSpPr>
+            <p:spPr>
+              <a:xfrm>
+                <a:off x="4781000" y="1988821"/>
+                <a:ext cx="1767845" cy="957942"/>
+              </a:xfrm>
+              <a:prstGeom prst="rect">
+                <a:avLst/>
+              </a:prstGeom>
+            </p:spPr>
+            <p:style>
+              <a:lnRef idx="2">
+                <a:schemeClr val="accent4">
+                  <a:shade val="50000"/>
+                </a:schemeClr>
+              </a:lnRef>
+              <a:fillRef idx="1">
+                <a:schemeClr val="accent4"/>
+              </a:fillRef>
+              <a:effectRef idx="0">
+                <a:schemeClr val="accent4"/>
+              </a:effectRef>
+              <a:fontRef idx="minor">
+                <a:schemeClr val="lt1"/>
+              </a:fontRef>
+            </p:style>
+            <p:txBody>
+              <a:bodyPr rtlCol="0" anchor="ctr"/>
+              <a:lstStyle/>
+              <a:p>
+                <a:pPr algn="ctr"/>
+                <a14:m>
+                  <m:oMathPara xmlns:m="http://schemas.openxmlformats.org/officeDocument/2006/math">
+                    <m:oMathParaPr>
+                      <m:jc m:val="centerGroup"/>
+                    </m:oMathParaPr>
+                    <m:oMath xmlns:m="http://schemas.openxmlformats.org/officeDocument/2006/math">
+                      <m:r>
+                        <a:rPr lang="en-US" altLang="zh-CN" i="1" dirty="0" smtClean="0">
+                          <a:latin typeface="Cambria Math" panose="02040503050406030204" pitchFamily="18" charset="0"/>
+                        </a:rPr>
+                        <m:t>𝑇</m:t>
+                      </m:r>
+                      <m:r>
+                        <a:rPr lang="en-US" altLang="zh-CN" b="0" i="1" dirty="0" smtClean="0">
+                          <a:latin typeface="Cambria Math" panose="02040503050406030204" pitchFamily="18" charset="0"/>
+                        </a:rPr>
+                        <m:t>(</m:t>
+                      </m:r>
+                      <m:r>
+                        <a:rPr lang="en-US" altLang="zh-CN" i="1" dirty="0">
+                          <a:latin typeface="Cambria Math" panose="02040503050406030204" pitchFamily="18" charset="0"/>
+                        </a:rPr>
+                        <m:t>2</m:t>
+                      </m:r>
+                      <m:r>
+                        <a:rPr lang="en-US" altLang="zh-CN" b="0" i="1" dirty="0" smtClean="0">
+                          <a:latin typeface="Cambria Math" panose="02040503050406030204" pitchFamily="18" charset="0"/>
+                        </a:rPr>
+                        <m:t>,</m:t>
+                      </m:r>
+                      <m:r>
+                        <a:rPr lang="en-US" altLang="zh-CN" i="1" dirty="0">
+                          <a:latin typeface="Cambria Math" panose="02040503050406030204" pitchFamily="18" charset="0"/>
+                        </a:rPr>
+                        <m:t>2</m:t>
+                      </m:r>
+                      <m:r>
+                        <a:rPr lang="en-US" altLang="zh-CN" b="0" i="1" dirty="0" smtClean="0">
+                          <a:latin typeface="Cambria Math" panose="02040503050406030204" pitchFamily="18" charset="0"/>
+                        </a:rPr>
+                        <m:t>)</m:t>
+                      </m:r>
+                    </m:oMath>
+                  </m:oMathPara>
+                </a14:m>
+                <a:endParaRPr lang="zh-CN" altLang="en-US" dirty="0"/>
+              </a:p>
+            </p:txBody>
+          </p:sp>
+        </mc:Choice>
+        <mc:Fallback>
+          <p:sp>
+            <p:nvSpPr>
+              <p:cNvPr id="13" name="矩形 12">
+                <a:extLst>
+                  <a:ext uri="{FF2B5EF4-FFF2-40B4-BE49-F238E27FC236}">
+                    <a16:creationId xmlns:a16="http://schemas.microsoft.com/office/drawing/2014/main" id="{6EA8416D-B2DC-4F64-9741-D1C31233D967}"/>
+                  </a:ext>
+                </a:extLst>
+              </p:cNvPr>
+              <p:cNvSpPr>
+                <a:spLocks noRot="1" noChangeAspect="1" noMove="1" noResize="1" noEditPoints="1" noAdjustHandles="1" noChangeArrowheads="1" noChangeShapeType="1" noTextEdit="1"/>
+              </p:cNvSpPr>
+              <p:nvPr/>
+            </p:nvSpPr>
+            <p:spPr>
+              <a:xfrm>
+                <a:off x="4781000" y="1988821"/>
+                <a:ext cx="1767845" cy="957942"/>
+              </a:xfrm>
+              <a:prstGeom prst="rect">
+                <a:avLst/>
+              </a:prstGeom>
+              <a:blipFill>
+                <a:blip r:embed="rId6"/>
+                <a:stretch>
+                  <a:fillRect/>
+                </a:stretch>
+              </a:blipFill>
+            </p:spPr>
+            <p:txBody>
+              <a:bodyPr/>
+              <a:lstStyle/>
+              <a:p>
+                <a:r>
+                  <a:rPr lang="zh-CN" altLang="en-US">
+                    <a:noFill/>
+                  </a:rPr>
+                  <a:t> </a:t>
+                </a:r>
+              </a:p>
+            </p:txBody>
+          </p:sp>
+        </mc:Fallback>
+      </mc:AlternateContent>
+      <mc:AlternateContent xmlns:mc="http://schemas.openxmlformats.org/markup-compatibility/2006">
+        <mc:Choice xmlns:a14="http://schemas.microsoft.com/office/drawing/2010/main" Requires="a14">
+          <p:sp>
+            <p:nvSpPr>
+              <p:cNvPr id="14" name="矩形 13">
+                <a:extLst>
+                  <a:ext uri="{FF2B5EF4-FFF2-40B4-BE49-F238E27FC236}">
+                    <a16:creationId xmlns:a16="http://schemas.microsoft.com/office/drawing/2014/main" id="{ECDD92BD-E923-4FEF-8F2A-FFDEF3A5D47E}"/>
+                  </a:ext>
+                </a:extLst>
+              </p:cNvPr>
+              <p:cNvSpPr/>
+              <p:nvPr/>
+            </p:nvSpPr>
+            <p:spPr>
+              <a:xfrm>
+                <a:off x="7315201" y="3914502"/>
+                <a:ext cx="1027610" cy="957942"/>
+              </a:xfrm>
+              <a:prstGeom prst="rect">
+                <a:avLst/>
+              </a:prstGeom>
+            </p:spPr>
+            <p:style>
+              <a:lnRef idx="2">
+                <a:schemeClr val="accent4">
+                  <a:shade val="50000"/>
+                </a:schemeClr>
+              </a:lnRef>
+              <a:fillRef idx="1">
+                <a:schemeClr val="accent4"/>
+              </a:fillRef>
+              <a:effectRef idx="0">
+                <a:schemeClr val="accent4"/>
+              </a:effectRef>
+              <a:fontRef idx="minor">
+                <a:schemeClr val="lt1"/>
+              </a:fontRef>
+            </p:style>
+            <p:txBody>
+              <a:bodyPr rtlCol="0" anchor="ctr"/>
+              <a:lstStyle/>
+              <a:p>
+                <a:pPr algn="ctr"/>
+                <a14:m>
+                  <m:oMathPara xmlns:m="http://schemas.openxmlformats.org/officeDocument/2006/math">
+                    <m:oMathParaPr>
+                      <m:jc m:val="centerGroup"/>
+                    </m:oMathParaPr>
+                    <m:oMath xmlns:m="http://schemas.openxmlformats.org/officeDocument/2006/math">
+                      <m:r>
+                        <a:rPr lang="en-US" altLang="zh-CN" i="1" dirty="0" smtClean="0">
+                          <a:latin typeface="Cambria Math" panose="02040503050406030204" pitchFamily="18" charset="0"/>
+                        </a:rPr>
+                        <m:t>𝑇</m:t>
+                      </m:r>
+                      <m:r>
+                        <a:rPr lang="en-US" altLang="zh-CN" b="0" i="1" dirty="0" smtClean="0">
+                          <a:latin typeface="Cambria Math" panose="02040503050406030204" pitchFamily="18" charset="0"/>
+                        </a:rPr>
+                        <m:t>(</m:t>
+                      </m:r>
+                      <m:r>
+                        <a:rPr lang="en-US" altLang="zh-CN" i="1" dirty="0">
+                          <a:latin typeface="Cambria Math" panose="02040503050406030204" pitchFamily="18" charset="0"/>
+                        </a:rPr>
+                        <m:t>2</m:t>
+                      </m:r>
+                      <m:r>
+                        <a:rPr lang="en-US" altLang="zh-CN" b="0" i="1" dirty="0" smtClean="0">
+                          <a:latin typeface="Cambria Math" panose="02040503050406030204" pitchFamily="18" charset="0"/>
+                        </a:rPr>
+                        <m:t>,</m:t>
+                      </m:r>
+                      <m:r>
+                        <a:rPr lang="en-US" altLang="zh-CN" b="0" i="1" dirty="0" smtClean="0">
+                          <a:latin typeface="Cambria Math" panose="02040503050406030204" pitchFamily="18" charset="0"/>
+                        </a:rPr>
+                        <m:t>4</m:t>
+                      </m:r>
+                      <m:r>
+                        <a:rPr lang="en-US" altLang="zh-CN" b="0" i="1" dirty="0" smtClean="0">
+                          <a:latin typeface="Cambria Math" panose="02040503050406030204" pitchFamily="18" charset="0"/>
+                        </a:rPr>
+                        <m:t>)</m:t>
+                      </m:r>
+                    </m:oMath>
+                  </m:oMathPara>
+                </a14:m>
+                <a:endParaRPr lang="zh-CN" altLang="en-US" dirty="0"/>
+              </a:p>
+            </p:txBody>
+          </p:sp>
+        </mc:Choice>
+        <mc:Fallback>
+          <p:sp>
+            <p:nvSpPr>
+              <p:cNvPr id="14" name="矩形 13">
+                <a:extLst>
+                  <a:ext uri="{FF2B5EF4-FFF2-40B4-BE49-F238E27FC236}">
+                    <a16:creationId xmlns:a16="http://schemas.microsoft.com/office/drawing/2014/main" id="{ECDD92BD-E923-4FEF-8F2A-FFDEF3A5D47E}"/>
+                  </a:ext>
+                </a:extLst>
+              </p:cNvPr>
+              <p:cNvSpPr>
+                <a:spLocks noRot="1" noChangeAspect="1" noMove="1" noResize="1" noEditPoints="1" noAdjustHandles="1" noChangeArrowheads="1" noChangeShapeType="1" noTextEdit="1"/>
+              </p:cNvSpPr>
+              <p:nvPr/>
+            </p:nvSpPr>
+            <p:spPr>
+              <a:xfrm>
+                <a:off x="7315201" y="3914502"/>
+                <a:ext cx="1027610" cy="957942"/>
+              </a:xfrm>
+              <a:prstGeom prst="rect">
+                <a:avLst/>
+              </a:prstGeom>
+              <a:blipFill>
+                <a:blip r:embed="rId7"/>
+                <a:stretch>
+                  <a:fillRect/>
+                </a:stretch>
+              </a:blipFill>
+            </p:spPr>
+            <p:txBody>
+              <a:bodyPr/>
+              <a:lstStyle/>
+              <a:p>
+                <a:r>
+                  <a:rPr lang="zh-CN" altLang="en-US">
+                    <a:noFill/>
+                  </a:rPr>
+                  <a:t> </a:t>
+                </a:r>
+              </a:p>
+            </p:txBody>
+          </p:sp>
+        </mc:Fallback>
+      </mc:AlternateContent>
+      <mc:AlternateContent xmlns:mc="http://schemas.openxmlformats.org/markup-compatibility/2006">
+        <mc:Choice xmlns:a14="http://schemas.microsoft.com/office/drawing/2010/main" Requires="a14">
+          <p:sp>
+            <p:nvSpPr>
+              <p:cNvPr id="15" name="矩形 14">
+                <a:extLst>
+                  <a:ext uri="{FF2B5EF4-FFF2-40B4-BE49-F238E27FC236}">
+                    <a16:creationId xmlns:a16="http://schemas.microsoft.com/office/drawing/2014/main" id="{B48552F2-F60B-4560-9DD5-CE15FC9DFC11}"/>
+                  </a:ext>
+                </a:extLst>
+              </p:cNvPr>
+              <p:cNvSpPr/>
+              <p:nvPr/>
+            </p:nvSpPr>
+            <p:spPr>
+              <a:xfrm>
+                <a:off x="6557552" y="2950029"/>
+                <a:ext cx="766357" cy="957942"/>
+              </a:xfrm>
+              <a:prstGeom prst="rect">
+                <a:avLst/>
+              </a:prstGeom>
+            </p:spPr>
+            <p:style>
+              <a:lnRef idx="2">
+                <a:schemeClr val="accent4">
+                  <a:shade val="50000"/>
+                </a:schemeClr>
+              </a:lnRef>
+              <a:fillRef idx="1">
+                <a:schemeClr val="accent4"/>
+              </a:fillRef>
+              <a:effectRef idx="0">
+                <a:schemeClr val="accent4"/>
+              </a:effectRef>
+              <a:fontRef idx="minor">
+                <a:schemeClr val="lt1"/>
+              </a:fontRef>
+            </p:style>
+            <p:txBody>
+              <a:bodyPr rtlCol="0" anchor="ctr"/>
+              <a:lstStyle/>
+              <a:p>
+                <a:pPr algn="ctr"/>
+                <a14:m>
+                  <m:oMathPara xmlns:m="http://schemas.openxmlformats.org/officeDocument/2006/math">
+                    <m:oMathParaPr>
+                      <m:jc m:val="centerGroup"/>
+                    </m:oMathParaPr>
+                    <m:oMath xmlns:m="http://schemas.openxmlformats.org/officeDocument/2006/math">
+                      <m:r>
+                        <a:rPr lang="en-US" altLang="zh-CN" i="1" dirty="0" smtClean="0">
+                          <a:latin typeface="Cambria Math" panose="02040503050406030204" pitchFamily="18" charset="0"/>
+                        </a:rPr>
+                        <m:t>𝑇</m:t>
+                      </m:r>
+                      <m:r>
+                        <a:rPr lang="en-US" altLang="zh-CN" b="0" i="1" dirty="0" smtClean="0">
+                          <a:latin typeface="Cambria Math" panose="02040503050406030204" pitchFamily="18" charset="0"/>
+                        </a:rPr>
+                        <m:t>(</m:t>
+                      </m:r>
+                      <m:r>
+                        <a:rPr lang="en-US" altLang="zh-CN" i="1" dirty="0">
+                          <a:latin typeface="Cambria Math" panose="02040503050406030204" pitchFamily="18" charset="0"/>
+                        </a:rPr>
+                        <m:t>2</m:t>
+                      </m:r>
+                      <m:r>
+                        <a:rPr lang="en-US" altLang="zh-CN" b="0" i="1" dirty="0" smtClean="0">
+                          <a:latin typeface="Cambria Math" panose="02040503050406030204" pitchFamily="18" charset="0"/>
+                        </a:rPr>
+                        <m:t>,</m:t>
+                      </m:r>
+                      <m:r>
+                        <a:rPr lang="en-US" altLang="zh-CN" b="0" i="1" dirty="0" smtClean="0">
+                          <a:latin typeface="Cambria Math" panose="02040503050406030204" pitchFamily="18" charset="0"/>
+                        </a:rPr>
+                        <m:t>3</m:t>
+                      </m:r>
+                      <m:r>
+                        <a:rPr lang="en-US" altLang="zh-CN" b="0" i="1" dirty="0" smtClean="0">
+                          <a:latin typeface="Cambria Math" panose="02040503050406030204" pitchFamily="18" charset="0"/>
+                        </a:rPr>
+                        <m:t>)</m:t>
+                      </m:r>
+                    </m:oMath>
+                  </m:oMathPara>
+                </a14:m>
+                <a:endParaRPr lang="zh-CN" altLang="en-US" dirty="0"/>
+              </a:p>
+            </p:txBody>
+          </p:sp>
+        </mc:Choice>
+        <mc:Fallback>
+          <p:sp>
+            <p:nvSpPr>
+              <p:cNvPr id="15" name="矩形 14">
+                <a:extLst>
+                  <a:ext uri="{FF2B5EF4-FFF2-40B4-BE49-F238E27FC236}">
+                    <a16:creationId xmlns:a16="http://schemas.microsoft.com/office/drawing/2014/main" id="{B48552F2-F60B-4560-9DD5-CE15FC9DFC11}"/>
+                  </a:ext>
+                </a:extLst>
+              </p:cNvPr>
+              <p:cNvSpPr>
+                <a:spLocks noRot="1" noChangeAspect="1" noMove="1" noResize="1" noEditPoints="1" noAdjustHandles="1" noChangeArrowheads="1" noChangeShapeType="1" noTextEdit="1"/>
+              </p:cNvSpPr>
+              <p:nvPr/>
+            </p:nvSpPr>
+            <p:spPr>
+              <a:xfrm>
+                <a:off x="6557552" y="2950029"/>
+                <a:ext cx="766357" cy="957942"/>
+              </a:xfrm>
+              <a:prstGeom prst="rect">
+                <a:avLst/>
+              </a:prstGeom>
+              <a:blipFill>
+                <a:blip r:embed="rId8"/>
+                <a:stretch>
+                  <a:fillRect l="-5512" r="-2362"/>
+                </a:stretch>
+              </a:blipFill>
+            </p:spPr>
+            <p:txBody>
+              <a:bodyPr/>
+              <a:lstStyle/>
+              <a:p>
+                <a:r>
+                  <a:rPr lang="zh-CN" altLang="en-US">
+                    <a:noFill/>
+                  </a:rPr>
+                  <a:t> </a:t>
+                </a:r>
+              </a:p>
+            </p:txBody>
+          </p:sp>
+        </mc:Fallback>
+      </mc:AlternateContent>
+      <mc:AlternateContent xmlns:mc="http://schemas.openxmlformats.org/markup-compatibility/2006">
+        <mc:Choice xmlns:a14="http://schemas.microsoft.com/office/drawing/2010/main" Requires="a14">
+          <p:sp>
+            <p:nvSpPr>
+              <p:cNvPr id="16" name="矩形 15">
+                <a:extLst>
+                  <a:ext uri="{FF2B5EF4-FFF2-40B4-BE49-F238E27FC236}">
+                    <a16:creationId xmlns:a16="http://schemas.microsoft.com/office/drawing/2014/main" id="{A360B559-3910-453A-8A68-4194082DF111}"/>
+                  </a:ext>
+                </a:extLst>
+              </p:cNvPr>
+              <p:cNvSpPr/>
+              <p:nvPr/>
+            </p:nvSpPr>
+            <p:spPr>
+              <a:xfrm>
+                <a:off x="6557553" y="1985554"/>
+                <a:ext cx="853444" cy="957942"/>
+              </a:xfrm>
+              <a:prstGeom prst="rect">
+                <a:avLst/>
+              </a:prstGeom>
+            </p:spPr>
+            <p:style>
+              <a:lnRef idx="2">
+                <a:schemeClr val="accent6">
+                  <a:shade val="50000"/>
+                </a:schemeClr>
+              </a:lnRef>
+              <a:fillRef idx="1">
+                <a:schemeClr val="accent6"/>
+              </a:fillRef>
+              <a:effectRef idx="0">
+                <a:schemeClr val="accent6"/>
+              </a:effectRef>
+              <a:fontRef idx="minor">
+                <a:schemeClr val="lt1"/>
+              </a:fontRef>
+            </p:style>
+            <p:txBody>
+              <a:bodyPr rtlCol="0" anchor="ctr"/>
+              <a:lstStyle/>
+              <a:p>
+                <a:pPr algn="ctr"/>
+                <a14:m>
+                  <m:oMathPara xmlns:m="http://schemas.openxmlformats.org/officeDocument/2006/math">
+                    <m:oMathParaPr>
+                      <m:jc m:val="centerGroup"/>
+                    </m:oMathParaPr>
+                    <m:oMath xmlns:m="http://schemas.openxmlformats.org/officeDocument/2006/math">
+                      <m:r>
+                        <a:rPr lang="en-US" altLang="zh-CN" i="1" dirty="0" smtClean="0">
+                          <a:latin typeface="Cambria Math" panose="02040503050406030204" pitchFamily="18" charset="0"/>
+                        </a:rPr>
+                        <m:t>𝑇</m:t>
+                      </m:r>
+                      <m:r>
+                        <a:rPr lang="en-US" altLang="zh-CN" b="0" i="1" dirty="0" smtClean="0">
+                          <a:latin typeface="Cambria Math" panose="02040503050406030204" pitchFamily="18" charset="0"/>
+                        </a:rPr>
+                        <m:t>(</m:t>
+                      </m:r>
+                      <m:r>
+                        <a:rPr lang="en-US" altLang="zh-CN" b="0" i="1" dirty="0" smtClean="0">
+                          <a:latin typeface="Cambria Math" panose="02040503050406030204" pitchFamily="18" charset="0"/>
+                        </a:rPr>
+                        <m:t>3</m:t>
+                      </m:r>
+                      <m:r>
+                        <a:rPr lang="en-US" altLang="zh-CN" b="0" i="1" dirty="0" smtClean="0">
+                          <a:latin typeface="Cambria Math" panose="02040503050406030204" pitchFamily="18" charset="0"/>
+                        </a:rPr>
+                        <m:t>,</m:t>
+                      </m:r>
+                      <m:r>
+                        <a:rPr lang="en-US" altLang="zh-CN" i="1" dirty="0">
+                          <a:latin typeface="Cambria Math" panose="02040503050406030204" pitchFamily="18" charset="0"/>
+                        </a:rPr>
+                        <m:t>2</m:t>
+                      </m:r>
+                      <m:r>
+                        <a:rPr lang="en-US" altLang="zh-CN" b="0" i="1" dirty="0" smtClean="0">
+                          <a:latin typeface="Cambria Math" panose="02040503050406030204" pitchFamily="18" charset="0"/>
+                        </a:rPr>
+                        <m:t>)</m:t>
+                      </m:r>
+                    </m:oMath>
+                  </m:oMathPara>
+                </a14:m>
+                <a:endParaRPr lang="zh-CN" altLang="en-US" dirty="0"/>
+              </a:p>
+            </p:txBody>
+          </p:sp>
+        </mc:Choice>
+        <mc:Fallback>
+          <p:sp>
+            <p:nvSpPr>
+              <p:cNvPr id="16" name="矩形 15">
+                <a:extLst>
+                  <a:ext uri="{FF2B5EF4-FFF2-40B4-BE49-F238E27FC236}">
+                    <a16:creationId xmlns:a16="http://schemas.microsoft.com/office/drawing/2014/main" id="{A360B559-3910-453A-8A68-4194082DF111}"/>
+                  </a:ext>
+                </a:extLst>
+              </p:cNvPr>
+              <p:cNvSpPr>
+                <a:spLocks noRot="1" noChangeAspect="1" noMove="1" noResize="1" noEditPoints="1" noAdjustHandles="1" noChangeArrowheads="1" noChangeShapeType="1" noTextEdit="1"/>
+              </p:cNvSpPr>
+              <p:nvPr/>
+            </p:nvSpPr>
+            <p:spPr>
+              <a:xfrm>
+                <a:off x="6557553" y="1985554"/>
+                <a:ext cx="853444" cy="957942"/>
+              </a:xfrm>
+              <a:prstGeom prst="rect">
+                <a:avLst/>
+              </a:prstGeom>
+              <a:blipFill>
+                <a:blip r:embed="rId9"/>
+                <a:stretch>
+                  <a:fillRect/>
+                </a:stretch>
+              </a:blipFill>
+            </p:spPr>
+            <p:txBody>
+              <a:bodyPr/>
+              <a:lstStyle/>
+              <a:p>
+                <a:r>
+                  <a:rPr lang="zh-CN" altLang="en-US">
+                    <a:noFill/>
+                  </a:rPr>
+                  <a:t> </a:t>
+                </a:r>
+              </a:p>
+            </p:txBody>
+          </p:sp>
+        </mc:Fallback>
+      </mc:AlternateContent>
+      <mc:AlternateContent xmlns:mc="http://schemas.openxmlformats.org/markup-compatibility/2006">
+        <mc:Choice xmlns:a14="http://schemas.microsoft.com/office/drawing/2010/main" Requires="a14">
+          <p:sp>
+            <p:nvSpPr>
+              <p:cNvPr id="17" name="矩形 16">
+                <a:extLst>
+                  <a:ext uri="{FF2B5EF4-FFF2-40B4-BE49-F238E27FC236}">
+                    <a16:creationId xmlns:a16="http://schemas.microsoft.com/office/drawing/2014/main" id="{5C721AA9-5E1F-44D5-B41D-4DE4B968917C}"/>
+                  </a:ext>
+                </a:extLst>
+              </p:cNvPr>
+              <p:cNvSpPr/>
+              <p:nvPr/>
+            </p:nvSpPr>
+            <p:spPr>
+              <a:xfrm>
+                <a:off x="7424042" y="2938595"/>
+                <a:ext cx="1245329" cy="971008"/>
+              </a:xfrm>
+              <a:prstGeom prst="rect">
+                <a:avLst/>
+              </a:prstGeom>
+            </p:spPr>
+            <p:style>
+              <a:lnRef idx="2">
+                <a:schemeClr val="accent6">
+                  <a:shade val="50000"/>
+                </a:schemeClr>
+              </a:lnRef>
+              <a:fillRef idx="1">
+                <a:schemeClr val="accent6"/>
+              </a:fillRef>
+              <a:effectRef idx="0">
+                <a:schemeClr val="accent6"/>
+              </a:effectRef>
+              <a:fontRef idx="minor">
+                <a:schemeClr val="lt1"/>
+              </a:fontRef>
+            </p:style>
+            <p:txBody>
+              <a:bodyPr rtlCol="0" anchor="ctr"/>
+              <a:lstStyle/>
+              <a:p>
+                <a:pPr algn="ctr"/>
+                <a14:m>
+                  <m:oMathPara xmlns:m="http://schemas.openxmlformats.org/officeDocument/2006/math">
+                    <m:oMathParaPr>
+                      <m:jc m:val="centerGroup"/>
+                    </m:oMathParaPr>
+                    <m:oMath xmlns:m="http://schemas.openxmlformats.org/officeDocument/2006/math">
+                      <m:r>
+                        <a:rPr lang="en-US" altLang="zh-CN" i="1" dirty="0" smtClean="0">
+                          <a:latin typeface="Cambria Math" panose="02040503050406030204" pitchFamily="18" charset="0"/>
+                        </a:rPr>
+                        <m:t>𝑇</m:t>
+                      </m:r>
+                      <m:r>
+                        <a:rPr lang="en-US" altLang="zh-CN" b="0" i="1" dirty="0" smtClean="0">
+                          <a:latin typeface="Cambria Math" panose="02040503050406030204" pitchFamily="18" charset="0"/>
+                        </a:rPr>
+                        <m:t>(</m:t>
+                      </m:r>
+                      <m:r>
+                        <a:rPr lang="en-US" altLang="zh-CN" b="0" i="1" dirty="0" smtClean="0">
+                          <a:latin typeface="Cambria Math" panose="02040503050406030204" pitchFamily="18" charset="0"/>
+                        </a:rPr>
+                        <m:t>3</m:t>
+                      </m:r>
+                      <m:r>
+                        <a:rPr lang="en-US" altLang="zh-CN" b="0" i="1" dirty="0" smtClean="0">
+                          <a:latin typeface="Cambria Math" panose="02040503050406030204" pitchFamily="18" charset="0"/>
+                        </a:rPr>
+                        <m:t>,</m:t>
+                      </m:r>
+                      <m:r>
+                        <a:rPr lang="en-US" altLang="zh-CN" b="0" i="1" dirty="0" smtClean="0">
+                          <a:latin typeface="Cambria Math" panose="02040503050406030204" pitchFamily="18" charset="0"/>
+                        </a:rPr>
+                        <m:t>3</m:t>
+                      </m:r>
+                      <m:r>
+                        <a:rPr lang="en-US" altLang="zh-CN" b="0" i="1" dirty="0" smtClean="0">
+                          <a:latin typeface="Cambria Math" panose="02040503050406030204" pitchFamily="18" charset="0"/>
+                        </a:rPr>
+                        <m:t>)</m:t>
+                      </m:r>
+                    </m:oMath>
+                  </m:oMathPara>
+                </a14:m>
+                <a:endParaRPr lang="zh-CN" altLang="en-US" dirty="0"/>
+              </a:p>
+            </p:txBody>
+          </p:sp>
+        </mc:Choice>
+        <mc:Fallback>
+          <p:sp>
+            <p:nvSpPr>
+              <p:cNvPr id="17" name="矩形 16">
+                <a:extLst>
+                  <a:ext uri="{FF2B5EF4-FFF2-40B4-BE49-F238E27FC236}">
+                    <a16:creationId xmlns:a16="http://schemas.microsoft.com/office/drawing/2014/main" id="{5C721AA9-5E1F-44D5-B41D-4DE4B968917C}"/>
+                  </a:ext>
+                </a:extLst>
+              </p:cNvPr>
+              <p:cNvSpPr>
+                <a:spLocks noRot="1" noChangeAspect="1" noMove="1" noResize="1" noEditPoints="1" noAdjustHandles="1" noChangeArrowheads="1" noChangeShapeType="1" noTextEdit="1"/>
+              </p:cNvSpPr>
+              <p:nvPr/>
+            </p:nvSpPr>
+            <p:spPr>
+              <a:xfrm>
+                <a:off x="7424042" y="2938595"/>
+                <a:ext cx="1245329" cy="971008"/>
+              </a:xfrm>
+              <a:prstGeom prst="rect">
+                <a:avLst/>
+              </a:prstGeom>
+              <a:blipFill>
+                <a:blip r:embed="rId10"/>
+                <a:stretch>
+                  <a:fillRect/>
+                </a:stretch>
+              </a:blipFill>
+            </p:spPr>
+            <p:txBody>
+              <a:bodyPr/>
+              <a:lstStyle/>
+              <a:p>
+                <a:r>
+                  <a:rPr lang="zh-CN" altLang="en-US">
+                    <a:noFill/>
+                  </a:rPr>
+                  <a:t> </a:t>
+                </a:r>
+              </a:p>
+            </p:txBody>
+          </p:sp>
+        </mc:Fallback>
+      </mc:AlternateContent>
+      <mc:AlternateContent xmlns:mc="http://schemas.openxmlformats.org/markup-compatibility/2006">
+        <mc:Choice xmlns:a14="http://schemas.microsoft.com/office/drawing/2010/main" Requires="a14">
+          <p:sp>
+            <p:nvSpPr>
+              <p:cNvPr id="18" name="矩形 17">
+                <a:extLst>
+                  <a:ext uri="{FF2B5EF4-FFF2-40B4-BE49-F238E27FC236}">
+                    <a16:creationId xmlns:a16="http://schemas.microsoft.com/office/drawing/2014/main" id="{DB005465-F87E-45CA-B3AD-795C11B3DEE4}"/>
+                  </a:ext>
+                </a:extLst>
+              </p:cNvPr>
+              <p:cNvSpPr/>
+              <p:nvPr/>
+            </p:nvSpPr>
+            <p:spPr>
+              <a:xfrm>
+                <a:off x="4188819" y="1030878"/>
+                <a:ext cx="1461755" cy="957942"/>
+              </a:xfrm>
+              <a:prstGeom prst="rect">
+                <a:avLst/>
+              </a:prstGeom>
+            </p:spPr>
+            <p:style>
+              <a:lnRef idx="2">
+                <a:schemeClr val="accent6">
+                  <a:shade val="50000"/>
+                </a:schemeClr>
+              </a:lnRef>
+              <a:fillRef idx="1">
+                <a:schemeClr val="accent6"/>
+              </a:fillRef>
+              <a:effectRef idx="0">
+                <a:schemeClr val="accent6"/>
+              </a:effectRef>
+              <a:fontRef idx="minor">
+                <a:schemeClr val="lt1"/>
+              </a:fontRef>
+            </p:style>
+            <p:txBody>
+              <a:bodyPr rtlCol="0" anchor="ctr"/>
+              <a:lstStyle/>
+              <a:p>
+                <a:pPr algn="ctr"/>
+                <a14:m>
+                  <m:oMathPara xmlns:m="http://schemas.openxmlformats.org/officeDocument/2006/math">
+                    <m:oMathParaPr>
+                      <m:jc m:val="centerGroup"/>
+                    </m:oMathParaPr>
+                    <m:oMath xmlns:m="http://schemas.openxmlformats.org/officeDocument/2006/math">
+                      <m:r>
+                        <a:rPr lang="en-US" altLang="zh-CN" i="1" dirty="0" smtClean="0">
+                          <a:latin typeface="Cambria Math" panose="02040503050406030204" pitchFamily="18" charset="0"/>
+                        </a:rPr>
+                        <m:t>𝑇</m:t>
+                      </m:r>
+                      <m:r>
+                        <a:rPr lang="en-US" altLang="zh-CN" i="1" dirty="0" smtClean="0">
+                          <a:latin typeface="Cambria Math" panose="02040503050406030204" pitchFamily="18" charset="0"/>
+                        </a:rPr>
+                        <m:t>(3,1)</m:t>
+                      </m:r>
+                    </m:oMath>
+                  </m:oMathPara>
+                </a14:m>
+                <a:endParaRPr lang="zh-CN" altLang="en-US" dirty="0"/>
+              </a:p>
+            </p:txBody>
+          </p:sp>
+        </mc:Choice>
+        <mc:Fallback>
+          <p:sp>
+            <p:nvSpPr>
+              <p:cNvPr id="18" name="矩形 17">
+                <a:extLst>
+                  <a:ext uri="{FF2B5EF4-FFF2-40B4-BE49-F238E27FC236}">
+                    <a16:creationId xmlns:a16="http://schemas.microsoft.com/office/drawing/2014/main" id="{DB005465-F87E-45CA-B3AD-795C11B3DEE4}"/>
+                  </a:ext>
+                </a:extLst>
+              </p:cNvPr>
+              <p:cNvSpPr>
+                <a:spLocks noRot="1" noChangeAspect="1" noMove="1" noResize="1" noEditPoints="1" noAdjustHandles="1" noChangeArrowheads="1" noChangeShapeType="1" noTextEdit="1"/>
+              </p:cNvSpPr>
+              <p:nvPr/>
+            </p:nvSpPr>
+            <p:spPr>
+              <a:xfrm>
+                <a:off x="4188819" y="1030878"/>
+                <a:ext cx="1461755" cy="957942"/>
+              </a:xfrm>
+              <a:prstGeom prst="rect">
+                <a:avLst/>
+              </a:prstGeom>
+              <a:blipFill>
+                <a:blip r:embed="rId11"/>
+                <a:stretch>
+                  <a:fillRect/>
+                </a:stretch>
+              </a:blipFill>
+            </p:spPr>
+            <p:txBody>
+              <a:bodyPr/>
+              <a:lstStyle/>
+              <a:p>
+                <a:r>
+                  <a:rPr lang="zh-CN" altLang="en-US">
+                    <a:noFill/>
+                  </a:rPr>
+                  <a:t> </a:t>
+                </a:r>
+              </a:p>
+            </p:txBody>
+          </p:sp>
+        </mc:Fallback>
+      </mc:AlternateContent>
+      <mc:AlternateContent xmlns:mc="http://schemas.openxmlformats.org/markup-compatibility/2006">
+        <mc:Choice xmlns:a14="http://schemas.microsoft.com/office/drawing/2010/main" Requires="a14">
+          <p:sp>
+            <p:nvSpPr>
+              <p:cNvPr id="19" name="矩形 18">
+                <a:extLst>
+                  <a:ext uri="{FF2B5EF4-FFF2-40B4-BE49-F238E27FC236}">
+                    <a16:creationId xmlns:a16="http://schemas.microsoft.com/office/drawing/2014/main" id="{0F16E645-95ED-48A5-8556-C0ACE49000E8}"/>
+                  </a:ext>
+                </a:extLst>
+              </p:cNvPr>
+              <p:cNvSpPr/>
+              <p:nvPr/>
+            </p:nvSpPr>
+            <p:spPr>
+              <a:xfrm>
+                <a:off x="3152501" y="1027612"/>
+                <a:ext cx="1027610" cy="957942"/>
+              </a:xfrm>
+              <a:prstGeom prst="rect">
+                <a:avLst/>
+              </a:prstGeom>
+            </p:spPr>
+            <p:style>
+              <a:lnRef idx="2">
+                <a:schemeClr val="accent4">
+                  <a:shade val="50000"/>
+                </a:schemeClr>
+              </a:lnRef>
+              <a:fillRef idx="1">
+                <a:schemeClr val="accent4"/>
+              </a:fillRef>
+              <a:effectRef idx="0">
+                <a:schemeClr val="accent4"/>
+              </a:effectRef>
+              <a:fontRef idx="minor">
+                <a:schemeClr val="lt1"/>
+              </a:fontRef>
+            </p:style>
+            <p:txBody>
+              <a:bodyPr rtlCol="0" anchor="ctr"/>
+              <a:lstStyle/>
+              <a:p>
+                <a:pPr algn="ctr"/>
+                <a14:m>
+                  <m:oMathPara xmlns:m="http://schemas.openxmlformats.org/officeDocument/2006/math">
+                    <m:oMathParaPr>
+                      <m:jc m:val="centerGroup"/>
+                    </m:oMathParaPr>
+                    <m:oMath xmlns:m="http://schemas.openxmlformats.org/officeDocument/2006/math">
+                      <m:r>
+                        <a:rPr lang="en-US" altLang="zh-CN" i="1" dirty="0" smtClean="0">
+                          <a:latin typeface="Cambria Math" panose="02040503050406030204" pitchFamily="18" charset="0"/>
+                        </a:rPr>
+                        <m:t>𝑇</m:t>
+                      </m:r>
+                      <m:r>
+                        <a:rPr lang="en-US" altLang="zh-CN" b="0" i="1" dirty="0" smtClean="0">
+                          <a:latin typeface="Cambria Math" panose="02040503050406030204" pitchFamily="18" charset="0"/>
+                        </a:rPr>
+                        <m:t>(</m:t>
+                      </m:r>
+                      <m:r>
+                        <a:rPr lang="en-US" altLang="zh-CN" b="0" i="1" dirty="0" smtClean="0">
+                          <a:latin typeface="Cambria Math" panose="02040503050406030204" pitchFamily="18" charset="0"/>
+                        </a:rPr>
+                        <m:t>2</m:t>
+                      </m:r>
+                      <m:r>
+                        <a:rPr lang="en-US" altLang="zh-CN" b="0" i="1" dirty="0" smtClean="0">
+                          <a:latin typeface="Cambria Math" panose="02040503050406030204" pitchFamily="18" charset="0"/>
+                        </a:rPr>
+                        <m:t>,</m:t>
+                      </m:r>
+                      <m:r>
+                        <a:rPr lang="en-US" altLang="zh-CN" b="0" i="1" dirty="0" smtClean="0">
+                          <a:latin typeface="Cambria Math" panose="02040503050406030204" pitchFamily="18" charset="0"/>
+                        </a:rPr>
+                        <m:t>1</m:t>
+                      </m:r>
+                      <m:r>
+                        <a:rPr lang="en-US" altLang="zh-CN" b="0" i="1" dirty="0" smtClean="0">
+                          <a:latin typeface="Cambria Math" panose="02040503050406030204" pitchFamily="18" charset="0"/>
+                        </a:rPr>
+                        <m:t>)</m:t>
+                      </m:r>
+                    </m:oMath>
+                  </m:oMathPara>
+                </a14:m>
+                <a:endParaRPr lang="zh-CN" altLang="en-US" dirty="0"/>
+              </a:p>
+            </p:txBody>
+          </p:sp>
+        </mc:Choice>
+        <mc:Fallback>
+          <p:sp>
+            <p:nvSpPr>
+              <p:cNvPr id="19" name="矩形 18">
+                <a:extLst>
+                  <a:ext uri="{FF2B5EF4-FFF2-40B4-BE49-F238E27FC236}">
+                    <a16:creationId xmlns:a16="http://schemas.microsoft.com/office/drawing/2014/main" id="{0F16E645-95ED-48A5-8556-C0ACE49000E8}"/>
+                  </a:ext>
+                </a:extLst>
+              </p:cNvPr>
+              <p:cNvSpPr>
+                <a:spLocks noRot="1" noChangeAspect="1" noMove="1" noResize="1" noEditPoints="1" noAdjustHandles="1" noChangeArrowheads="1" noChangeShapeType="1" noTextEdit="1"/>
+              </p:cNvSpPr>
+              <p:nvPr/>
+            </p:nvSpPr>
+            <p:spPr>
+              <a:xfrm>
+                <a:off x="3152501" y="1027612"/>
+                <a:ext cx="1027610" cy="957942"/>
+              </a:xfrm>
+              <a:prstGeom prst="rect">
+                <a:avLst/>
+              </a:prstGeom>
+              <a:blipFill>
+                <a:blip r:embed="rId12"/>
+                <a:stretch>
+                  <a:fillRect/>
+                </a:stretch>
+              </a:blipFill>
+            </p:spPr>
+            <p:txBody>
+              <a:bodyPr/>
+              <a:lstStyle/>
+              <a:p>
+                <a:r>
+                  <a:rPr lang="zh-CN" altLang="en-US">
+                    <a:noFill/>
+                  </a:rPr>
+                  <a:t> </a:t>
+                </a:r>
+              </a:p>
+            </p:txBody>
+          </p:sp>
+        </mc:Fallback>
+      </mc:AlternateContent>
+      <mc:AlternateContent xmlns:mc="http://schemas.openxmlformats.org/markup-compatibility/2006">
+        <mc:Choice xmlns:a14="http://schemas.microsoft.com/office/drawing/2010/main" Requires="a14">
+          <p:sp>
+            <p:nvSpPr>
+              <p:cNvPr id="21" name="矩形 20">
+                <a:extLst>
+                  <a:ext uri="{FF2B5EF4-FFF2-40B4-BE49-F238E27FC236}">
+                    <a16:creationId xmlns:a16="http://schemas.microsoft.com/office/drawing/2014/main" id="{5D3A0000-6B55-4561-A95D-2DB1DC14E2C4}"/>
+                  </a:ext>
+                </a:extLst>
+              </p:cNvPr>
+              <p:cNvSpPr/>
+              <p:nvPr/>
+            </p:nvSpPr>
+            <p:spPr>
+              <a:xfrm>
+                <a:off x="8651955" y="3901437"/>
+                <a:ext cx="1027610" cy="957942"/>
+              </a:xfrm>
+              <a:prstGeom prst="rect">
+                <a:avLst/>
+              </a:prstGeom>
+            </p:spPr>
+            <p:style>
+              <a:lnRef idx="2">
+                <a:schemeClr val="accent6">
+                  <a:shade val="50000"/>
+                </a:schemeClr>
+              </a:lnRef>
+              <a:fillRef idx="1">
+                <a:schemeClr val="accent6"/>
+              </a:fillRef>
+              <a:effectRef idx="0">
+                <a:schemeClr val="accent6"/>
+              </a:effectRef>
+              <a:fontRef idx="minor">
+                <a:schemeClr val="lt1"/>
+              </a:fontRef>
+            </p:style>
+            <p:txBody>
+              <a:bodyPr rtlCol="0" anchor="ctr"/>
+              <a:lstStyle/>
+              <a:p>
+                <a:pPr algn="ctr"/>
+                <a14:m>
+                  <m:oMathPara xmlns:m="http://schemas.openxmlformats.org/officeDocument/2006/math">
+                    <m:oMathParaPr>
+                      <m:jc m:val="centerGroup"/>
+                    </m:oMathParaPr>
+                    <m:oMath xmlns:m="http://schemas.openxmlformats.org/officeDocument/2006/math">
+                      <m:r>
+                        <a:rPr lang="en-US" altLang="zh-CN" i="1" dirty="0" smtClean="0">
+                          <a:latin typeface="Cambria Math" panose="02040503050406030204" pitchFamily="18" charset="0"/>
+                        </a:rPr>
+                        <m:t>𝑇</m:t>
+                      </m:r>
+                      <m:r>
+                        <a:rPr lang="en-US" altLang="zh-CN" b="0" i="1" dirty="0" smtClean="0">
+                          <a:latin typeface="Cambria Math" panose="02040503050406030204" pitchFamily="18" charset="0"/>
+                        </a:rPr>
+                        <m:t>(</m:t>
+                      </m:r>
+                      <m:r>
+                        <a:rPr lang="en-US" altLang="zh-CN" b="0" i="1" dirty="0" smtClean="0">
+                          <a:latin typeface="Cambria Math" panose="02040503050406030204" pitchFamily="18" charset="0"/>
+                        </a:rPr>
+                        <m:t>3</m:t>
+                      </m:r>
+                      <m:r>
+                        <a:rPr lang="en-US" altLang="zh-CN" b="0" i="1" dirty="0" smtClean="0">
+                          <a:latin typeface="Cambria Math" panose="02040503050406030204" pitchFamily="18" charset="0"/>
+                        </a:rPr>
+                        <m:t>,</m:t>
+                      </m:r>
+                      <m:r>
+                        <a:rPr lang="en-US" altLang="zh-CN" b="0" i="1" dirty="0" smtClean="0">
+                          <a:latin typeface="Cambria Math" panose="02040503050406030204" pitchFamily="18" charset="0"/>
+                        </a:rPr>
+                        <m:t>4</m:t>
+                      </m:r>
+                      <m:r>
+                        <a:rPr lang="en-US" altLang="zh-CN" b="0" i="1" dirty="0" smtClean="0">
+                          <a:latin typeface="Cambria Math" panose="02040503050406030204" pitchFamily="18" charset="0"/>
+                        </a:rPr>
+                        <m:t>)</m:t>
+                      </m:r>
+                    </m:oMath>
+                  </m:oMathPara>
+                </a14:m>
+                <a:endParaRPr lang="zh-CN" altLang="en-US" dirty="0"/>
+              </a:p>
+            </p:txBody>
+          </p:sp>
+        </mc:Choice>
+        <mc:Fallback>
+          <p:sp>
+            <p:nvSpPr>
+              <p:cNvPr id="21" name="矩形 20">
+                <a:extLst>
+                  <a:ext uri="{FF2B5EF4-FFF2-40B4-BE49-F238E27FC236}">
+                    <a16:creationId xmlns:a16="http://schemas.microsoft.com/office/drawing/2014/main" id="{5D3A0000-6B55-4561-A95D-2DB1DC14E2C4}"/>
+                  </a:ext>
+                </a:extLst>
+              </p:cNvPr>
+              <p:cNvSpPr>
+                <a:spLocks noRot="1" noChangeAspect="1" noMove="1" noResize="1" noEditPoints="1" noAdjustHandles="1" noChangeArrowheads="1" noChangeShapeType="1" noTextEdit="1"/>
+              </p:cNvSpPr>
+              <p:nvPr/>
+            </p:nvSpPr>
+            <p:spPr>
+              <a:xfrm>
+                <a:off x="8651955" y="3901437"/>
+                <a:ext cx="1027610" cy="957942"/>
+              </a:xfrm>
+              <a:prstGeom prst="rect">
+                <a:avLst/>
+              </a:prstGeom>
+              <a:blipFill>
+                <a:blip r:embed="rId13"/>
+                <a:stretch>
+                  <a:fillRect/>
+                </a:stretch>
+              </a:blipFill>
+            </p:spPr>
+            <p:txBody>
+              <a:bodyPr/>
+              <a:lstStyle/>
+              <a:p>
+                <a:r>
+                  <a:rPr lang="zh-CN" altLang="en-US">
+                    <a:noFill/>
+                  </a:rPr>
+                  <a:t> </a:t>
+                </a:r>
+              </a:p>
+            </p:txBody>
+          </p:sp>
+        </mc:Fallback>
+      </mc:AlternateContent>
       <p:cxnSp>
         <p:nvCxnSpPr>
           <p:cNvPr id="23" name="直接连接符 22">
@@ -4146,10 +5225,2413 @@
           </a:fontRef>
         </p:style>
       </p:cxnSp>
+      <p:sp>
+        <p:nvSpPr>
+          <p:cNvPr id="2" name="文本框 1">
+            <a:extLst>
+              <a:ext uri="{FF2B5EF4-FFF2-40B4-BE49-F238E27FC236}">
+                <a16:creationId xmlns:a16="http://schemas.microsoft.com/office/drawing/2014/main" id="{B49E1099-1021-8941-98C3-0345EE3D4C8B}"/>
+              </a:ext>
+            </a:extLst>
+          </p:cNvPr>
+          <p:cNvSpPr txBox="1"/>
+          <p:nvPr/>
+        </p:nvSpPr>
+        <p:spPr>
+          <a:xfrm>
+            <a:off x="1484942" y="1326815"/>
+            <a:ext cx="527709" cy="369332"/>
+          </a:xfrm>
+          <a:prstGeom prst="rect">
+            <a:avLst/>
+          </a:prstGeom>
+          <a:noFill/>
+        </p:spPr>
+        <p:txBody>
+          <a:bodyPr wrap="none" rtlCol="0">
+            <a:spAutoFit/>
+          </a:bodyPr>
+          <a:lstStyle/>
+          <a:p>
+            <a:r>
+              <a:rPr kumimoji="1" lang="en-US" altLang="zh-CN" dirty="0"/>
+              <a:t>CJ1</a:t>
+            </a:r>
+            <a:endParaRPr kumimoji="1" lang="zh-CN" altLang="en-US" dirty="0"/>
+          </a:p>
+        </p:txBody>
+      </p:sp>
+      <p:sp>
+        <p:nvSpPr>
+          <p:cNvPr id="3" name="文本框 2">
+            <a:extLst>
+              <a:ext uri="{FF2B5EF4-FFF2-40B4-BE49-F238E27FC236}">
+                <a16:creationId xmlns:a16="http://schemas.microsoft.com/office/drawing/2014/main" id="{760FB4EA-B075-D04C-9846-369211AE8581}"/>
+              </a:ext>
+            </a:extLst>
+          </p:cNvPr>
+          <p:cNvSpPr txBox="1"/>
+          <p:nvPr/>
+        </p:nvSpPr>
+        <p:spPr>
+          <a:xfrm>
+            <a:off x="1457252" y="2283124"/>
+            <a:ext cx="527709" cy="369332"/>
+          </a:xfrm>
+          <a:prstGeom prst="rect">
+            <a:avLst/>
+          </a:prstGeom>
+          <a:noFill/>
+        </p:spPr>
+        <p:txBody>
+          <a:bodyPr wrap="none" rtlCol="0">
+            <a:spAutoFit/>
+          </a:bodyPr>
+          <a:lstStyle/>
+          <a:p>
+            <a:r>
+              <a:rPr kumimoji="1" lang="en-US" altLang="zh-CN" dirty="0"/>
+              <a:t>CJ2</a:t>
+            </a:r>
+            <a:endParaRPr kumimoji="1" lang="zh-CN" altLang="en-US" dirty="0"/>
+          </a:p>
+        </p:txBody>
+      </p:sp>
+      <p:sp>
+        <p:nvSpPr>
+          <p:cNvPr id="9" name="文本框 8">
+            <a:extLst>
+              <a:ext uri="{FF2B5EF4-FFF2-40B4-BE49-F238E27FC236}">
+                <a16:creationId xmlns:a16="http://schemas.microsoft.com/office/drawing/2014/main" id="{CDEF8829-4586-1642-B1B4-28CC504B1082}"/>
+              </a:ext>
+            </a:extLst>
+          </p:cNvPr>
+          <p:cNvSpPr txBox="1"/>
+          <p:nvPr/>
+        </p:nvSpPr>
+        <p:spPr>
+          <a:xfrm>
+            <a:off x="1456914" y="3239433"/>
+            <a:ext cx="903111" cy="369332"/>
+          </a:xfrm>
+          <a:prstGeom prst="rect">
+            <a:avLst/>
+          </a:prstGeom>
+          <a:noFill/>
+        </p:spPr>
+        <p:txBody>
+          <a:bodyPr wrap="square" rtlCol="0">
+            <a:spAutoFit/>
+          </a:bodyPr>
+          <a:lstStyle/>
+          <a:p>
+            <a:r>
+              <a:rPr kumimoji="1" lang="en-US" altLang="zh-CN" dirty="0"/>
+              <a:t>CJ3</a:t>
+            </a:r>
+            <a:endParaRPr kumimoji="1" lang="zh-CN" altLang="en-US" dirty="0"/>
+          </a:p>
+        </p:txBody>
+      </p:sp>
+      <p:sp>
+        <p:nvSpPr>
+          <p:cNvPr id="20" name="文本框 19">
+            <a:extLst>
+              <a:ext uri="{FF2B5EF4-FFF2-40B4-BE49-F238E27FC236}">
+                <a16:creationId xmlns:a16="http://schemas.microsoft.com/office/drawing/2014/main" id="{93E9EDA7-AF37-2042-8A16-BA9F0223CA9F}"/>
+              </a:ext>
+            </a:extLst>
+          </p:cNvPr>
+          <p:cNvSpPr txBox="1"/>
+          <p:nvPr/>
+        </p:nvSpPr>
+        <p:spPr>
+          <a:xfrm>
+            <a:off x="1456914" y="4208807"/>
+            <a:ext cx="527709" cy="369332"/>
+          </a:xfrm>
+          <a:prstGeom prst="rect">
+            <a:avLst/>
+          </a:prstGeom>
+          <a:noFill/>
+        </p:spPr>
+        <p:txBody>
+          <a:bodyPr wrap="none" rtlCol="0">
+            <a:spAutoFit/>
+          </a:bodyPr>
+          <a:lstStyle/>
+          <a:p>
+            <a:r>
+              <a:rPr kumimoji="1" lang="en-US" altLang="zh-CN" dirty="0"/>
+              <a:t>CJ4</a:t>
+            </a:r>
+            <a:endParaRPr kumimoji="1" lang="zh-CN" altLang="en-US" dirty="0"/>
+          </a:p>
+        </p:txBody>
+      </p:sp>
+      <p:cxnSp>
+        <p:nvCxnSpPr>
+          <p:cNvPr id="28" name="直接箭头连接符 27">
+            <a:extLst>
+              <a:ext uri="{FF2B5EF4-FFF2-40B4-BE49-F238E27FC236}">
+                <a16:creationId xmlns:a16="http://schemas.microsoft.com/office/drawing/2014/main" id="{7256F7B8-B13C-4872-AAB6-4242101FC0CE}"/>
+              </a:ext>
+            </a:extLst>
+          </p:cNvPr>
+          <p:cNvCxnSpPr>
+            <a:cxnSpLocks/>
+          </p:cNvCxnSpPr>
+          <p:nvPr/>
+        </p:nvCxnSpPr>
+        <p:spPr>
+          <a:xfrm>
+            <a:off x="2033452" y="5242560"/>
+            <a:ext cx="8338457" cy="0"/>
+          </a:xfrm>
+          <a:prstGeom prst="straightConnector1">
+            <a:avLst/>
+          </a:prstGeom>
+          <a:ln>
+            <a:solidFill>
+              <a:schemeClr val="tx1"/>
+            </a:solidFill>
+            <a:tailEnd type="triangle"/>
+          </a:ln>
+        </p:spPr>
+        <p:style>
+          <a:lnRef idx="1">
+            <a:schemeClr val="dk1"/>
+          </a:lnRef>
+          <a:fillRef idx="0">
+            <a:schemeClr val="dk1"/>
+          </a:fillRef>
+          <a:effectRef idx="0">
+            <a:schemeClr val="dk1"/>
+          </a:effectRef>
+          <a:fontRef idx="minor">
+            <a:schemeClr val="tx1"/>
+          </a:fontRef>
+        </p:style>
+      </p:cxnSp>
+      <p:sp>
+        <p:nvSpPr>
+          <p:cNvPr id="31" name="文本框 30">
+            <a:extLst>
+              <a:ext uri="{FF2B5EF4-FFF2-40B4-BE49-F238E27FC236}">
+                <a16:creationId xmlns:a16="http://schemas.microsoft.com/office/drawing/2014/main" id="{36EA42B0-C9F9-4993-BB15-5A56EF66A79E}"/>
+              </a:ext>
+            </a:extLst>
+          </p:cNvPr>
+          <p:cNvSpPr txBox="1"/>
+          <p:nvPr/>
+        </p:nvSpPr>
+        <p:spPr>
+          <a:xfrm>
+            <a:off x="9344275" y="5249876"/>
+            <a:ext cx="1341120" cy="369332"/>
+          </a:xfrm>
+          <a:prstGeom prst="rect">
+            <a:avLst/>
+          </a:prstGeom>
+          <a:noFill/>
+        </p:spPr>
+        <p:txBody>
+          <a:bodyPr wrap="square" rtlCol="0">
+            <a:spAutoFit/>
+          </a:bodyPr>
+          <a:lstStyle/>
+          <a:p>
+            <a:r>
+              <a:rPr lang="zh-CN" altLang="en-US" dirty="0"/>
+              <a:t>时间</a:t>
+            </a:r>
+          </a:p>
+        </p:txBody>
+      </p:sp>
     </p:spTree>
     <p:extLst>
       <p:ext uri="{BB962C8B-B14F-4D97-AF65-F5344CB8AC3E}">
         <p14:creationId xmlns:p14="http://schemas.microsoft.com/office/powerpoint/2010/main" val="1587626096"/>
+      </p:ext>
+    </p:extLst>
+  </p:cSld>
+  <p:clrMapOvr>
+    <a:masterClrMapping/>
+  </p:clrMapOvr>
+</p:sld>
+</file>
+
+<file path=ppt/slides/slide2.xml><?xml version="1.0" encoding="utf-8"?>
+<p:sld xmlns:a="http://schemas.openxmlformats.org/drawingml/2006/main" xmlns:r="http://schemas.openxmlformats.org/officeDocument/2006/relationships" xmlns:p="http://schemas.openxmlformats.org/presentationml/2006/main">
+  <p:cSld>
+    <p:spTree>
+      <p:nvGrpSpPr>
+        <p:cNvPr id="1" name=""/>
+        <p:cNvGrpSpPr/>
+        <p:nvPr/>
+      </p:nvGrpSpPr>
+      <p:grpSpPr>
+        <a:xfrm>
+          <a:off x="0" y="0"/>
+          <a:ext cx="0" cy="0"/>
+          <a:chOff x="0" y="0"/>
+          <a:chExt cx="0" cy="0"/>
+        </a:xfrm>
+      </p:grpSpPr>
+      <p:sp>
+        <p:nvSpPr>
+          <p:cNvPr id="4" name="矩形 3">
+            <a:extLst>
+              <a:ext uri="{FF2B5EF4-FFF2-40B4-BE49-F238E27FC236}">
+                <a16:creationId xmlns:a16="http://schemas.microsoft.com/office/drawing/2014/main" id="{57685954-DCDE-412E-8D10-0BDC1D892755}"/>
+              </a:ext>
+            </a:extLst>
+          </p:cNvPr>
+          <p:cNvSpPr/>
+          <p:nvPr/>
+        </p:nvSpPr>
+        <p:spPr>
+          <a:xfrm>
+            <a:off x="2124892" y="1021079"/>
+            <a:ext cx="7968333" cy="3844834"/>
+          </a:xfrm>
+          <a:prstGeom prst="rect">
+            <a:avLst/>
+          </a:prstGeom>
+          <a:solidFill>
+            <a:schemeClr val="bg1"/>
+          </a:solidFill>
+          <a:ln>
+            <a:solidFill>
+              <a:schemeClr val="tx1"/>
+            </a:solidFill>
+          </a:ln>
+        </p:spPr>
+        <p:style>
+          <a:lnRef idx="2">
+            <a:schemeClr val="accent1">
+              <a:shade val="50000"/>
+            </a:schemeClr>
+          </a:lnRef>
+          <a:fillRef idx="1">
+            <a:schemeClr val="accent1"/>
+          </a:fillRef>
+          <a:effectRef idx="0">
+            <a:schemeClr val="accent1"/>
+          </a:effectRef>
+          <a:fontRef idx="minor">
+            <a:schemeClr val="lt1"/>
+          </a:fontRef>
+        </p:style>
+        <p:txBody>
+          <a:bodyPr rtlCol="0" anchor="ctr"/>
+          <a:lstStyle/>
+          <a:p>
+            <a:pPr algn="ctr"/>
+            <a:endParaRPr lang="zh-CN" altLang="en-US" dirty="0"/>
+          </a:p>
+        </p:txBody>
+      </p:sp>
+      <p:sp>
+        <p:nvSpPr>
+          <p:cNvPr id="37" name="矩形 36">
+            <a:extLst>
+              <a:ext uri="{FF2B5EF4-FFF2-40B4-BE49-F238E27FC236}">
+                <a16:creationId xmlns:a16="http://schemas.microsoft.com/office/drawing/2014/main" id="{AA0A1C20-901F-4061-809C-1F76FFC8C0A9}"/>
+              </a:ext>
+            </a:extLst>
+          </p:cNvPr>
+          <p:cNvSpPr/>
+          <p:nvPr/>
+        </p:nvSpPr>
+        <p:spPr>
+          <a:xfrm>
+            <a:off x="6836225" y="3917771"/>
+            <a:ext cx="2229390" cy="951408"/>
+          </a:xfrm>
+          <a:prstGeom prst="rect">
+            <a:avLst/>
+          </a:prstGeom>
+        </p:spPr>
+        <p:style>
+          <a:lnRef idx="2">
+            <a:schemeClr val="accent3">
+              <a:shade val="50000"/>
+            </a:schemeClr>
+          </a:lnRef>
+          <a:fillRef idx="1">
+            <a:schemeClr val="accent3"/>
+          </a:fillRef>
+          <a:effectRef idx="0">
+            <a:schemeClr val="accent3"/>
+          </a:effectRef>
+          <a:fontRef idx="minor">
+            <a:schemeClr val="lt1"/>
+          </a:fontRef>
+        </p:style>
+        <p:txBody>
+          <a:bodyPr rtlCol="0" anchor="ctr"/>
+          <a:lstStyle/>
+          <a:p>
+            <a:pPr algn="ctr"/>
+            <a:endParaRPr lang="zh-CN" altLang="en-US"/>
+          </a:p>
+        </p:txBody>
+      </p:sp>
+      <p:sp>
+        <p:nvSpPr>
+          <p:cNvPr id="36" name="矩形 35">
+            <a:extLst>
+              <a:ext uri="{FF2B5EF4-FFF2-40B4-BE49-F238E27FC236}">
+                <a16:creationId xmlns:a16="http://schemas.microsoft.com/office/drawing/2014/main" id="{B0B23C7A-27C1-47FB-9739-55F412D382EC}"/>
+              </a:ext>
+            </a:extLst>
+          </p:cNvPr>
+          <p:cNvSpPr/>
+          <p:nvPr/>
+        </p:nvSpPr>
+        <p:spPr>
+          <a:xfrm>
+            <a:off x="5808613" y="2950029"/>
+            <a:ext cx="2229391" cy="951408"/>
+          </a:xfrm>
+          <a:prstGeom prst="rect">
+            <a:avLst/>
+          </a:prstGeom>
+        </p:spPr>
+        <p:style>
+          <a:lnRef idx="2">
+            <a:schemeClr val="accent3">
+              <a:shade val="50000"/>
+            </a:schemeClr>
+          </a:lnRef>
+          <a:fillRef idx="1">
+            <a:schemeClr val="accent3"/>
+          </a:fillRef>
+          <a:effectRef idx="0">
+            <a:schemeClr val="accent3"/>
+          </a:effectRef>
+          <a:fontRef idx="minor">
+            <a:schemeClr val="lt1"/>
+          </a:fontRef>
+        </p:style>
+        <p:txBody>
+          <a:bodyPr rtlCol="0" anchor="ctr"/>
+          <a:lstStyle/>
+          <a:p>
+            <a:pPr algn="ctr"/>
+            <a:endParaRPr lang="zh-CN" altLang="en-US"/>
+          </a:p>
+        </p:txBody>
+      </p:sp>
+      <mc:AlternateContent xmlns:mc="http://schemas.openxmlformats.org/markup-compatibility/2006">
+        <mc:Choice xmlns:a14="http://schemas.microsoft.com/office/drawing/2010/main" Requires="a14">
+          <p:sp>
+            <p:nvSpPr>
+              <p:cNvPr id="7" name="矩形 6">
+                <a:extLst>
+                  <a:ext uri="{FF2B5EF4-FFF2-40B4-BE49-F238E27FC236}">
+                    <a16:creationId xmlns:a16="http://schemas.microsoft.com/office/drawing/2014/main" id="{914A832E-5F8F-4559-BEF9-C32C29D8D802}"/>
+                  </a:ext>
+                </a:extLst>
+              </p:cNvPr>
+              <p:cNvSpPr/>
+              <p:nvPr/>
+            </p:nvSpPr>
+            <p:spPr>
+              <a:xfrm>
+                <a:off x="3152502" y="1985554"/>
+                <a:ext cx="1628503" cy="957942"/>
+              </a:xfrm>
+              <a:prstGeom prst="rect">
+                <a:avLst/>
+              </a:prstGeom>
+            </p:spPr>
+            <p:style>
+              <a:lnRef idx="2">
+                <a:schemeClr val="accent6">
+                  <a:shade val="50000"/>
+                </a:schemeClr>
+              </a:lnRef>
+              <a:fillRef idx="1">
+                <a:schemeClr val="accent6"/>
+              </a:fillRef>
+              <a:effectRef idx="0">
+                <a:schemeClr val="accent6"/>
+              </a:effectRef>
+              <a:fontRef idx="minor">
+                <a:schemeClr val="lt1"/>
+              </a:fontRef>
+            </p:style>
+            <p:txBody>
+              <a:bodyPr rtlCol="0" anchor="ctr"/>
+              <a:lstStyle/>
+              <a:p>
+                <a:pPr algn="ctr"/>
+                <a14:m>
+                  <m:oMathPara xmlns:m="http://schemas.openxmlformats.org/officeDocument/2006/math">
+                    <m:oMathParaPr>
+                      <m:jc m:val="centerGroup"/>
+                    </m:oMathParaPr>
+                    <m:oMath xmlns:m="http://schemas.openxmlformats.org/officeDocument/2006/math">
+                      <m:r>
+                        <a:rPr lang="en-US" altLang="zh-CN" i="1" dirty="0" smtClean="0">
+                          <a:latin typeface="Cambria Math" panose="02040503050406030204" pitchFamily="18" charset="0"/>
+                        </a:rPr>
+                        <m:t>𝑇</m:t>
+                      </m:r>
+                      <m:r>
+                        <a:rPr lang="en-US" altLang="zh-CN" b="0" i="1" dirty="0" smtClean="0">
+                          <a:latin typeface="Cambria Math" panose="02040503050406030204" pitchFamily="18" charset="0"/>
+                        </a:rPr>
+                        <m:t>(</m:t>
+                      </m:r>
+                      <m:r>
+                        <a:rPr lang="en-US" altLang="zh-CN" b="0" i="1" dirty="0" smtClean="0">
+                          <a:latin typeface="Cambria Math" panose="02040503050406030204" pitchFamily="18" charset="0"/>
+                        </a:rPr>
+                        <m:t>1</m:t>
+                      </m:r>
+                      <m:r>
+                        <a:rPr lang="en-US" altLang="zh-CN" b="0" i="1" dirty="0" smtClean="0">
+                          <a:latin typeface="Cambria Math" panose="02040503050406030204" pitchFamily="18" charset="0"/>
+                        </a:rPr>
+                        <m:t>,</m:t>
+                      </m:r>
+                      <m:r>
+                        <a:rPr lang="en-US" altLang="zh-CN" b="0" i="1" dirty="0" smtClean="0">
+                          <a:latin typeface="Cambria Math" panose="02040503050406030204" pitchFamily="18" charset="0"/>
+                        </a:rPr>
+                        <m:t>2</m:t>
+                      </m:r>
+                      <m:r>
+                        <a:rPr lang="en-US" altLang="zh-CN" b="0" i="1" dirty="0" smtClean="0">
+                          <a:latin typeface="Cambria Math" panose="02040503050406030204" pitchFamily="18" charset="0"/>
+                        </a:rPr>
+                        <m:t>)</m:t>
+                      </m:r>
+                    </m:oMath>
+                  </m:oMathPara>
+                </a14:m>
+                <a:endParaRPr lang="zh-CN" altLang="en-US" dirty="0"/>
+              </a:p>
+            </p:txBody>
+          </p:sp>
+        </mc:Choice>
+        <mc:Fallback>
+          <p:sp>
+            <p:nvSpPr>
+              <p:cNvPr id="7" name="矩形 6">
+                <a:extLst>
+                  <a:ext uri="{FF2B5EF4-FFF2-40B4-BE49-F238E27FC236}">
+                    <a16:creationId xmlns:a16="http://schemas.microsoft.com/office/drawing/2014/main" id="{914A832E-5F8F-4559-BEF9-C32C29D8D802}"/>
+                  </a:ext>
+                </a:extLst>
+              </p:cNvPr>
+              <p:cNvSpPr>
+                <a:spLocks noRot="1" noChangeAspect="1" noMove="1" noResize="1" noEditPoints="1" noAdjustHandles="1" noChangeArrowheads="1" noChangeShapeType="1" noTextEdit="1"/>
+              </p:cNvSpPr>
+              <p:nvPr/>
+            </p:nvSpPr>
+            <p:spPr>
+              <a:xfrm>
+                <a:off x="3152502" y="1985554"/>
+                <a:ext cx="1628503" cy="957942"/>
+              </a:xfrm>
+              <a:prstGeom prst="rect">
+                <a:avLst/>
+              </a:prstGeom>
+              <a:blipFill>
+                <a:blip r:embed="rId2"/>
+                <a:stretch>
+                  <a:fillRect/>
+                </a:stretch>
+              </a:blipFill>
+            </p:spPr>
+            <p:txBody>
+              <a:bodyPr/>
+              <a:lstStyle/>
+              <a:p>
+                <a:r>
+                  <a:rPr lang="zh-CN" altLang="en-US">
+                    <a:noFill/>
+                  </a:rPr>
+                  <a:t> </a:t>
+                </a:r>
+              </a:p>
+            </p:txBody>
+          </p:sp>
+        </mc:Fallback>
+      </mc:AlternateContent>
+      <mc:AlternateContent xmlns:mc="http://schemas.openxmlformats.org/markup-compatibility/2006">
+        <mc:Choice xmlns:a14="http://schemas.microsoft.com/office/drawing/2010/main" Requires="a14">
+          <p:sp>
+            <p:nvSpPr>
+              <p:cNvPr id="8" name="矩形 7">
+                <a:extLst>
+                  <a:ext uri="{FF2B5EF4-FFF2-40B4-BE49-F238E27FC236}">
+                    <a16:creationId xmlns:a16="http://schemas.microsoft.com/office/drawing/2014/main" id="{32F4065B-B612-4093-B3A3-31E683EC3521}"/>
+                  </a:ext>
+                </a:extLst>
+              </p:cNvPr>
+              <p:cNvSpPr/>
+              <p:nvPr/>
+            </p:nvSpPr>
+            <p:spPr>
+              <a:xfrm>
+                <a:off x="2124893" y="1027612"/>
+                <a:ext cx="1027610" cy="957942"/>
+              </a:xfrm>
+              <a:prstGeom prst="rect">
+                <a:avLst/>
+              </a:prstGeom>
+            </p:spPr>
+            <p:style>
+              <a:lnRef idx="2">
+                <a:schemeClr val="accent6">
+                  <a:shade val="50000"/>
+                </a:schemeClr>
+              </a:lnRef>
+              <a:fillRef idx="1">
+                <a:schemeClr val="accent6"/>
+              </a:fillRef>
+              <a:effectRef idx="0">
+                <a:schemeClr val="accent6"/>
+              </a:effectRef>
+              <a:fontRef idx="minor">
+                <a:schemeClr val="lt1"/>
+              </a:fontRef>
+            </p:style>
+            <p:txBody>
+              <a:bodyPr rtlCol="0" anchor="ctr"/>
+              <a:lstStyle/>
+              <a:p>
+                <a:pPr algn="ctr"/>
+                <a14:m>
+                  <m:oMathPara xmlns:m="http://schemas.openxmlformats.org/officeDocument/2006/math">
+                    <m:oMathParaPr>
+                      <m:jc m:val="centerGroup"/>
+                    </m:oMathParaPr>
+                    <m:oMath xmlns:m="http://schemas.openxmlformats.org/officeDocument/2006/math">
+                      <m:r>
+                        <a:rPr lang="en-US" altLang="zh-CN" i="1" dirty="0" smtClean="0">
+                          <a:latin typeface="Cambria Math" panose="02040503050406030204" pitchFamily="18" charset="0"/>
+                        </a:rPr>
+                        <m:t>𝑇</m:t>
+                      </m:r>
+                      <m:r>
+                        <a:rPr lang="en-US" altLang="zh-CN" b="0" i="1" dirty="0" smtClean="0">
+                          <a:latin typeface="Cambria Math" panose="02040503050406030204" pitchFamily="18" charset="0"/>
+                        </a:rPr>
+                        <m:t>(</m:t>
+                      </m:r>
+                      <m:r>
+                        <a:rPr lang="en-US" altLang="zh-CN" b="0" i="1" dirty="0" smtClean="0">
+                          <a:latin typeface="Cambria Math" panose="02040503050406030204" pitchFamily="18" charset="0"/>
+                        </a:rPr>
+                        <m:t>1</m:t>
+                      </m:r>
+                      <m:r>
+                        <a:rPr lang="en-US" altLang="zh-CN" b="0" i="1" dirty="0" smtClean="0">
+                          <a:latin typeface="Cambria Math" panose="02040503050406030204" pitchFamily="18" charset="0"/>
+                        </a:rPr>
+                        <m:t>,</m:t>
+                      </m:r>
+                      <m:r>
+                        <a:rPr lang="en-US" altLang="zh-CN" b="0" i="1" dirty="0" smtClean="0">
+                          <a:latin typeface="Cambria Math" panose="02040503050406030204" pitchFamily="18" charset="0"/>
+                        </a:rPr>
+                        <m:t>1</m:t>
+                      </m:r>
+                      <m:r>
+                        <a:rPr lang="en-US" altLang="zh-CN" b="0" i="1" dirty="0" smtClean="0">
+                          <a:latin typeface="Cambria Math" panose="02040503050406030204" pitchFamily="18" charset="0"/>
+                        </a:rPr>
+                        <m:t>)</m:t>
+                      </m:r>
+                    </m:oMath>
+                  </m:oMathPara>
+                </a14:m>
+                <a:endParaRPr lang="zh-CN" altLang="en-US" dirty="0"/>
+              </a:p>
+            </p:txBody>
+          </p:sp>
+        </mc:Choice>
+        <mc:Fallback>
+          <p:sp>
+            <p:nvSpPr>
+              <p:cNvPr id="8" name="矩形 7">
+                <a:extLst>
+                  <a:ext uri="{FF2B5EF4-FFF2-40B4-BE49-F238E27FC236}">
+                    <a16:creationId xmlns:a16="http://schemas.microsoft.com/office/drawing/2014/main" id="{32F4065B-B612-4093-B3A3-31E683EC3521}"/>
+                  </a:ext>
+                </a:extLst>
+              </p:cNvPr>
+              <p:cNvSpPr>
+                <a:spLocks noRot="1" noChangeAspect="1" noMove="1" noResize="1" noEditPoints="1" noAdjustHandles="1" noChangeArrowheads="1" noChangeShapeType="1" noTextEdit="1"/>
+              </p:cNvSpPr>
+              <p:nvPr/>
+            </p:nvSpPr>
+            <p:spPr>
+              <a:xfrm>
+                <a:off x="2124893" y="1027612"/>
+                <a:ext cx="1027610" cy="957942"/>
+              </a:xfrm>
+              <a:prstGeom prst="rect">
+                <a:avLst/>
+              </a:prstGeom>
+              <a:blipFill>
+                <a:blip r:embed="rId3"/>
+                <a:stretch>
+                  <a:fillRect/>
+                </a:stretch>
+              </a:blipFill>
+            </p:spPr>
+            <p:txBody>
+              <a:bodyPr/>
+              <a:lstStyle/>
+              <a:p>
+                <a:r>
+                  <a:rPr lang="zh-CN" altLang="en-US">
+                    <a:noFill/>
+                  </a:rPr>
+                  <a:t> </a:t>
+                </a:r>
+              </a:p>
+            </p:txBody>
+          </p:sp>
+        </mc:Fallback>
+      </mc:AlternateContent>
+      <mc:AlternateContent xmlns:mc="http://schemas.openxmlformats.org/markup-compatibility/2006">
+        <mc:Choice xmlns:a14="http://schemas.microsoft.com/office/drawing/2010/main" Requires="a14">
+          <p:sp>
+            <p:nvSpPr>
+              <p:cNvPr id="9" name="矩形 8">
+                <a:extLst>
+                  <a:ext uri="{FF2B5EF4-FFF2-40B4-BE49-F238E27FC236}">
+                    <a16:creationId xmlns:a16="http://schemas.microsoft.com/office/drawing/2014/main" id="{09B9F0FF-30AF-4C53-B710-BE3F47B6C860}"/>
+                  </a:ext>
+                </a:extLst>
+              </p:cNvPr>
+              <p:cNvSpPr/>
+              <p:nvPr/>
+            </p:nvSpPr>
+            <p:spPr>
+              <a:xfrm>
+                <a:off x="5808614" y="3907971"/>
+                <a:ext cx="1027610" cy="957942"/>
+              </a:xfrm>
+              <a:prstGeom prst="rect">
+                <a:avLst/>
+              </a:prstGeom>
+            </p:spPr>
+            <p:style>
+              <a:lnRef idx="2">
+                <a:schemeClr val="accent6">
+                  <a:shade val="50000"/>
+                </a:schemeClr>
+              </a:lnRef>
+              <a:fillRef idx="1">
+                <a:schemeClr val="accent6"/>
+              </a:fillRef>
+              <a:effectRef idx="0">
+                <a:schemeClr val="accent6"/>
+              </a:effectRef>
+              <a:fontRef idx="minor">
+                <a:schemeClr val="lt1"/>
+              </a:fontRef>
+            </p:style>
+            <p:txBody>
+              <a:bodyPr rtlCol="0" anchor="ctr"/>
+              <a:lstStyle/>
+              <a:p>
+                <a:pPr algn="ctr"/>
+                <a14:m>
+                  <m:oMathPara xmlns:m="http://schemas.openxmlformats.org/officeDocument/2006/math">
+                    <m:oMathParaPr>
+                      <m:jc m:val="centerGroup"/>
+                    </m:oMathParaPr>
+                    <m:oMath xmlns:m="http://schemas.openxmlformats.org/officeDocument/2006/math">
+                      <m:r>
+                        <a:rPr lang="en-US" altLang="zh-CN" i="1" dirty="0" smtClean="0">
+                          <a:latin typeface="Cambria Math" panose="02040503050406030204" pitchFamily="18" charset="0"/>
+                        </a:rPr>
+                        <m:t>𝑇</m:t>
+                      </m:r>
+                      <m:r>
+                        <a:rPr lang="en-US" altLang="zh-CN" b="0" i="1" dirty="0" smtClean="0">
+                          <a:latin typeface="Cambria Math" panose="02040503050406030204" pitchFamily="18" charset="0"/>
+                        </a:rPr>
+                        <m:t>(</m:t>
+                      </m:r>
+                      <m:r>
+                        <a:rPr lang="en-US" altLang="zh-CN" b="0" i="1" dirty="0" smtClean="0">
+                          <a:latin typeface="Cambria Math" panose="02040503050406030204" pitchFamily="18" charset="0"/>
+                        </a:rPr>
+                        <m:t>1</m:t>
+                      </m:r>
+                      <m:r>
+                        <a:rPr lang="en-US" altLang="zh-CN" b="0" i="1" dirty="0" smtClean="0">
+                          <a:latin typeface="Cambria Math" panose="02040503050406030204" pitchFamily="18" charset="0"/>
+                        </a:rPr>
+                        <m:t>,</m:t>
+                      </m:r>
+                      <m:r>
+                        <a:rPr lang="en-US" altLang="zh-CN" b="0" i="1" dirty="0" smtClean="0">
+                          <a:latin typeface="Cambria Math" panose="02040503050406030204" pitchFamily="18" charset="0"/>
+                        </a:rPr>
+                        <m:t>4</m:t>
+                      </m:r>
+                      <m:r>
+                        <a:rPr lang="en-US" altLang="zh-CN" b="0" i="1" dirty="0" smtClean="0">
+                          <a:latin typeface="Cambria Math" panose="02040503050406030204" pitchFamily="18" charset="0"/>
+                        </a:rPr>
+                        <m:t>)</m:t>
+                      </m:r>
+                    </m:oMath>
+                  </m:oMathPara>
+                </a14:m>
+                <a:endParaRPr lang="zh-CN" altLang="en-US" dirty="0"/>
+              </a:p>
+            </p:txBody>
+          </p:sp>
+        </mc:Choice>
+        <mc:Fallback>
+          <p:sp>
+            <p:nvSpPr>
+              <p:cNvPr id="9" name="矩形 8">
+                <a:extLst>
+                  <a:ext uri="{FF2B5EF4-FFF2-40B4-BE49-F238E27FC236}">
+                    <a16:creationId xmlns:a16="http://schemas.microsoft.com/office/drawing/2014/main" id="{09B9F0FF-30AF-4C53-B710-BE3F47B6C860}"/>
+                  </a:ext>
+                </a:extLst>
+              </p:cNvPr>
+              <p:cNvSpPr>
+                <a:spLocks noRot="1" noChangeAspect="1" noMove="1" noResize="1" noEditPoints="1" noAdjustHandles="1" noChangeArrowheads="1" noChangeShapeType="1" noTextEdit="1"/>
+              </p:cNvSpPr>
+              <p:nvPr/>
+            </p:nvSpPr>
+            <p:spPr>
+              <a:xfrm>
+                <a:off x="5808614" y="3907971"/>
+                <a:ext cx="1027610" cy="957942"/>
+              </a:xfrm>
+              <a:prstGeom prst="rect">
+                <a:avLst/>
+              </a:prstGeom>
+              <a:blipFill>
+                <a:blip r:embed="rId4"/>
+                <a:stretch>
+                  <a:fillRect/>
+                </a:stretch>
+              </a:blipFill>
+            </p:spPr>
+            <p:txBody>
+              <a:bodyPr/>
+              <a:lstStyle/>
+              <a:p>
+                <a:r>
+                  <a:rPr lang="zh-CN" altLang="en-US">
+                    <a:noFill/>
+                  </a:rPr>
+                  <a:t> </a:t>
+                </a:r>
+              </a:p>
+            </p:txBody>
+          </p:sp>
+        </mc:Fallback>
+      </mc:AlternateContent>
+      <mc:AlternateContent xmlns:mc="http://schemas.openxmlformats.org/markup-compatibility/2006">
+        <mc:Choice xmlns:a14="http://schemas.microsoft.com/office/drawing/2010/main" Requires="a14">
+          <p:sp>
+            <p:nvSpPr>
+              <p:cNvPr id="10" name="矩形 9">
+                <a:extLst>
+                  <a:ext uri="{FF2B5EF4-FFF2-40B4-BE49-F238E27FC236}">
+                    <a16:creationId xmlns:a16="http://schemas.microsoft.com/office/drawing/2014/main" id="{887223F8-5B97-4480-A306-C9BA2390A310}"/>
+                  </a:ext>
+                </a:extLst>
+              </p:cNvPr>
+              <p:cNvSpPr/>
+              <p:nvPr/>
+            </p:nvSpPr>
+            <p:spPr>
+              <a:xfrm>
+                <a:off x="4781004" y="2950029"/>
+                <a:ext cx="1027610" cy="957942"/>
+              </a:xfrm>
+              <a:prstGeom prst="rect">
+                <a:avLst/>
+              </a:prstGeom>
+            </p:spPr>
+            <p:style>
+              <a:lnRef idx="2">
+                <a:schemeClr val="accent6">
+                  <a:shade val="50000"/>
+                </a:schemeClr>
+              </a:lnRef>
+              <a:fillRef idx="1">
+                <a:schemeClr val="accent6"/>
+              </a:fillRef>
+              <a:effectRef idx="0">
+                <a:schemeClr val="accent6"/>
+              </a:effectRef>
+              <a:fontRef idx="minor">
+                <a:schemeClr val="lt1"/>
+              </a:fontRef>
+            </p:style>
+            <p:txBody>
+              <a:bodyPr rtlCol="0" anchor="ctr"/>
+              <a:lstStyle/>
+              <a:p>
+                <a:pPr algn="ctr"/>
+                <a14:m>
+                  <m:oMathPara xmlns:m="http://schemas.openxmlformats.org/officeDocument/2006/math">
+                    <m:oMathParaPr>
+                      <m:jc m:val="centerGroup"/>
+                    </m:oMathParaPr>
+                    <m:oMath xmlns:m="http://schemas.openxmlformats.org/officeDocument/2006/math">
+                      <m:r>
+                        <a:rPr lang="en-US" altLang="zh-CN" i="1" dirty="0" smtClean="0">
+                          <a:latin typeface="Cambria Math" panose="02040503050406030204" pitchFamily="18" charset="0"/>
+                        </a:rPr>
+                        <m:t>𝑇</m:t>
+                      </m:r>
+                      <m:r>
+                        <a:rPr lang="en-US" altLang="zh-CN" b="0" i="1" dirty="0" smtClean="0">
+                          <a:latin typeface="Cambria Math" panose="02040503050406030204" pitchFamily="18" charset="0"/>
+                        </a:rPr>
+                        <m:t>(</m:t>
+                      </m:r>
+                      <m:r>
+                        <a:rPr lang="en-US" altLang="zh-CN" b="0" i="1" dirty="0" smtClean="0">
+                          <a:latin typeface="Cambria Math" panose="02040503050406030204" pitchFamily="18" charset="0"/>
+                        </a:rPr>
+                        <m:t>1</m:t>
+                      </m:r>
+                      <m:r>
+                        <a:rPr lang="en-US" altLang="zh-CN" b="0" i="1" dirty="0" smtClean="0">
+                          <a:latin typeface="Cambria Math" panose="02040503050406030204" pitchFamily="18" charset="0"/>
+                        </a:rPr>
+                        <m:t>,</m:t>
+                      </m:r>
+                      <m:r>
+                        <a:rPr lang="en-US" altLang="zh-CN" b="0" i="1" dirty="0" smtClean="0">
+                          <a:latin typeface="Cambria Math" panose="02040503050406030204" pitchFamily="18" charset="0"/>
+                        </a:rPr>
+                        <m:t>3</m:t>
+                      </m:r>
+                      <m:r>
+                        <a:rPr lang="en-US" altLang="zh-CN" b="0" i="1" dirty="0" smtClean="0">
+                          <a:latin typeface="Cambria Math" panose="02040503050406030204" pitchFamily="18" charset="0"/>
+                        </a:rPr>
+                        <m:t>)</m:t>
+                      </m:r>
+                    </m:oMath>
+                  </m:oMathPara>
+                </a14:m>
+                <a:endParaRPr lang="zh-CN" altLang="en-US" dirty="0"/>
+              </a:p>
+            </p:txBody>
+          </p:sp>
+        </mc:Choice>
+        <mc:Fallback>
+          <p:sp>
+            <p:nvSpPr>
+              <p:cNvPr id="10" name="矩形 9">
+                <a:extLst>
+                  <a:ext uri="{FF2B5EF4-FFF2-40B4-BE49-F238E27FC236}">
+                    <a16:creationId xmlns:a16="http://schemas.microsoft.com/office/drawing/2014/main" id="{887223F8-5B97-4480-A306-C9BA2390A310}"/>
+                  </a:ext>
+                </a:extLst>
+              </p:cNvPr>
+              <p:cNvSpPr>
+                <a:spLocks noRot="1" noChangeAspect="1" noMove="1" noResize="1" noEditPoints="1" noAdjustHandles="1" noChangeArrowheads="1" noChangeShapeType="1" noTextEdit="1"/>
+              </p:cNvSpPr>
+              <p:nvPr/>
+            </p:nvSpPr>
+            <p:spPr>
+              <a:xfrm>
+                <a:off x="4781004" y="2950029"/>
+                <a:ext cx="1027610" cy="957942"/>
+              </a:xfrm>
+              <a:prstGeom prst="rect">
+                <a:avLst/>
+              </a:prstGeom>
+              <a:blipFill>
+                <a:blip r:embed="rId5"/>
+                <a:stretch>
+                  <a:fillRect/>
+                </a:stretch>
+              </a:blipFill>
+            </p:spPr>
+            <p:txBody>
+              <a:bodyPr/>
+              <a:lstStyle/>
+              <a:p>
+                <a:r>
+                  <a:rPr lang="zh-CN" altLang="en-US">
+                    <a:noFill/>
+                  </a:rPr>
+                  <a:t> </a:t>
+                </a:r>
+              </a:p>
+            </p:txBody>
+          </p:sp>
+        </mc:Fallback>
+      </mc:AlternateContent>
+      <p:cxnSp>
+        <p:nvCxnSpPr>
+          <p:cNvPr id="19" name="直接连接符 18">
+            <a:extLst>
+              <a:ext uri="{FF2B5EF4-FFF2-40B4-BE49-F238E27FC236}">
+                <a16:creationId xmlns:a16="http://schemas.microsoft.com/office/drawing/2014/main" id="{3D2E9967-C26A-47DD-98A6-297F342E3108}"/>
+              </a:ext>
+            </a:extLst>
+          </p:cNvPr>
+          <p:cNvCxnSpPr>
+            <a:cxnSpLocks/>
+          </p:cNvCxnSpPr>
+          <p:nvPr/>
+        </p:nvCxnSpPr>
+        <p:spPr>
+          <a:xfrm flipV="1">
+            <a:off x="2124893" y="1985554"/>
+            <a:ext cx="7968332" cy="1"/>
+          </a:xfrm>
+          <a:prstGeom prst="line">
+            <a:avLst/>
+          </a:prstGeom>
+        </p:spPr>
+        <p:style>
+          <a:lnRef idx="1">
+            <a:schemeClr val="dk1"/>
+          </a:lnRef>
+          <a:fillRef idx="0">
+            <a:schemeClr val="dk1"/>
+          </a:fillRef>
+          <a:effectRef idx="0">
+            <a:schemeClr val="dk1"/>
+          </a:effectRef>
+          <a:fontRef idx="minor">
+            <a:schemeClr val="tx1"/>
+          </a:fontRef>
+        </p:style>
+      </p:cxnSp>
+      <p:cxnSp>
+        <p:nvCxnSpPr>
+          <p:cNvPr id="20" name="直接连接符 19">
+            <a:extLst>
+              <a:ext uri="{FF2B5EF4-FFF2-40B4-BE49-F238E27FC236}">
+                <a16:creationId xmlns:a16="http://schemas.microsoft.com/office/drawing/2014/main" id="{92B6A8CB-ABC6-4100-A801-66852A99961B}"/>
+              </a:ext>
+            </a:extLst>
+          </p:cNvPr>
+          <p:cNvCxnSpPr>
+            <a:cxnSpLocks/>
+            <a:endCxn id="4" idx="3"/>
+          </p:cNvCxnSpPr>
+          <p:nvPr/>
+        </p:nvCxnSpPr>
+        <p:spPr>
+          <a:xfrm>
+            <a:off x="2124893" y="2943496"/>
+            <a:ext cx="7968332" cy="0"/>
+          </a:xfrm>
+          <a:prstGeom prst="line">
+            <a:avLst/>
+          </a:prstGeom>
+        </p:spPr>
+        <p:style>
+          <a:lnRef idx="1">
+            <a:schemeClr val="dk1"/>
+          </a:lnRef>
+          <a:fillRef idx="0">
+            <a:schemeClr val="dk1"/>
+          </a:fillRef>
+          <a:effectRef idx="0">
+            <a:schemeClr val="dk1"/>
+          </a:effectRef>
+          <a:fontRef idx="minor">
+            <a:schemeClr val="tx1"/>
+          </a:fontRef>
+        </p:style>
+      </p:cxnSp>
+      <p:cxnSp>
+        <p:nvCxnSpPr>
+          <p:cNvPr id="21" name="直接连接符 20">
+            <a:extLst>
+              <a:ext uri="{FF2B5EF4-FFF2-40B4-BE49-F238E27FC236}">
+                <a16:creationId xmlns:a16="http://schemas.microsoft.com/office/drawing/2014/main" id="{58ED54C9-515A-4E49-B05E-BD26528520A1}"/>
+              </a:ext>
+            </a:extLst>
+          </p:cNvPr>
+          <p:cNvCxnSpPr/>
+          <p:nvPr/>
+        </p:nvCxnSpPr>
+        <p:spPr>
+          <a:xfrm flipV="1">
+            <a:off x="2124893" y="3898171"/>
+            <a:ext cx="7889942" cy="6533"/>
+          </a:xfrm>
+          <a:prstGeom prst="line">
+            <a:avLst/>
+          </a:prstGeom>
+        </p:spPr>
+        <p:style>
+          <a:lnRef idx="1">
+            <a:schemeClr val="dk1"/>
+          </a:lnRef>
+          <a:fillRef idx="0">
+            <a:schemeClr val="dk1"/>
+          </a:fillRef>
+          <a:effectRef idx="0">
+            <a:schemeClr val="dk1"/>
+          </a:effectRef>
+          <a:fontRef idx="minor">
+            <a:schemeClr val="tx1"/>
+          </a:fontRef>
+        </p:style>
+      </p:cxnSp>
+      <p:sp>
+        <p:nvSpPr>
+          <p:cNvPr id="22" name="文本框 21">
+            <a:extLst>
+              <a:ext uri="{FF2B5EF4-FFF2-40B4-BE49-F238E27FC236}">
+                <a16:creationId xmlns:a16="http://schemas.microsoft.com/office/drawing/2014/main" id="{6464A298-B528-4DBC-A6C5-6F2CFF497894}"/>
+              </a:ext>
+            </a:extLst>
+          </p:cNvPr>
+          <p:cNvSpPr txBox="1"/>
+          <p:nvPr/>
+        </p:nvSpPr>
+        <p:spPr>
+          <a:xfrm>
+            <a:off x="1484942" y="1326815"/>
+            <a:ext cx="527709" cy="369332"/>
+          </a:xfrm>
+          <a:prstGeom prst="rect">
+            <a:avLst/>
+          </a:prstGeom>
+          <a:noFill/>
+        </p:spPr>
+        <p:txBody>
+          <a:bodyPr wrap="none" rtlCol="0">
+            <a:spAutoFit/>
+          </a:bodyPr>
+          <a:lstStyle/>
+          <a:p>
+            <a:r>
+              <a:rPr kumimoji="1" lang="en-US" altLang="zh-CN" dirty="0"/>
+              <a:t>CJ1</a:t>
+            </a:r>
+            <a:endParaRPr kumimoji="1" lang="zh-CN" altLang="en-US" dirty="0"/>
+          </a:p>
+        </p:txBody>
+      </p:sp>
+      <p:sp>
+        <p:nvSpPr>
+          <p:cNvPr id="23" name="文本框 22">
+            <a:extLst>
+              <a:ext uri="{FF2B5EF4-FFF2-40B4-BE49-F238E27FC236}">
+                <a16:creationId xmlns:a16="http://schemas.microsoft.com/office/drawing/2014/main" id="{7A5E8A21-7887-4209-A183-4768C3A1B69D}"/>
+              </a:ext>
+            </a:extLst>
+          </p:cNvPr>
+          <p:cNvSpPr txBox="1"/>
+          <p:nvPr/>
+        </p:nvSpPr>
+        <p:spPr>
+          <a:xfrm>
+            <a:off x="1457252" y="2283124"/>
+            <a:ext cx="527709" cy="369332"/>
+          </a:xfrm>
+          <a:prstGeom prst="rect">
+            <a:avLst/>
+          </a:prstGeom>
+          <a:noFill/>
+        </p:spPr>
+        <p:txBody>
+          <a:bodyPr wrap="none" rtlCol="0">
+            <a:spAutoFit/>
+          </a:bodyPr>
+          <a:lstStyle/>
+          <a:p>
+            <a:r>
+              <a:rPr kumimoji="1" lang="en-US" altLang="zh-CN" dirty="0"/>
+              <a:t>CJ2</a:t>
+            </a:r>
+            <a:endParaRPr kumimoji="1" lang="zh-CN" altLang="en-US" dirty="0"/>
+          </a:p>
+        </p:txBody>
+      </p:sp>
+      <p:sp>
+        <p:nvSpPr>
+          <p:cNvPr id="24" name="文本框 23">
+            <a:extLst>
+              <a:ext uri="{FF2B5EF4-FFF2-40B4-BE49-F238E27FC236}">
+                <a16:creationId xmlns:a16="http://schemas.microsoft.com/office/drawing/2014/main" id="{74A57AA0-D470-4EA2-B1B6-2957B8402A63}"/>
+              </a:ext>
+            </a:extLst>
+          </p:cNvPr>
+          <p:cNvSpPr txBox="1"/>
+          <p:nvPr/>
+        </p:nvSpPr>
+        <p:spPr>
+          <a:xfrm>
+            <a:off x="1456914" y="3239433"/>
+            <a:ext cx="903111" cy="369332"/>
+          </a:xfrm>
+          <a:prstGeom prst="rect">
+            <a:avLst/>
+          </a:prstGeom>
+          <a:noFill/>
+        </p:spPr>
+        <p:txBody>
+          <a:bodyPr wrap="square" rtlCol="0">
+            <a:spAutoFit/>
+          </a:bodyPr>
+          <a:lstStyle/>
+          <a:p>
+            <a:r>
+              <a:rPr kumimoji="1" lang="en-US" altLang="zh-CN" dirty="0"/>
+              <a:t>CJ3</a:t>
+            </a:r>
+            <a:endParaRPr kumimoji="1" lang="zh-CN" altLang="en-US" dirty="0"/>
+          </a:p>
+        </p:txBody>
+      </p:sp>
+      <p:sp>
+        <p:nvSpPr>
+          <p:cNvPr id="25" name="文本框 24">
+            <a:extLst>
+              <a:ext uri="{FF2B5EF4-FFF2-40B4-BE49-F238E27FC236}">
+                <a16:creationId xmlns:a16="http://schemas.microsoft.com/office/drawing/2014/main" id="{3E515C9C-A70E-47B2-A220-B03924974617}"/>
+              </a:ext>
+            </a:extLst>
+          </p:cNvPr>
+          <p:cNvSpPr txBox="1"/>
+          <p:nvPr/>
+        </p:nvSpPr>
+        <p:spPr>
+          <a:xfrm>
+            <a:off x="1456914" y="4208807"/>
+            <a:ext cx="527709" cy="369332"/>
+          </a:xfrm>
+          <a:prstGeom prst="rect">
+            <a:avLst/>
+          </a:prstGeom>
+          <a:noFill/>
+        </p:spPr>
+        <p:txBody>
+          <a:bodyPr wrap="none" rtlCol="0">
+            <a:spAutoFit/>
+          </a:bodyPr>
+          <a:lstStyle/>
+          <a:p>
+            <a:r>
+              <a:rPr kumimoji="1" lang="en-US" altLang="zh-CN" dirty="0"/>
+              <a:t>CJ4</a:t>
+            </a:r>
+            <a:endParaRPr kumimoji="1" lang="zh-CN" altLang="en-US" dirty="0"/>
+          </a:p>
+        </p:txBody>
+      </p:sp>
+      <mc:AlternateContent xmlns:mc="http://schemas.openxmlformats.org/markup-compatibility/2006">
+        <mc:Choice xmlns:a14="http://schemas.microsoft.com/office/drawing/2010/main" Requires="a14">
+          <p:sp>
+            <p:nvSpPr>
+              <p:cNvPr id="26" name="矩形 25">
+                <a:extLst>
+                  <a:ext uri="{FF2B5EF4-FFF2-40B4-BE49-F238E27FC236}">
+                    <a16:creationId xmlns:a16="http://schemas.microsoft.com/office/drawing/2014/main" id="{02A699A5-6D7B-4623-A1CF-F3D9E26B6F5C}"/>
+                  </a:ext>
+                </a:extLst>
+              </p:cNvPr>
+              <p:cNvSpPr/>
+              <p:nvPr/>
+            </p:nvSpPr>
+            <p:spPr>
+              <a:xfrm>
+                <a:off x="4781003" y="1985554"/>
+                <a:ext cx="1628503" cy="957942"/>
+              </a:xfrm>
+              <a:prstGeom prst="rect">
+                <a:avLst/>
+              </a:prstGeom>
+            </p:spPr>
+            <p:style>
+              <a:lnRef idx="2">
+                <a:schemeClr val="accent6">
+                  <a:shade val="50000"/>
+                </a:schemeClr>
+              </a:lnRef>
+              <a:fillRef idx="1">
+                <a:schemeClr val="accent6"/>
+              </a:fillRef>
+              <a:effectRef idx="0">
+                <a:schemeClr val="accent6"/>
+              </a:effectRef>
+              <a:fontRef idx="minor">
+                <a:schemeClr val="lt1"/>
+              </a:fontRef>
+            </p:style>
+            <p:txBody>
+              <a:bodyPr rtlCol="0" anchor="ctr"/>
+              <a:lstStyle/>
+              <a:p>
+                <a:pPr algn="ctr"/>
+                <a14:m>
+                  <m:oMathPara xmlns:m="http://schemas.openxmlformats.org/officeDocument/2006/math">
+                    <m:oMathParaPr>
+                      <m:jc m:val="centerGroup"/>
+                    </m:oMathParaPr>
+                    <m:oMath xmlns:m="http://schemas.openxmlformats.org/officeDocument/2006/math">
+                      <m:r>
+                        <a:rPr lang="en-US" altLang="zh-CN" i="1" dirty="0" smtClean="0">
+                          <a:latin typeface="Cambria Math" panose="02040503050406030204" pitchFamily="18" charset="0"/>
+                        </a:rPr>
+                        <m:t>𝑇</m:t>
+                      </m:r>
+                      <m:r>
+                        <a:rPr lang="en-US" altLang="zh-CN" b="0" i="1" dirty="0" smtClean="0">
+                          <a:latin typeface="Cambria Math" panose="02040503050406030204" pitchFamily="18" charset="0"/>
+                        </a:rPr>
+                        <m:t>(</m:t>
+                      </m:r>
+                      <m:r>
+                        <a:rPr lang="en-US" altLang="zh-CN" b="0" i="1" dirty="0" smtClean="0">
+                          <a:latin typeface="Cambria Math" panose="02040503050406030204" pitchFamily="18" charset="0"/>
+                        </a:rPr>
+                        <m:t>2</m:t>
+                      </m:r>
+                      <m:r>
+                        <a:rPr lang="en-US" altLang="zh-CN" b="0" i="1" dirty="0" smtClean="0">
+                          <a:latin typeface="Cambria Math" panose="02040503050406030204" pitchFamily="18" charset="0"/>
+                        </a:rPr>
+                        <m:t>,</m:t>
+                      </m:r>
+                      <m:r>
+                        <a:rPr lang="en-US" altLang="zh-CN" i="1" dirty="0">
+                          <a:latin typeface="Cambria Math" panose="02040503050406030204" pitchFamily="18" charset="0"/>
+                        </a:rPr>
+                        <m:t>2</m:t>
+                      </m:r>
+                      <m:r>
+                        <a:rPr lang="en-US" altLang="zh-CN" b="0" i="1" dirty="0" smtClean="0">
+                          <a:latin typeface="Cambria Math" panose="02040503050406030204" pitchFamily="18" charset="0"/>
+                        </a:rPr>
+                        <m:t>)</m:t>
+                      </m:r>
+                    </m:oMath>
+                  </m:oMathPara>
+                </a14:m>
+                <a:endParaRPr lang="zh-CN" altLang="en-US" dirty="0"/>
+              </a:p>
+            </p:txBody>
+          </p:sp>
+        </mc:Choice>
+        <mc:Fallback>
+          <p:sp>
+            <p:nvSpPr>
+              <p:cNvPr id="26" name="矩形 25">
+                <a:extLst>
+                  <a:ext uri="{FF2B5EF4-FFF2-40B4-BE49-F238E27FC236}">
+                    <a16:creationId xmlns:a16="http://schemas.microsoft.com/office/drawing/2014/main" id="{02A699A5-6D7B-4623-A1CF-F3D9E26B6F5C}"/>
+                  </a:ext>
+                </a:extLst>
+              </p:cNvPr>
+              <p:cNvSpPr>
+                <a:spLocks noRot="1" noChangeAspect="1" noMove="1" noResize="1" noEditPoints="1" noAdjustHandles="1" noChangeArrowheads="1" noChangeShapeType="1" noTextEdit="1"/>
+              </p:cNvSpPr>
+              <p:nvPr/>
+            </p:nvSpPr>
+            <p:spPr>
+              <a:xfrm>
+                <a:off x="4781003" y="1985554"/>
+                <a:ext cx="1628503" cy="957942"/>
+              </a:xfrm>
+              <a:prstGeom prst="rect">
+                <a:avLst/>
+              </a:prstGeom>
+              <a:blipFill>
+                <a:blip r:embed="rId6"/>
+                <a:stretch>
+                  <a:fillRect/>
+                </a:stretch>
+              </a:blipFill>
+            </p:spPr>
+            <p:txBody>
+              <a:bodyPr/>
+              <a:lstStyle/>
+              <a:p>
+                <a:r>
+                  <a:rPr lang="zh-CN" altLang="en-US">
+                    <a:noFill/>
+                  </a:rPr>
+                  <a:t> </a:t>
+                </a:r>
+              </a:p>
+            </p:txBody>
+          </p:sp>
+        </mc:Fallback>
+      </mc:AlternateContent>
+      <mc:AlternateContent xmlns:mc="http://schemas.openxmlformats.org/markup-compatibility/2006">
+        <mc:Choice xmlns:a14="http://schemas.microsoft.com/office/drawing/2010/main" Requires="a14">
+          <p:sp>
+            <p:nvSpPr>
+              <p:cNvPr id="27" name="矩形 26">
+                <a:extLst>
+                  <a:ext uri="{FF2B5EF4-FFF2-40B4-BE49-F238E27FC236}">
+                    <a16:creationId xmlns:a16="http://schemas.microsoft.com/office/drawing/2014/main" id="{41902893-5AC9-4217-A8C2-366C2E838B98}"/>
+                  </a:ext>
+                </a:extLst>
+              </p:cNvPr>
+              <p:cNvSpPr/>
+              <p:nvPr/>
+            </p:nvSpPr>
+            <p:spPr>
+              <a:xfrm>
+                <a:off x="3152502" y="1019840"/>
+                <a:ext cx="1027610" cy="957942"/>
+              </a:xfrm>
+              <a:prstGeom prst="rect">
+                <a:avLst/>
+              </a:prstGeom>
+            </p:spPr>
+            <p:style>
+              <a:lnRef idx="2">
+                <a:schemeClr val="accent6">
+                  <a:shade val="50000"/>
+                </a:schemeClr>
+              </a:lnRef>
+              <a:fillRef idx="1">
+                <a:schemeClr val="accent6"/>
+              </a:fillRef>
+              <a:effectRef idx="0">
+                <a:schemeClr val="accent6"/>
+              </a:effectRef>
+              <a:fontRef idx="minor">
+                <a:schemeClr val="lt1"/>
+              </a:fontRef>
+            </p:style>
+            <p:txBody>
+              <a:bodyPr rtlCol="0" anchor="ctr"/>
+              <a:lstStyle/>
+              <a:p>
+                <a:pPr algn="ctr"/>
+                <a14:m>
+                  <m:oMathPara xmlns:m="http://schemas.openxmlformats.org/officeDocument/2006/math">
+                    <m:oMathParaPr>
+                      <m:jc m:val="centerGroup"/>
+                    </m:oMathParaPr>
+                    <m:oMath xmlns:m="http://schemas.openxmlformats.org/officeDocument/2006/math">
+                      <m:r>
+                        <a:rPr lang="en-US" altLang="zh-CN" i="1" dirty="0" smtClean="0">
+                          <a:latin typeface="Cambria Math" panose="02040503050406030204" pitchFamily="18" charset="0"/>
+                        </a:rPr>
+                        <m:t>𝑇</m:t>
+                      </m:r>
+                      <m:r>
+                        <a:rPr lang="en-US" altLang="zh-CN" b="0" i="1" dirty="0" smtClean="0">
+                          <a:latin typeface="Cambria Math" panose="02040503050406030204" pitchFamily="18" charset="0"/>
+                        </a:rPr>
+                        <m:t>(</m:t>
+                      </m:r>
+                      <m:r>
+                        <a:rPr lang="en-US" altLang="zh-CN" b="0" i="1" dirty="0" smtClean="0">
+                          <a:latin typeface="Cambria Math" panose="02040503050406030204" pitchFamily="18" charset="0"/>
+                        </a:rPr>
+                        <m:t>2</m:t>
+                      </m:r>
+                      <m:r>
+                        <a:rPr lang="en-US" altLang="zh-CN" b="0" i="1" dirty="0" smtClean="0">
+                          <a:latin typeface="Cambria Math" panose="02040503050406030204" pitchFamily="18" charset="0"/>
+                        </a:rPr>
+                        <m:t>,</m:t>
+                      </m:r>
+                      <m:r>
+                        <a:rPr lang="en-US" altLang="zh-CN" b="0" i="1" dirty="0" smtClean="0">
+                          <a:latin typeface="Cambria Math" panose="02040503050406030204" pitchFamily="18" charset="0"/>
+                        </a:rPr>
+                        <m:t>1</m:t>
+                      </m:r>
+                      <m:r>
+                        <a:rPr lang="en-US" altLang="zh-CN" b="0" i="1" dirty="0" smtClean="0">
+                          <a:latin typeface="Cambria Math" panose="02040503050406030204" pitchFamily="18" charset="0"/>
+                        </a:rPr>
+                        <m:t>)</m:t>
+                      </m:r>
+                    </m:oMath>
+                  </m:oMathPara>
+                </a14:m>
+                <a:endParaRPr lang="zh-CN" altLang="en-US" dirty="0"/>
+              </a:p>
+            </p:txBody>
+          </p:sp>
+        </mc:Choice>
+        <mc:Fallback>
+          <p:sp>
+            <p:nvSpPr>
+              <p:cNvPr id="27" name="矩形 26">
+                <a:extLst>
+                  <a:ext uri="{FF2B5EF4-FFF2-40B4-BE49-F238E27FC236}">
+                    <a16:creationId xmlns:a16="http://schemas.microsoft.com/office/drawing/2014/main" id="{41902893-5AC9-4217-A8C2-366C2E838B98}"/>
+                  </a:ext>
+                </a:extLst>
+              </p:cNvPr>
+              <p:cNvSpPr>
+                <a:spLocks noRot="1" noChangeAspect="1" noMove="1" noResize="1" noEditPoints="1" noAdjustHandles="1" noChangeArrowheads="1" noChangeShapeType="1" noTextEdit="1"/>
+              </p:cNvSpPr>
+              <p:nvPr/>
+            </p:nvSpPr>
+            <p:spPr>
+              <a:xfrm>
+                <a:off x="3152502" y="1019840"/>
+                <a:ext cx="1027610" cy="957942"/>
+              </a:xfrm>
+              <a:prstGeom prst="rect">
+                <a:avLst/>
+              </a:prstGeom>
+              <a:blipFill>
+                <a:blip r:embed="rId7"/>
+                <a:stretch>
+                  <a:fillRect/>
+                </a:stretch>
+              </a:blipFill>
+            </p:spPr>
+            <p:txBody>
+              <a:bodyPr/>
+              <a:lstStyle/>
+              <a:p>
+                <a:r>
+                  <a:rPr lang="zh-CN" altLang="en-US">
+                    <a:noFill/>
+                  </a:rPr>
+                  <a:t> </a:t>
+                </a:r>
+              </a:p>
+            </p:txBody>
+          </p:sp>
+        </mc:Fallback>
+      </mc:AlternateContent>
+      <mc:AlternateContent xmlns:mc="http://schemas.openxmlformats.org/markup-compatibility/2006">
+        <mc:Choice xmlns:a14="http://schemas.microsoft.com/office/drawing/2010/main" Requires="a14">
+          <p:sp>
+            <p:nvSpPr>
+              <p:cNvPr id="28" name="矩形 27">
+                <a:extLst>
+                  <a:ext uri="{FF2B5EF4-FFF2-40B4-BE49-F238E27FC236}">
+                    <a16:creationId xmlns:a16="http://schemas.microsoft.com/office/drawing/2014/main" id="{74FF38A9-1DFE-480C-98C0-7684B94C4135}"/>
+                  </a:ext>
+                </a:extLst>
+              </p:cNvPr>
+              <p:cNvSpPr/>
+              <p:nvPr/>
+            </p:nvSpPr>
+            <p:spPr>
+              <a:xfrm>
+                <a:off x="7437115" y="3907971"/>
+                <a:ext cx="1027610" cy="957942"/>
+              </a:xfrm>
+              <a:prstGeom prst="rect">
+                <a:avLst/>
+              </a:prstGeom>
+            </p:spPr>
+            <p:style>
+              <a:lnRef idx="2">
+                <a:schemeClr val="accent6">
+                  <a:shade val="50000"/>
+                </a:schemeClr>
+              </a:lnRef>
+              <a:fillRef idx="1">
+                <a:schemeClr val="accent6"/>
+              </a:fillRef>
+              <a:effectRef idx="0">
+                <a:schemeClr val="accent6"/>
+              </a:effectRef>
+              <a:fontRef idx="minor">
+                <a:schemeClr val="lt1"/>
+              </a:fontRef>
+            </p:style>
+            <p:txBody>
+              <a:bodyPr rtlCol="0" anchor="ctr"/>
+              <a:lstStyle/>
+              <a:p>
+                <a:pPr algn="ctr"/>
+                <a14:m>
+                  <m:oMathPara xmlns:m="http://schemas.openxmlformats.org/officeDocument/2006/math">
+                    <m:oMathParaPr>
+                      <m:jc m:val="centerGroup"/>
+                    </m:oMathParaPr>
+                    <m:oMath xmlns:m="http://schemas.openxmlformats.org/officeDocument/2006/math">
+                      <m:r>
+                        <a:rPr lang="en-US" altLang="zh-CN" i="1" dirty="0" smtClean="0">
+                          <a:latin typeface="Cambria Math" panose="02040503050406030204" pitchFamily="18" charset="0"/>
+                        </a:rPr>
+                        <m:t>𝑇</m:t>
+                      </m:r>
+                      <m:r>
+                        <a:rPr lang="en-US" altLang="zh-CN" b="0" i="1" dirty="0" smtClean="0">
+                          <a:latin typeface="Cambria Math" panose="02040503050406030204" pitchFamily="18" charset="0"/>
+                        </a:rPr>
+                        <m:t>(</m:t>
+                      </m:r>
+                      <m:r>
+                        <a:rPr lang="en-US" altLang="zh-CN" b="0" i="1" dirty="0" smtClean="0">
+                          <a:latin typeface="Cambria Math" panose="02040503050406030204" pitchFamily="18" charset="0"/>
+                        </a:rPr>
+                        <m:t>2</m:t>
+                      </m:r>
+                      <m:r>
+                        <a:rPr lang="en-US" altLang="zh-CN" b="0" i="1" dirty="0" smtClean="0">
+                          <a:latin typeface="Cambria Math" panose="02040503050406030204" pitchFamily="18" charset="0"/>
+                        </a:rPr>
+                        <m:t>,</m:t>
+                      </m:r>
+                      <m:r>
+                        <a:rPr lang="en-US" altLang="zh-CN" b="0" i="1" dirty="0" smtClean="0">
+                          <a:latin typeface="Cambria Math" panose="02040503050406030204" pitchFamily="18" charset="0"/>
+                        </a:rPr>
+                        <m:t>4</m:t>
+                      </m:r>
+                      <m:r>
+                        <a:rPr lang="en-US" altLang="zh-CN" b="0" i="1" dirty="0" smtClean="0">
+                          <a:latin typeface="Cambria Math" panose="02040503050406030204" pitchFamily="18" charset="0"/>
+                        </a:rPr>
+                        <m:t>)</m:t>
+                      </m:r>
+                    </m:oMath>
+                  </m:oMathPara>
+                </a14:m>
+                <a:endParaRPr lang="zh-CN" altLang="en-US" dirty="0"/>
+              </a:p>
+            </p:txBody>
+          </p:sp>
+        </mc:Choice>
+        <mc:Fallback>
+          <p:sp>
+            <p:nvSpPr>
+              <p:cNvPr id="28" name="矩形 27">
+                <a:extLst>
+                  <a:ext uri="{FF2B5EF4-FFF2-40B4-BE49-F238E27FC236}">
+                    <a16:creationId xmlns:a16="http://schemas.microsoft.com/office/drawing/2014/main" id="{74FF38A9-1DFE-480C-98C0-7684B94C4135}"/>
+                  </a:ext>
+                </a:extLst>
+              </p:cNvPr>
+              <p:cNvSpPr>
+                <a:spLocks noRot="1" noChangeAspect="1" noMove="1" noResize="1" noEditPoints="1" noAdjustHandles="1" noChangeArrowheads="1" noChangeShapeType="1" noTextEdit="1"/>
+              </p:cNvSpPr>
+              <p:nvPr/>
+            </p:nvSpPr>
+            <p:spPr>
+              <a:xfrm>
+                <a:off x="7437115" y="3907971"/>
+                <a:ext cx="1027610" cy="957942"/>
+              </a:xfrm>
+              <a:prstGeom prst="rect">
+                <a:avLst/>
+              </a:prstGeom>
+              <a:blipFill>
+                <a:blip r:embed="rId8"/>
+                <a:stretch>
+                  <a:fillRect/>
+                </a:stretch>
+              </a:blipFill>
+            </p:spPr>
+            <p:txBody>
+              <a:bodyPr/>
+              <a:lstStyle/>
+              <a:p>
+                <a:r>
+                  <a:rPr lang="zh-CN" altLang="en-US">
+                    <a:noFill/>
+                  </a:rPr>
+                  <a:t> </a:t>
+                </a:r>
+              </a:p>
+            </p:txBody>
+          </p:sp>
+        </mc:Fallback>
+      </mc:AlternateContent>
+      <mc:AlternateContent xmlns:mc="http://schemas.openxmlformats.org/markup-compatibility/2006">
+        <mc:Choice xmlns:a14="http://schemas.microsoft.com/office/drawing/2010/main" Requires="a14">
+          <p:sp>
+            <p:nvSpPr>
+              <p:cNvPr id="29" name="矩形 28">
+                <a:extLst>
+                  <a:ext uri="{FF2B5EF4-FFF2-40B4-BE49-F238E27FC236}">
+                    <a16:creationId xmlns:a16="http://schemas.microsoft.com/office/drawing/2014/main" id="{69B7D0FB-1FF4-46A1-9021-FDCFA9512AD9}"/>
+                  </a:ext>
+                </a:extLst>
+              </p:cNvPr>
+              <p:cNvSpPr/>
+              <p:nvPr/>
+            </p:nvSpPr>
+            <p:spPr>
+              <a:xfrm>
+                <a:off x="6409505" y="2950029"/>
+                <a:ext cx="1014537" cy="957942"/>
+              </a:xfrm>
+              <a:prstGeom prst="rect">
+                <a:avLst/>
+              </a:prstGeom>
+            </p:spPr>
+            <p:style>
+              <a:lnRef idx="2">
+                <a:schemeClr val="accent6">
+                  <a:shade val="50000"/>
+                </a:schemeClr>
+              </a:lnRef>
+              <a:fillRef idx="1">
+                <a:schemeClr val="accent6"/>
+              </a:fillRef>
+              <a:effectRef idx="0">
+                <a:schemeClr val="accent6"/>
+              </a:effectRef>
+              <a:fontRef idx="minor">
+                <a:schemeClr val="lt1"/>
+              </a:fontRef>
+            </p:style>
+            <p:txBody>
+              <a:bodyPr rtlCol="0" anchor="ctr"/>
+              <a:lstStyle/>
+              <a:p>
+                <a:pPr algn="ctr"/>
+                <a14:m>
+                  <m:oMathPara xmlns:m="http://schemas.openxmlformats.org/officeDocument/2006/math">
+                    <m:oMathParaPr>
+                      <m:jc m:val="centerGroup"/>
+                    </m:oMathParaPr>
+                    <m:oMath xmlns:m="http://schemas.openxmlformats.org/officeDocument/2006/math">
+                      <m:r>
+                        <a:rPr lang="en-US" altLang="zh-CN" i="1" dirty="0" smtClean="0">
+                          <a:latin typeface="Cambria Math" panose="02040503050406030204" pitchFamily="18" charset="0"/>
+                        </a:rPr>
+                        <m:t>𝑇</m:t>
+                      </m:r>
+                      <m:r>
+                        <a:rPr lang="en-US" altLang="zh-CN" b="0" i="1" dirty="0" smtClean="0">
+                          <a:latin typeface="Cambria Math" panose="02040503050406030204" pitchFamily="18" charset="0"/>
+                        </a:rPr>
+                        <m:t>(</m:t>
+                      </m:r>
+                      <m:r>
+                        <a:rPr lang="en-US" altLang="zh-CN" b="0" i="1" dirty="0" smtClean="0">
+                          <a:latin typeface="Cambria Math" panose="02040503050406030204" pitchFamily="18" charset="0"/>
+                        </a:rPr>
+                        <m:t>2</m:t>
+                      </m:r>
+                      <m:r>
+                        <a:rPr lang="en-US" altLang="zh-CN" b="0" i="1" dirty="0" smtClean="0">
+                          <a:latin typeface="Cambria Math" panose="02040503050406030204" pitchFamily="18" charset="0"/>
+                        </a:rPr>
+                        <m:t>,</m:t>
+                      </m:r>
+                      <m:r>
+                        <a:rPr lang="en-US" altLang="zh-CN" b="0" i="1" dirty="0" smtClean="0">
+                          <a:latin typeface="Cambria Math" panose="02040503050406030204" pitchFamily="18" charset="0"/>
+                        </a:rPr>
+                        <m:t>3</m:t>
+                      </m:r>
+                      <m:r>
+                        <a:rPr lang="en-US" altLang="zh-CN" b="0" i="1" dirty="0" smtClean="0">
+                          <a:latin typeface="Cambria Math" panose="02040503050406030204" pitchFamily="18" charset="0"/>
+                        </a:rPr>
+                        <m:t>)</m:t>
+                      </m:r>
+                    </m:oMath>
+                  </m:oMathPara>
+                </a14:m>
+                <a:endParaRPr lang="zh-CN" altLang="en-US" dirty="0"/>
+              </a:p>
+            </p:txBody>
+          </p:sp>
+        </mc:Choice>
+        <mc:Fallback>
+          <p:sp>
+            <p:nvSpPr>
+              <p:cNvPr id="29" name="矩形 28">
+                <a:extLst>
+                  <a:ext uri="{FF2B5EF4-FFF2-40B4-BE49-F238E27FC236}">
+                    <a16:creationId xmlns:a16="http://schemas.microsoft.com/office/drawing/2014/main" id="{69B7D0FB-1FF4-46A1-9021-FDCFA9512AD9}"/>
+                  </a:ext>
+                </a:extLst>
+              </p:cNvPr>
+              <p:cNvSpPr>
+                <a:spLocks noRot="1" noChangeAspect="1" noMove="1" noResize="1" noEditPoints="1" noAdjustHandles="1" noChangeArrowheads="1" noChangeShapeType="1" noTextEdit="1"/>
+              </p:cNvSpPr>
+              <p:nvPr/>
+            </p:nvSpPr>
+            <p:spPr>
+              <a:xfrm>
+                <a:off x="6409505" y="2950029"/>
+                <a:ext cx="1014537" cy="957942"/>
+              </a:xfrm>
+              <a:prstGeom prst="rect">
+                <a:avLst/>
+              </a:prstGeom>
+              <a:blipFill>
+                <a:blip r:embed="rId9"/>
+                <a:stretch>
+                  <a:fillRect/>
+                </a:stretch>
+              </a:blipFill>
+            </p:spPr>
+            <p:txBody>
+              <a:bodyPr/>
+              <a:lstStyle/>
+              <a:p>
+                <a:r>
+                  <a:rPr lang="zh-CN" altLang="en-US">
+                    <a:noFill/>
+                  </a:rPr>
+                  <a:t> </a:t>
+                </a:r>
+              </a:p>
+            </p:txBody>
+          </p:sp>
+        </mc:Fallback>
+      </mc:AlternateContent>
+      <mc:AlternateContent xmlns:mc="http://schemas.openxmlformats.org/markup-compatibility/2006">
+        <mc:Choice xmlns:a14="http://schemas.microsoft.com/office/drawing/2010/main" Requires="a14">
+          <p:sp>
+            <p:nvSpPr>
+              <p:cNvPr id="30" name="矩形 29">
+                <a:extLst>
+                  <a:ext uri="{FF2B5EF4-FFF2-40B4-BE49-F238E27FC236}">
+                    <a16:creationId xmlns:a16="http://schemas.microsoft.com/office/drawing/2014/main" id="{E4098A9A-6D5E-41DA-A023-BABE5ED78214}"/>
+                  </a:ext>
+                </a:extLst>
+              </p:cNvPr>
+              <p:cNvSpPr/>
+              <p:nvPr/>
+            </p:nvSpPr>
+            <p:spPr>
+              <a:xfrm>
+                <a:off x="6409504" y="1985554"/>
+                <a:ext cx="1628503" cy="957942"/>
+              </a:xfrm>
+              <a:prstGeom prst="rect">
+                <a:avLst/>
+              </a:prstGeom>
+            </p:spPr>
+            <p:style>
+              <a:lnRef idx="2">
+                <a:schemeClr val="accent6">
+                  <a:shade val="50000"/>
+                </a:schemeClr>
+              </a:lnRef>
+              <a:fillRef idx="1">
+                <a:schemeClr val="accent6"/>
+              </a:fillRef>
+              <a:effectRef idx="0">
+                <a:schemeClr val="accent6"/>
+              </a:effectRef>
+              <a:fontRef idx="minor">
+                <a:schemeClr val="lt1"/>
+              </a:fontRef>
+            </p:style>
+            <p:txBody>
+              <a:bodyPr rtlCol="0" anchor="ctr"/>
+              <a:lstStyle/>
+              <a:p>
+                <a:pPr algn="ctr"/>
+                <a14:m>
+                  <m:oMathPara xmlns:m="http://schemas.openxmlformats.org/officeDocument/2006/math">
+                    <m:oMathParaPr>
+                      <m:jc m:val="centerGroup"/>
+                    </m:oMathParaPr>
+                    <m:oMath xmlns:m="http://schemas.openxmlformats.org/officeDocument/2006/math">
+                      <m:r>
+                        <a:rPr lang="en-US" altLang="zh-CN" i="1" dirty="0" smtClean="0">
+                          <a:latin typeface="Cambria Math" panose="02040503050406030204" pitchFamily="18" charset="0"/>
+                        </a:rPr>
+                        <m:t>𝑇</m:t>
+                      </m:r>
+                      <m:r>
+                        <a:rPr lang="en-US" altLang="zh-CN" b="0" i="1" dirty="0" smtClean="0">
+                          <a:latin typeface="Cambria Math" panose="02040503050406030204" pitchFamily="18" charset="0"/>
+                        </a:rPr>
+                        <m:t>(</m:t>
+                      </m:r>
+                      <m:r>
+                        <a:rPr lang="en-US" altLang="zh-CN" b="0" i="1" dirty="0" smtClean="0">
+                          <a:latin typeface="Cambria Math" panose="02040503050406030204" pitchFamily="18" charset="0"/>
+                        </a:rPr>
+                        <m:t>3</m:t>
+                      </m:r>
+                      <m:r>
+                        <a:rPr lang="en-US" altLang="zh-CN" b="0" i="1" dirty="0" smtClean="0">
+                          <a:latin typeface="Cambria Math" panose="02040503050406030204" pitchFamily="18" charset="0"/>
+                        </a:rPr>
+                        <m:t>,</m:t>
+                      </m:r>
+                      <m:r>
+                        <a:rPr lang="en-US" altLang="zh-CN" i="1" dirty="0">
+                          <a:latin typeface="Cambria Math" panose="02040503050406030204" pitchFamily="18" charset="0"/>
+                        </a:rPr>
+                        <m:t>2</m:t>
+                      </m:r>
+                      <m:r>
+                        <a:rPr lang="en-US" altLang="zh-CN" b="0" i="1" dirty="0" smtClean="0">
+                          <a:latin typeface="Cambria Math" panose="02040503050406030204" pitchFamily="18" charset="0"/>
+                        </a:rPr>
+                        <m:t>)</m:t>
+                      </m:r>
+                    </m:oMath>
+                  </m:oMathPara>
+                </a14:m>
+                <a:endParaRPr lang="zh-CN" altLang="en-US" dirty="0"/>
+              </a:p>
+            </p:txBody>
+          </p:sp>
+        </mc:Choice>
+        <mc:Fallback>
+          <p:sp>
+            <p:nvSpPr>
+              <p:cNvPr id="30" name="矩形 29">
+                <a:extLst>
+                  <a:ext uri="{FF2B5EF4-FFF2-40B4-BE49-F238E27FC236}">
+                    <a16:creationId xmlns:a16="http://schemas.microsoft.com/office/drawing/2014/main" id="{E4098A9A-6D5E-41DA-A023-BABE5ED78214}"/>
+                  </a:ext>
+                </a:extLst>
+              </p:cNvPr>
+              <p:cNvSpPr>
+                <a:spLocks noRot="1" noChangeAspect="1" noMove="1" noResize="1" noEditPoints="1" noAdjustHandles="1" noChangeArrowheads="1" noChangeShapeType="1" noTextEdit="1"/>
+              </p:cNvSpPr>
+              <p:nvPr/>
+            </p:nvSpPr>
+            <p:spPr>
+              <a:xfrm>
+                <a:off x="6409504" y="1985554"/>
+                <a:ext cx="1628503" cy="957942"/>
+              </a:xfrm>
+              <a:prstGeom prst="rect">
+                <a:avLst/>
+              </a:prstGeom>
+              <a:blipFill>
+                <a:blip r:embed="rId10"/>
+                <a:stretch>
+                  <a:fillRect/>
+                </a:stretch>
+              </a:blipFill>
+            </p:spPr>
+            <p:txBody>
+              <a:bodyPr/>
+              <a:lstStyle/>
+              <a:p>
+                <a:r>
+                  <a:rPr lang="zh-CN" altLang="en-US">
+                    <a:noFill/>
+                  </a:rPr>
+                  <a:t> </a:t>
+                </a:r>
+              </a:p>
+            </p:txBody>
+          </p:sp>
+        </mc:Fallback>
+      </mc:AlternateContent>
+      <mc:AlternateContent xmlns:mc="http://schemas.openxmlformats.org/markup-compatibility/2006">
+        <mc:Choice xmlns:a14="http://schemas.microsoft.com/office/drawing/2010/main" Requires="a14">
+          <p:sp>
+            <p:nvSpPr>
+              <p:cNvPr id="31" name="矩形 30">
+                <a:extLst>
+                  <a:ext uri="{FF2B5EF4-FFF2-40B4-BE49-F238E27FC236}">
+                    <a16:creationId xmlns:a16="http://schemas.microsoft.com/office/drawing/2014/main" id="{1218F576-2D98-4508-B9CB-28E6E66F76AA}"/>
+                  </a:ext>
+                </a:extLst>
+              </p:cNvPr>
+              <p:cNvSpPr/>
+              <p:nvPr/>
+            </p:nvSpPr>
+            <p:spPr>
+              <a:xfrm>
+                <a:off x="4180112" y="1019840"/>
+                <a:ext cx="1027610" cy="957942"/>
+              </a:xfrm>
+              <a:prstGeom prst="rect">
+                <a:avLst/>
+              </a:prstGeom>
+            </p:spPr>
+            <p:style>
+              <a:lnRef idx="2">
+                <a:schemeClr val="accent6">
+                  <a:shade val="50000"/>
+                </a:schemeClr>
+              </a:lnRef>
+              <a:fillRef idx="1">
+                <a:schemeClr val="accent6"/>
+              </a:fillRef>
+              <a:effectRef idx="0">
+                <a:schemeClr val="accent6"/>
+              </a:effectRef>
+              <a:fontRef idx="minor">
+                <a:schemeClr val="lt1"/>
+              </a:fontRef>
+            </p:style>
+            <p:txBody>
+              <a:bodyPr rtlCol="0" anchor="ctr"/>
+              <a:lstStyle/>
+              <a:p>
+                <a:pPr algn="ctr"/>
+                <a14:m>
+                  <m:oMathPara xmlns:m="http://schemas.openxmlformats.org/officeDocument/2006/math">
+                    <m:oMathParaPr>
+                      <m:jc m:val="centerGroup"/>
+                    </m:oMathParaPr>
+                    <m:oMath xmlns:m="http://schemas.openxmlformats.org/officeDocument/2006/math">
+                      <m:r>
+                        <a:rPr lang="en-US" altLang="zh-CN" i="1" dirty="0" smtClean="0">
+                          <a:latin typeface="Cambria Math" panose="02040503050406030204" pitchFamily="18" charset="0"/>
+                        </a:rPr>
+                        <m:t>𝑇</m:t>
+                      </m:r>
+                      <m:r>
+                        <a:rPr lang="en-US" altLang="zh-CN" b="0" i="1" dirty="0" smtClean="0">
+                          <a:latin typeface="Cambria Math" panose="02040503050406030204" pitchFamily="18" charset="0"/>
+                        </a:rPr>
+                        <m:t>(</m:t>
+                      </m:r>
+                      <m:r>
+                        <a:rPr lang="en-US" altLang="zh-CN" b="0" i="1" dirty="0" smtClean="0">
+                          <a:latin typeface="Cambria Math" panose="02040503050406030204" pitchFamily="18" charset="0"/>
+                        </a:rPr>
+                        <m:t>3</m:t>
+                      </m:r>
+                      <m:r>
+                        <a:rPr lang="en-US" altLang="zh-CN" b="0" i="1" dirty="0" smtClean="0">
+                          <a:latin typeface="Cambria Math" panose="02040503050406030204" pitchFamily="18" charset="0"/>
+                        </a:rPr>
+                        <m:t>,</m:t>
+                      </m:r>
+                      <m:r>
+                        <a:rPr lang="en-US" altLang="zh-CN" b="0" i="1" dirty="0" smtClean="0">
+                          <a:latin typeface="Cambria Math" panose="02040503050406030204" pitchFamily="18" charset="0"/>
+                        </a:rPr>
+                        <m:t>1</m:t>
+                      </m:r>
+                      <m:r>
+                        <a:rPr lang="en-US" altLang="zh-CN" b="0" i="1" dirty="0" smtClean="0">
+                          <a:latin typeface="Cambria Math" panose="02040503050406030204" pitchFamily="18" charset="0"/>
+                        </a:rPr>
+                        <m:t>)</m:t>
+                      </m:r>
+                    </m:oMath>
+                  </m:oMathPara>
+                </a14:m>
+                <a:endParaRPr lang="zh-CN" altLang="en-US" dirty="0"/>
+              </a:p>
+            </p:txBody>
+          </p:sp>
+        </mc:Choice>
+        <mc:Fallback>
+          <p:sp>
+            <p:nvSpPr>
+              <p:cNvPr id="31" name="矩形 30">
+                <a:extLst>
+                  <a:ext uri="{FF2B5EF4-FFF2-40B4-BE49-F238E27FC236}">
+                    <a16:creationId xmlns:a16="http://schemas.microsoft.com/office/drawing/2014/main" id="{1218F576-2D98-4508-B9CB-28E6E66F76AA}"/>
+                  </a:ext>
+                </a:extLst>
+              </p:cNvPr>
+              <p:cNvSpPr>
+                <a:spLocks noRot="1" noChangeAspect="1" noMove="1" noResize="1" noEditPoints="1" noAdjustHandles="1" noChangeArrowheads="1" noChangeShapeType="1" noTextEdit="1"/>
+              </p:cNvSpPr>
+              <p:nvPr/>
+            </p:nvSpPr>
+            <p:spPr>
+              <a:xfrm>
+                <a:off x="4180112" y="1019840"/>
+                <a:ext cx="1027610" cy="957942"/>
+              </a:xfrm>
+              <a:prstGeom prst="rect">
+                <a:avLst/>
+              </a:prstGeom>
+              <a:blipFill>
+                <a:blip r:embed="rId11"/>
+                <a:stretch>
+                  <a:fillRect/>
+                </a:stretch>
+              </a:blipFill>
+            </p:spPr>
+            <p:txBody>
+              <a:bodyPr/>
+              <a:lstStyle/>
+              <a:p>
+                <a:r>
+                  <a:rPr lang="zh-CN" altLang="en-US">
+                    <a:noFill/>
+                  </a:rPr>
+                  <a:t> </a:t>
+                </a:r>
+              </a:p>
+            </p:txBody>
+          </p:sp>
+        </mc:Fallback>
+      </mc:AlternateContent>
+      <mc:AlternateContent xmlns:mc="http://schemas.openxmlformats.org/markup-compatibility/2006">
+        <mc:Choice xmlns:a14="http://schemas.microsoft.com/office/drawing/2010/main" Requires="a14">
+          <p:sp>
+            <p:nvSpPr>
+              <p:cNvPr id="32" name="矩形 31">
+                <a:extLst>
+                  <a:ext uri="{FF2B5EF4-FFF2-40B4-BE49-F238E27FC236}">
+                    <a16:creationId xmlns:a16="http://schemas.microsoft.com/office/drawing/2014/main" id="{2D0FDD90-86B7-47D5-B0EB-2EBDE04BCB39}"/>
+                  </a:ext>
+                </a:extLst>
+              </p:cNvPr>
+              <p:cNvSpPr/>
+              <p:nvPr/>
+            </p:nvSpPr>
+            <p:spPr>
+              <a:xfrm>
+                <a:off x="9065616" y="3907971"/>
+                <a:ext cx="1027610" cy="957942"/>
+              </a:xfrm>
+              <a:prstGeom prst="rect">
+                <a:avLst/>
+              </a:prstGeom>
+            </p:spPr>
+            <p:style>
+              <a:lnRef idx="2">
+                <a:schemeClr val="accent6">
+                  <a:shade val="50000"/>
+                </a:schemeClr>
+              </a:lnRef>
+              <a:fillRef idx="1">
+                <a:schemeClr val="accent6"/>
+              </a:fillRef>
+              <a:effectRef idx="0">
+                <a:schemeClr val="accent6"/>
+              </a:effectRef>
+              <a:fontRef idx="minor">
+                <a:schemeClr val="lt1"/>
+              </a:fontRef>
+            </p:style>
+            <p:txBody>
+              <a:bodyPr rtlCol="0" anchor="ctr"/>
+              <a:lstStyle/>
+              <a:p>
+                <a:pPr algn="ctr"/>
+                <a14:m>
+                  <m:oMathPara xmlns:m="http://schemas.openxmlformats.org/officeDocument/2006/math">
+                    <m:oMathParaPr>
+                      <m:jc m:val="centerGroup"/>
+                    </m:oMathParaPr>
+                    <m:oMath xmlns:m="http://schemas.openxmlformats.org/officeDocument/2006/math">
+                      <m:r>
+                        <a:rPr lang="en-US" altLang="zh-CN" i="1" dirty="0" smtClean="0">
+                          <a:latin typeface="Cambria Math" panose="02040503050406030204" pitchFamily="18" charset="0"/>
+                        </a:rPr>
+                        <m:t>𝑇</m:t>
+                      </m:r>
+                      <m:r>
+                        <a:rPr lang="en-US" altLang="zh-CN" b="0" i="1" dirty="0" smtClean="0">
+                          <a:latin typeface="Cambria Math" panose="02040503050406030204" pitchFamily="18" charset="0"/>
+                        </a:rPr>
+                        <m:t>(</m:t>
+                      </m:r>
+                      <m:r>
+                        <a:rPr lang="en-US" altLang="zh-CN" b="0" i="1" dirty="0" smtClean="0">
+                          <a:latin typeface="Cambria Math" panose="02040503050406030204" pitchFamily="18" charset="0"/>
+                        </a:rPr>
+                        <m:t>3</m:t>
+                      </m:r>
+                      <m:r>
+                        <a:rPr lang="en-US" altLang="zh-CN" b="0" i="1" dirty="0" smtClean="0">
+                          <a:latin typeface="Cambria Math" panose="02040503050406030204" pitchFamily="18" charset="0"/>
+                        </a:rPr>
+                        <m:t>,</m:t>
+                      </m:r>
+                      <m:r>
+                        <a:rPr lang="en-US" altLang="zh-CN" b="0" i="1" dirty="0" smtClean="0">
+                          <a:latin typeface="Cambria Math" panose="02040503050406030204" pitchFamily="18" charset="0"/>
+                        </a:rPr>
+                        <m:t>4</m:t>
+                      </m:r>
+                      <m:r>
+                        <a:rPr lang="en-US" altLang="zh-CN" b="0" i="1" dirty="0" smtClean="0">
+                          <a:latin typeface="Cambria Math" panose="02040503050406030204" pitchFamily="18" charset="0"/>
+                        </a:rPr>
+                        <m:t>)</m:t>
+                      </m:r>
+                    </m:oMath>
+                  </m:oMathPara>
+                </a14:m>
+                <a:endParaRPr lang="zh-CN" altLang="en-US" dirty="0"/>
+              </a:p>
+            </p:txBody>
+          </p:sp>
+        </mc:Choice>
+        <mc:Fallback>
+          <p:sp>
+            <p:nvSpPr>
+              <p:cNvPr id="32" name="矩形 31">
+                <a:extLst>
+                  <a:ext uri="{FF2B5EF4-FFF2-40B4-BE49-F238E27FC236}">
+                    <a16:creationId xmlns:a16="http://schemas.microsoft.com/office/drawing/2014/main" id="{2D0FDD90-86B7-47D5-B0EB-2EBDE04BCB39}"/>
+                  </a:ext>
+                </a:extLst>
+              </p:cNvPr>
+              <p:cNvSpPr>
+                <a:spLocks noRot="1" noChangeAspect="1" noMove="1" noResize="1" noEditPoints="1" noAdjustHandles="1" noChangeArrowheads="1" noChangeShapeType="1" noTextEdit="1"/>
+              </p:cNvSpPr>
+              <p:nvPr/>
+            </p:nvSpPr>
+            <p:spPr>
+              <a:xfrm>
+                <a:off x="9065616" y="3907971"/>
+                <a:ext cx="1027610" cy="957942"/>
+              </a:xfrm>
+              <a:prstGeom prst="rect">
+                <a:avLst/>
+              </a:prstGeom>
+              <a:blipFill>
+                <a:blip r:embed="rId12"/>
+                <a:stretch>
+                  <a:fillRect/>
+                </a:stretch>
+              </a:blipFill>
+            </p:spPr>
+            <p:txBody>
+              <a:bodyPr/>
+              <a:lstStyle/>
+              <a:p>
+                <a:r>
+                  <a:rPr lang="zh-CN" altLang="en-US">
+                    <a:noFill/>
+                  </a:rPr>
+                  <a:t> </a:t>
+                </a:r>
+              </a:p>
+            </p:txBody>
+          </p:sp>
+        </mc:Fallback>
+      </mc:AlternateContent>
+      <mc:AlternateContent xmlns:mc="http://schemas.openxmlformats.org/markup-compatibility/2006">
+        <mc:Choice xmlns:a14="http://schemas.microsoft.com/office/drawing/2010/main" Requires="a14">
+          <p:sp>
+            <p:nvSpPr>
+              <p:cNvPr id="33" name="矩形 32">
+                <a:extLst>
+                  <a:ext uri="{FF2B5EF4-FFF2-40B4-BE49-F238E27FC236}">
+                    <a16:creationId xmlns:a16="http://schemas.microsoft.com/office/drawing/2014/main" id="{935A1694-D253-42EB-9ADA-9773C8983F8B}"/>
+                  </a:ext>
+                </a:extLst>
+              </p:cNvPr>
+              <p:cNvSpPr/>
+              <p:nvPr/>
+            </p:nvSpPr>
+            <p:spPr>
+              <a:xfrm>
+                <a:off x="8038006" y="2950029"/>
+                <a:ext cx="1027610" cy="957942"/>
+              </a:xfrm>
+              <a:prstGeom prst="rect">
+                <a:avLst/>
+              </a:prstGeom>
+            </p:spPr>
+            <p:style>
+              <a:lnRef idx="2">
+                <a:schemeClr val="accent6">
+                  <a:shade val="50000"/>
+                </a:schemeClr>
+              </a:lnRef>
+              <a:fillRef idx="1">
+                <a:schemeClr val="accent6"/>
+              </a:fillRef>
+              <a:effectRef idx="0">
+                <a:schemeClr val="accent6"/>
+              </a:effectRef>
+              <a:fontRef idx="minor">
+                <a:schemeClr val="lt1"/>
+              </a:fontRef>
+            </p:style>
+            <p:txBody>
+              <a:bodyPr rtlCol="0" anchor="ctr"/>
+              <a:lstStyle/>
+              <a:p>
+                <a:pPr algn="ctr"/>
+                <a14:m>
+                  <m:oMathPara xmlns:m="http://schemas.openxmlformats.org/officeDocument/2006/math">
+                    <m:oMathParaPr>
+                      <m:jc m:val="centerGroup"/>
+                    </m:oMathParaPr>
+                    <m:oMath xmlns:m="http://schemas.openxmlformats.org/officeDocument/2006/math">
+                      <m:r>
+                        <a:rPr lang="en-US" altLang="zh-CN" i="1" dirty="0" smtClean="0">
+                          <a:latin typeface="Cambria Math" panose="02040503050406030204" pitchFamily="18" charset="0"/>
+                        </a:rPr>
+                        <m:t>𝑇</m:t>
+                      </m:r>
+                      <m:r>
+                        <a:rPr lang="en-US" altLang="zh-CN" b="0" i="1" dirty="0" smtClean="0">
+                          <a:latin typeface="Cambria Math" panose="02040503050406030204" pitchFamily="18" charset="0"/>
+                        </a:rPr>
+                        <m:t>(</m:t>
+                      </m:r>
+                      <m:r>
+                        <a:rPr lang="en-US" altLang="zh-CN" b="0" i="1" dirty="0" smtClean="0">
+                          <a:latin typeface="Cambria Math" panose="02040503050406030204" pitchFamily="18" charset="0"/>
+                        </a:rPr>
+                        <m:t>3</m:t>
+                      </m:r>
+                      <m:r>
+                        <a:rPr lang="en-US" altLang="zh-CN" b="0" i="1" dirty="0" smtClean="0">
+                          <a:latin typeface="Cambria Math" panose="02040503050406030204" pitchFamily="18" charset="0"/>
+                        </a:rPr>
+                        <m:t>,</m:t>
+                      </m:r>
+                      <m:r>
+                        <a:rPr lang="en-US" altLang="zh-CN" b="0" i="1" dirty="0" smtClean="0">
+                          <a:latin typeface="Cambria Math" panose="02040503050406030204" pitchFamily="18" charset="0"/>
+                        </a:rPr>
+                        <m:t>3</m:t>
+                      </m:r>
+                      <m:r>
+                        <a:rPr lang="en-US" altLang="zh-CN" b="0" i="1" dirty="0" smtClean="0">
+                          <a:latin typeface="Cambria Math" panose="02040503050406030204" pitchFamily="18" charset="0"/>
+                        </a:rPr>
+                        <m:t>)</m:t>
+                      </m:r>
+                    </m:oMath>
+                  </m:oMathPara>
+                </a14:m>
+                <a:endParaRPr lang="zh-CN" altLang="en-US" dirty="0"/>
+              </a:p>
+            </p:txBody>
+          </p:sp>
+        </mc:Choice>
+        <mc:Fallback>
+          <p:sp>
+            <p:nvSpPr>
+              <p:cNvPr id="33" name="矩形 32">
+                <a:extLst>
+                  <a:ext uri="{FF2B5EF4-FFF2-40B4-BE49-F238E27FC236}">
+                    <a16:creationId xmlns:a16="http://schemas.microsoft.com/office/drawing/2014/main" id="{935A1694-D253-42EB-9ADA-9773C8983F8B}"/>
+                  </a:ext>
+                </a:extLst>
+              </p:cNvPr>
+              <p:cNvSpPr>
+                <a:spLocks noRot="1" noChangeAspect="1" noMove="1" noResize="1" noEditPoints="1" noAdjustHandles="1" noChangeArrowheads="1" noChangeShapeType="1" noTextEdit="1"/>
+              </p:cNvSpPr>
+              <p:nvPr/>
+            </p:nvSpPr>
+            <p:spPr>
+              <a:xfrm>
+                <a:off x="8038006" y="2950029"/>
+                <a:ext cx="1027610" cy="957942"/>
+              </a:xfrm>
+              <a:prstGeom prst="rect">
+                <a:avLst/>
+              </a:prstGeom>
+              <a:blipFill>
+                <a:blip r:embed="rId13"/>
+                <a:stretch>
+                  <a:fillRect/>
+                </a:stretch>
+              </a:blipFill>
+            </p:spPr>
+            <p:txBody>
+              <a:bodyPr/>
+              <a:lstStyle/>
+              <a:p>
+                <a:r>
+                  <a:rPr lang="zh-CN" altLang="en-US">
+                    <a:noFill/>
+                  </a:rPr>
+                  <a:t> </a:t>
+                </a:r>
+              </a:p>
+            </p:txBody>
+          </p:sp>
+        </mc:Fallback>
+      </mc:AlternateContent>
+      <p:cxnSp>
+        <p:nvCxnSpPr>
+          <p:cNvPr id="38" name="直接箭头连接符 37">
+            <a:extLst>
+              <a:ext uri="{FF2B5EF4-FFF2-40B4-BE49-F238E27FC236}">
+                <a16:creationId xmlns:a16="http://schemas.microsoft.com/office/drawing/2014/main" id="{56CDD486-29FB-4FC6-AD2A-A87914653296}"/>
+              </a:ext>
+            </a:extLst>
+          </p:cNvPr>
+          <p:cNvCxnSpPr>
+            <a:cxnSpLocks/>
+          </p:cNvCxnSpPr>
+          <p:nvPr/>
+        </p:nvCxnSpPr>
+        <p:spPr>
+          <a:xfrm>
+            <a:off x="2033452" y="5242560"/>
+            <a:ext cx="8338457" cy="0"/>
+          </a:xfrm>
+          <a:prstGeom prst="straightConnector1">
+            <a:avLst/>
+          </a:prstGeom>
+          <a:ln>
+            <a:solidFill>
+              <a:schemeClr val="tx1"/>
+            </a:solidFill>
+            <a:tailEnd type="triangle"/>
+          </a:ln>
+        </p:spPr>
+        <p:style>
+          <a:lnRef idx="1">
+            <a:schemeClr val="dk1"/>
+          </a:lnRef>
+          <a:fillRef idx="0">
+            <a:schemeClr val="dk1"/>
+          </a:fillRef>
+          <a:effectRef idx="0">
+            <a:schemeClr val="dk1"/>
+          </a:effectRef>
+          <a:fontRef idx="minor">
+            <a:schemeClr val="tx1"/>
+          </a:fontRef>
+        </p:style>
+      </p:cxnSp>
+      <p:sp>
+        <p:nvSpPr>
+          <p:cNvPr id="39" name="文本框 38">
+            <a:extLst>
+              <a:ext uri="{FF2B5EF4-FFF2-40B4-BE49-F238E27FC236}">
+                <a16:creationId xmlns:a16="http://schemas.microsoft.com/office/drawing/2014/main" id="{784A9D84-01D8-4ECA-8F10-72410EDBFDC3}"/>
+              </a:ext>
+            </a:extLst>
+          </p:cNvPr>
+          <p:cNvSpPr txBox="1"/>
+          <p:nvPr/>
+        </p:nvSpPr>
+        <p:spPr>
+          <a:xfrm>
+            <a:off x="9344275" y="5249876"/>
+            <a:ext cx="1341120" cy="369332"/>
+          </a:xfrm>
+          <a:prstGeom prst="rect">
+            <a:avLst/>
+          </a:prstGeom>
+          <a:noFill/>
+        </p:spPr>
+        <p:txBody>
+          <a:bodyPr wrap="square" rtlCol="0">
+            <a:spAutoFit/>
+          </a:bodyPr>
+          <a:lstStyle/>
+          <a:p>
+            <a:r>
+              <a:rPr lang="zh-CN" altLang="en-US" dirty="0"/>
+              <a:t>时间</a:t>
+            </a:r>
+          </a:p>
+        </p:txBody>
+      </p:sp>
+    </p:spTree>
+    <p:extLst>
+      <p:ext uri="{BB962C8B-B14F-4D97-AF65-F5344CB8AC3E}">
+        <p14:creationId xmlns:p14="http://schemas.microsoft.com/office/powerpoint/2010/main" val="932136156"/>
       </p:ext>
     </p:extLst>
   </p:cSld>

--- a/article/figures/流水线PPT.pptx
+++ b/article/figures/流水线PPT.pptx
@@ -7,6 +7,7 @@
   <p:sldIdLst>
     <p:sldId id="256" r:id="rId2"/>
     <p:sldId id="257" r:id="rId3"/>
+    <p:sldId id="258" r:id="rId4"/>
   </p:sldIdLst>
   <p:sldSz cx="12192000" cy="6858000"/>
   <p:notesSz cx="6858000" cy="9144000"/>
@@ -3473,8 +3474,8 @@
           </a:p>
         </p:txBody>
       </p:sp>
-      <mc:AlternateContent xmlns:mc="http://schemas.openxmlformats.org/markup-compatibility/2006">
-        <mc:Choice xmlns:a14="http://schemas.microsoft.com/office/drawing/2010/main" Requires="a14">
+      <mc:AlternateContent xmlns:mc="http://schemas.openxmlformats.org/markup-compatibility/2006" xmlns:a14="http://schemas.microsoft.com/office/drawing/2010/main">
+        <mc:Choice Requires="a14">
           <p:sp>
             <p:nvSpPr>
               <p:cNvPr id="7" name="矩形 6">
@@ -3533,19 +3534,7 @@
                         <a:rPr lang="en-US" altLang="zh-CN" b="0" i="1" dirty="0" smtClean="0">
                           <a:latin typeface="Cambria Math" panose="02040503050406030204" pitchFamily="18" charset="0"/>
                         </a:rPr>
-                        <m:t>(</m:t>
-                      </m:r>
-                      <m:r>
-                        <a:rPr lang="en-US" altLang="zh-CN" b="0" i="1" dirty="0" smtClean="0">
-                          <a:latin typeface="Cambria Math" panose="02040503050406030204" pitchFamily="18" charset="0"/>
-                        </a:rPr>
-                        <m:t>1</m:t>
-                      </m:r>
-                      <m:r>
-                        <a:rPr lang="en-US" altLang="zh-CN" b="0" i="1" dirty="0" smtClean="0">
-                          <a:latin typeface="Cambria Math" panose="02040503050406030204" pitchFamily="18" charset="0"/>
-                        </a:rPr>
-                        <m:t>,</m:t>
+                        <m:t>(1,</m:t>
                       </m:r>
                       <m:r>
                         <a:rPr lang="en-US" altLang="zh-CN" i="1" dirty="0">
@@ -3567,7 +3556,7 @@
             </p:txBody>
           </p:sp>
         </mc:Choice>
-        <mc:Fallback>
+        <mc:Fallback xmlns="">
           <p:sp>
             <p:nvSpPr>
               <p:cNvPr id="7" name="矩形 6">
@@ -3612,8 +3601,8 @@
           </p:sp>
         </mc:Fallback>
       </mc:AlternateContent>
-      <mc:AlternateContent xmlns:mc="http://schemas.openxmlformats.org/markup-compatibility/2006">
-        <mc:Choice xmlns:a14="http://schemas.microsoft.com/office/drawing/2010/main" Requires="a14">
+      <mc:AlternateContent xmlns:mc="http://schemas.openxmlformats.org/markup-compatibility/2006" xmlns:a14="http://schemas.microsoft.com/office/drawing/2010/main">
+        <mc:Choice Requires="a14">
           <p:sp>
             <p:nvSpPr>
               <p:cNvPr id="10" name="矩形 9">
@@ -3672,31 +3661,7 @@
                         <a:rPr lang="en-US" altLang="zh-CN" b="0" i="1" dirty="0" smtClean="0">
                           <a:latin typeface="Cambria Math" panose="02040503050406030204" pitchFamily="18" charset="0"/>
                         </a:rPr>
-                        <m:t>(</m:t>
-                      </m:r>
-                      <m:r>
-                        <a:rPr lang="en-US" altLang="zh-CN" b="0" i="1" dirty="0" smtClean="0">
-                          <a:latin typeface="Cambria Math" panose="02040503050406030204" pitchFamily="18" charset="0"/>
-                        </a:rPr>
-                        <m:t>1</m:t>
-                      </m:r>
-                      <m:r>
-                        <a:rPr lang="en-US" altLang="zh-CN" b="0" i="1" dirty="0" smtClean="0">
-                          <a:latin typeface="Cambria Math" panose="02040503050406030204" pitchFamily="18" charset="0"/>
-                        </a:rPr>
-                        <m:t>,</m:t>
-                      </m:r>
-                      <m:r>
-                        <a:rPr lang="en-US" altLang="zh-CN" b="0" i="1" dirty="0" smtClean="0">
-                          <a:latin typeface="Cambria Math" panose="02040503050406030204" pitchFamily="18" charset="0"/>
-                        </a:rPr>
-                        <m:t>1</m:t>
-                      </m:r>
-                      <m:r>
-                        <a:rPr lang="en-US" altLang="zh-CN" b="0" i="1" dirty="0" smtClean="0">
-                          <a:latin typeface="Cambria Math" panose="02040503050406030204" pitchFamily="18" charset="0"/>
-                        </a:rPr>
-                        <m:t>)</m:t>
+                        <m:t>(1,1)</m:t>
                       </m:r>
                     </m:oMath>
                   </m:oMathPara>
@@ -3706,7 +3671,7 @@
             </p:txBody>
           </p:sp>
         </mc:Choice>
-        <mc:Fallback>
+        <mc:Fallback xmlns="">
           <p:sp>
             <p:nvSpPr>
               <p:cNvPr id="10" name="矩形 9">
@@ -3751,8 +3716,8 @@
           </p:sp>
         </mc:Fallback>
       </mc:AlternateContent>
-      <mc:AlternateContent xmlns:mc="http://schemas.openxmlformats.org/markup-compatibility/2006">
-        <mc:Choice xmlns:a14="http://schemas.microsoft.com/office/drawing/2010/main" Requires="a14">
+      <mc:AlternateContent xmlns:mc="http://schemas.openxmlformats.org/markup-compatibility/2006" xmlns:a14="http://schemas.microsoft.com/office/drawing/2010/main">
+        <mc:Choice Requires="a14">
           <p:sp>
             <p:nvSpPr>
               <p:cNvPr id="11" name="矩形 10">
@@ -3811,31 +3776,7 @@
                         <a:rPr lang="en-US" altLang="zh-CN" b="0" i="1" dirty="0" smtClean="0">
                           <a:latin typeface="Cambria Math" panose="02040503050406030204" pitchFamily="18" charset="0"/>
                         </a:rPr>
-                        <m:t>(</m:t>
-                      </m:r>
-                      <m:r>
-                        <a:rPr lang="en-US" altLang="zh-CN" b="0" i="1" dirty="0" smtClean="0">
-                          <a:latin typeface="Cambria Math" panose="02040503050406030204" pitchFamily="18" charset="0"/>
-                        </a:rPr>
-                        <m:t>1</m:t>
-                      </m:r>
-                      <m:r>
-                        <a:rPr lang="en-US" altLang="zh-CN" b="0" i="1" dirty="0" smtClean="0">
-                          <a:latin typeface="Cambria Math" panose="02040503050406030204" pitchFamily="18" charset="0"/>
-                        </a:rPr>
-                        <m:t>,</m:t>
-                      </m:r>
-                      <m:r>
-                        <a:rPr lang="en-US" altLang="zh-CN" b="0" i="1" dirty="0" smtClean="0">
-                          <a:latin typeface="Cambria Math" panose="02040503050406030204" pitchFamily="18" charset="0"/>
-                        </a:rPr>
-                        <m:t>4</m:t>
-                      </m:r>
-                      <m:r>
-                        <a:rPr lang="en-US" altLang="zh-CN" b="0" i="1" dirty="0" smtClean="0">
-                          <a:latin typeface="Cambria Math" panose="02040503050406030204" pitchFamily="18" charset="0"/>
-                        </a:rPr>
-                        <m:t>)</m:t>
+                        <m:t>(1,4)</m:t>
                       </m:r>
                     </m:oMath>
                   </m:oMathPara>
@@ -3845,7 +3786,7 @@
             </p:txBody>
           </p:sp>
         </mc:Choice>
-        <mc:Fallback>
+        <mc:Fallback xmlns="">
           <p:sp>
             <p:nvSpPr>
               <p:cNvPr id="11" name="矩形 10">
@@ -3890,8 +3831,8 @@
           </p:sp>
         </mc:Fallback>
       </mc:AlternateContent>
-      <mc:AlternateContent xmlns:mc="http://schemas.openxmlformats.org/markup-compatibility/2006">
-        <mc:Choice xmlns:a14="http://schemas.microsoft.com/office/drawing/2010/main" Requires="a14">
+      <mc:AlternateContent xmlns:mc="http://schemas.openxmlformats.org/markup-compatibility/2006" xmlns:a14="http://schemas.microsoft.com/office/drawing/2010/main">
+        <mc:Choice Requires="a14">
           <p:sp>
             <p:nvSpPr>
               <p:cNvPr id="12" name="矩形 11">
@@ -3950,31 +3891,7 @@
                         <a:rPr lang="en-US" altLang="zh-CN" b="0" i="1" dirty="0" smtClean="0">
                           <a:latin typeface="Cambria Math" panose="02040503050406030204" pitchFamily="18" charset="0"/>
                         </a:rPr>
-                        <m:t>(</m:t>
-                      </m:r>
-                      <m:r>
-                        <a:rPr lang="en-US" altLang="zh-CN" b="0" i="1" dirty="0" smtClean="0">
-                          <a:latin typeface="Cambria Math" panose="02040503050406030204" pitchFamily="18" charset="0"/>
-                        </a:rPr>
-                        <m:t>1</m:t>
-                      </m:r>
-                      <m:r>
-                        <a:rPr lang="en-US" altLang="zh-CN" b="0" i="1" dirty="0" smtClean="0">
-                          <a:latin typeface="Cambria Math" panose="02040503050406030204" pitchFamily="18" charset="0"/>
-                        </a:rPr>
-                        <m:t>,</m:t>
-                      </m:r>
-                      <m:r>
-                        <a:rPr lang="en-US" altLang="zh-CN" b="0" i="1" dirty="0" smtClean="0">
-                          <a:latin typeface="Cambria Math" panose="02040503050406030204" pitchFamily="18" charset="0"/>
-                        </a:rPr>
-                        <m:t>3</m:t>
-                      </m:r>
-                      <m:r>
-                        <a:rPr lang="en-US" altLang="zh-CN" b="0" i="1" dirty="0" smtClean="0">
-                          <a:latin typeface="Cambria Math" panose="02040503050406030204" pitchFamily="18" charset="0"/>
-                        </a:rPr>
-                        <m:t>)</m:t>
+                        <m:t>(1,3)</m:t>
                       </m:r>
                     </m:oMath>
                   </m:oMathPara>
@@ -3984,7 +3901,7 @@
             </p:txBody>
           </p:sp>
         </mc:Choice>
-        <mc:Fallback>
+        <mc:Fallback xmlns="">
           <p:sp>
             <p:nvSpPr>
               <p:cNvPr id="12" name="矩形 11">
@@ -4029,8 +3946,8 @@
           </p:sp>
         </mc:Fallback>
       </mc:AlternateContent>
-      <mc:AlternateContent xmlns:mc="http://schemas.openxmlformats.org/markup-compatibility/2006">
-        <mc:Choice xmlns:a14="http://schemas.microsoft.com/office/drawing/2010/main" Requires="a14">
+      <mc:AlternateContent xmlns:mc="http://schemas.openxmlformats.org/markup-compatibility/2006" xmlns:a14="http://schemas.microsoft.com/office/drawing/2010/main">
+        <mc:Choice Requires="a14">
           <p:sp>
             <p:nvSpPr>
               <p:cNvPr id="13" name="矩形 12">
@@ -4123,7 +4040,7 @@
             </p:txBody>
           </p:sp>
         </mc:Choice>
-        <mc:Fallback>
+        <mc:Fallback xmlns="">
           <p:sp>
             <p:nvSpPr>
               <p:cNvPr id="13" name="矩形 12">
@@ -4168,8 +4085,8 @@
           </p:sp>
         </mc:Fallback>
       </mc:AlternateContent>
-      <mc:AlternateContent xmlns:mc="http://schemas.openxmlformats.org/markup-compatibility/2006">
-        <mc:Choice xmlns:a14="http://schemas.microsoft.com/office/drawing/2010/main" Requires="a14">
+      <mc:AlternateContent xmlns:mc="http://schemas.openxmlformats.org/markup-compatibility/2006" xmlns:a14="http://schemas.microsoft.com/office/drawing/2010/main">
+        <mc:Choice Requires="a14">
           <p:sp>
             <p:nvSpPr>
               <p:cNvPr id="14" name="矩形 13">
@@ -4240,19 +4157,7 @@
                         <a:rPr lang="en-US" altLang="zh-CN" b="0" i="1" dirty="0" smtClean="0">
                           <a:latin typeface="Cambria Math" panose="02040503050406030204" pitchFamily="18" charset="0"/>
                         </a:rPr>
-                        <m:t>,</m:t>
-                      </m:r>
-                      <m:r>
-                        <a:rPr lang="en-US" altLang="zh-CN" b="0" i="1" dirty="0" smtClean="0">
-                          <a:latin typeface="Cambria Math" panose="02040503050406030204" pitchFamily="18" charset="0"/>
-                        </a:rPr>
-                        <m:t>4</m:t>
-                      </m:r>
-                      <m:r>
-                        <a:rPr lang="en-US" altLang="zh-CN" b="0" i="1" dirty="0" smtClean="0">
-                          <a:latin typeface="Cambria Math" panose="02040503050406030204" pitchFamily="18" charset="0"/>
-                        </a:rPr>
-                        <m:t>)</m:t>
+                        <m:t>,4)</m:t>
                       </m:r>
                     </m:oMath>
                   </m:oMathPara>
@@ -4262,7 +4167,7 @@
             </p:txBody>
           </p:sp>
         </mc:Choice>
-        <mc:Fallback>
+        <mc:Fallback xmlns="">
           <p:sp>
             <p:nvSpPr>
               <p:cNvPr id="14" name="矩形 13">
@@ -4307,8 +4212,8 @@
           </p:sp>
         </mc:Fallback>
       </mc:AlternateContent>
-      <mc:AlternateContent xmlns:mc="http://schemas.openxmlformats.org/markup-compatibility/2006">
-        <mc:Choice xmlns:a14="http://schemas.microsoft.com/office/drawing/2010/main" Requires="a14">
+      <mc:AlternateContent xmlns:mc="http://schemas.openxmlformats.org/markup-compatibility/2006" xmlns:a14="http://schemas.microsoft.com/office/drawing/2010/main">
+        <mc:Choice Requires="a14">
           <p:sp>
             <p:nvSpPr>
               <p:cNvPr id="15" name="矩形 14">
@@ -4379,19 +4284,7 @@
                         <a:rPr lang="en-US" altLang="zh-CN" b="0" i="1" dirty="0" smtClean="0">
                           <a:latin typeface="Cambria Math" panose="02040503050406030204" pitchFamily="18" charset="0"/>
                         </a:rPr>
-                        <m:t>,</m:t>
-                      </m:r>
-                      <m:r>
-                        <a:rPr lang="en-US" altLang="zh-CN" b="0" i="1" dirty="0" smtClean="0">
-                          <a:latin typeface="Cambria Math" panose="02040503050406030204" pitchFamily="18" charset="0"/>
-                        </a:rPr>
-                        <m:t>3</m:t>
-                      </m:r>
-                      <m:r>
-                        <a:rPr lang="en-US" altLang="zh-CN" b="0" i="1" dirty="0" smtClean="0">
-                          <a:latin typeface="Cambria Math" panose="02040503050406030204" pitchFamily="18" charset="0"/>
-                        </a:rPr>
-                        <m:t>)</m:t>
+                        <m:t>,3)</m:t>
                       </m:r>
                     </m:oMath>
                   </m:oMathPara>
@@ -4401,7 +4294,7 @@
             </p:txBody>
           </p:sp>
         </mc:Choice>
-        <mc:Fallback>
+        <mc:Fallback xmlns="">
           <p:sp>
             <p:nvSpPr>
               <p:cNvPr id="15" name="矩形 14">
@@ -4446,8 +4339,8 @@
           </p:sp>
         </mc:Fallback>
       </mc:AlternateContent>
-      <mc:AlternateContent xmlns:mc="http://schemas.openxmlformats.org/markup-compatibility/2006">
-        <mc:Choice xmlns:a14="http://schemas.microsoft.com/office/drawing/2010/main" Requires="a14">
+      <mc:AlternateContent xmlns:mc="http://schemas.openxmlformats.org/markup-compatibility/2006" xmlns:a14="http://schemas.microsoft.com/office/drawing/2010/main">
+        <mc:Choice Requires="a14">
           <p:sp>
             <p:nvSpPr>
               <p:cNvPr id="16" name="矩形 15">
@@ -4506,19 +4399,7 @@
                         <a:rPr lang="en-US" altLang="zh-CN" b="0" i="1" dirty="0" smtClean="0">
                           <a:latin typeface="Cambria Math" panose="02040503050406030204" pitchFamily="18" charset="0"/>
                         </a:rPr>
-                        <m:t>(</m:t>
-                      </m:r>
-                      <m:r>
-                        <a:rPr lang="en-US" altLang="zh-CN" b="0" i="1" dirty="0" smtClean="0">
-                          <a:latin typeface="Cambria Math" panose="02040503050406030204" pitchFamily="18" charset="0"/>
-                        </a:rPr>
-                        <m:t>3</m:t>
-                      </m:r>
-                      <m:r>
-                        <a:rPr lang="en-US" altLang="zh-CN" b="0" i="1" dirty="0" smtClean="0">
-                          <a:latin typeface="Cambria Math" panose="02040503050406030204" pitchFamily="18" charset="0"/>
-                        </a:rPr>
-                        <m:t>,</m:t>
+                        <m:t>(3,</m:t>
                       </m:r>
                       <m:r>
                         <a:rPr lang="en-US" altLang="zh-CN" i="1" dirty="0">
@@ -4540,7 +4421,7 @@
             </p:txBody>
           </p:sp>
         </mc:Choice>
-        <mc:Fallback>
+        <mc:Fallback xmlns="">
           <p:sp>
             <p:nvSpPr>
               <p:cNvPr id="16" name="矩形 15">
@@ -4585,8 +4466,8 @@
           </p:sp>
         </mc:Fallback>
       </mc:AlternateContent>
-      <mc:AlternateContent xmlns:mc="http://schemas.openxmlformats.org/markup-compatibility/2006">
-        <mc:Choice xmlns:a14="http://schemas.microsoft.com/office/drawing/2010/main" Requires="a14">
+      <mc:AlternateContent xmlns:mc="http://schemas.openxmlformats.org/markup-compatibility/2006" xmlns:a14="http://schemas.microsoft.com/office/drawing/2010/main">
+        <mc:Choice Requires="a14">
           <p:sp>
             <p:nvSpPr>
               <p:cNvPr id="17" name="矩形 16">
@@ -4645,31 +4526,7 @@
                         <a:rPr lang="en-US" altLang="zh-CN" b="0" i="1" dirty="0" smtClean="0">
                           <a:latin typeface="Cambria Math" panose="02040503050406030204" pitchFamily="18" charset="0"/>
                         </a:rPr>
-                        <m:t>(</m:t>
-                      </m:r>
-                      <m:r>
-                        <a:rPr lang="en-US" altLang="zh-CN" b="0" i="1" dirty="0" smtClean="0">
-                          <a:latin typeface="Cambria Math" panose="02040503050406030204" pitchFamily="18" charset="0"/>
-                        </a:rPr>
-                        <m:t>3</m:t>
-                      </m:r>
-                      <m:r>
-                        <a:rPr lang="en-US" altLang="zh-CN" b="0" i="1" dirty="0" smtClean="0">
-                          <a:latin typeface="Cambria Math" panose="02040503050406030204" pitchFamily="18" charset="0"/>
-                        </a:rPr>
-                        <m:t>,</m:t>
-                      </m:r>
-                      <m:r>
-                        <a:rPr lang="en-US" altLang="zh-CN" b="0" i="1" dirty="0" smtClean="0">
-                          <a:latin typeface="Cambria Math" panose="02040503050406030204" pitchFamily="18" charset="0"/>
-                        </a:rPr>
-                        <m:t>3</m:t>
-                      </m:r>
-                      <m:r>
-                        <a:rPr lang="en-US" altLang="zh-CN" b="0" i="1" dirty="0" smtClean="0">
-                          <a:latin typeface="Cambria Math" panose="02040503050406030204" pitchFamily="18" charset="0"/>
-                        </a:rPr>
-                        <m:t>)</m:t>
+                        <m:t>(3,3)</m:t>
                       </m:r>
                     </m:oMath>
                   </m:oMathPara>
@@ -4679,7 +4536,7 @@
             </p:txBody>
           </p:sp>
         </mc:Choice>
-        <mc:Fallback>
+        <mc:Fallback xmlns="">
           <p:sp>
             <p:nvSpPr>
               <p:cNvPr id="17" name="矩形 16">
@@ -4724,8 +4581,8 @@
           </p:sp>
         </mc:Fallback>
       </mc:AlternateContent>
-      <mc:AlternateContent xmlns:mc="http://schemas.openxmlformats.org/markup-compatibility/2006">
-        <mc:Choice xmlns:a14="http://schemas.microsoft.com/office/drawing/2010/main" Requires="a14">
+      <mc:AlternateContent xmlns:mc="http://schemas.openxmlformats.org/markup-compatibility/2006" xmlns:a14="http://schemas.microsoft.com/office/drawing/2010/main">
+        <mc:Choice Requires="a14">
           <p:sp>
             <p:nvSpPr>
               <p:cNvPr id="18" name="矩形 17">
@@ -4794,7 +4651,7 @@
             </p:txBody>
           </p:sp>
         </mc:Choice>
-        <mc:Fallback>
+        <mc:Fallback xmlns="">
           <p:sp>
             <p:nvSpPr>
               <p:cNvPr id="18" name="矩形 17">
@@ -4839,8 +4696,8 @@
           </p:sp>
         </mc:Fallback>
       </mc:AlternateContent>
-      <mc:AlternateContent xmlns:mc="http://schemas.openxmlformats.org/markup-compatibility/2006">
-        <mc:Choice xmlns:a14="http://schemas.microsoft.com/office/drawing/2010/main" Requires="a14">
+      <mc:AlternateContent xmlns:mc="http://schemas.openxmlformats.org/markup-compatibility/2006" xmlns:a14="http://schemas.microsoft.com/office/drawing/2010/main">
+        <mc:Choice Requires="a14">
           <p:sp>
             <p:nvSpPr>
               <p:cNvPr id="19" name="矩形 18">
@@ -4899,31 +4756,7 @@
                         <a:rPr lang="en-US" altLang="zh-CN" b="0" i="1" dirty="0" smtClean="0">
                           <a:latin typeface="Cambria Math" panose="02040503050406030204" pitchFamily="18" charset="0"/>
                         </a:rPr>
-                        <m:t>(</m:t>
-                      </m:r>
-                      <m:r>
-                        <a:rPr lang="en-US" altLang="zh-CN" b="0" i="1" dirty="0" smtClean="0">
-                          <a:latin typeface="Cambria Math" panose="02040503050406030204" pitchFamily="18" charset="0"/>
-                        </a:rPr>
-                        <m:t>2</m:t>
-                      </m:r>
-                      <m:r>
-                        <a:rPr lang="en-US" altLang="zh-CN" b="0" i="1" dirty="0" smtClean="0">
-                          <a:latin typeface="Cambria Math" panose="02040503050406030204" pitchFamily="18" charset="0"/>
-                        </a:rPr>
-                        <m:t>,</m:t>
-                      </m:r>
-                      <m:r>
-                        <a:rPr lang="en-US" altLang="zh-CN" b="0" i="1" dirty="0" smtClean="0">
-                          <a:latin typeface="Cambria Math" panose="02040503050406030204" pitchFamily="18" charset="0"/>
-                        </a:rPr>
-                        <m:t>1</m:t>
-                      </m:r>
-                      <m:r>
-                        <a:rPr lang="en-US" altLang="zh-CN" b="0" i="1" dirty="0" smtClean="0">
-                          <a:latin typeface="Cambria Math" panose="02040503050406030204" pitchFamily="18" charset="0"/>
-                        </a:rPr>
-                        <m:t>)</m:t>
+                        <m:t>(2,1)</m:t>
                       </m:r>
                     </m:oMath>
                   </m:oMathPara>
@@ -4933,7 +4766,7 @@
             </p:txBody>
           </p:sp>
         </mc:Choice>
-        <mc:Fallback>
+        <mc:Fallback xmlns="">
           <p:sp>
             <p:nvSpPr>
               <p:cNvPr id="19" name="矩形 18">
@@ -4978,8 +4811,8 @@
           </p:sp>
         </mc:Fallback>
       </mc:AlternateContent>
-      <mc:AlternateContent xmlns:mc="http://schemas.openxmlformats.org/markup-compatibility/2006">
-        <mc:Choice xmlns:a14="http://schemas.microsoft.com/office/drawing/2010/main" Requires="a14">
+      <mc:AlternateContent xmlns:mc="http://schemas.openxmlformats.org/markup-compatibility/2006" xmlns:a14="http://schemas.microsoft.com/office/drawing/2010/main">
+        <mc:Choice Requires="a14">
           <p:sp>
             <p:nvSpPr>
               <p:cNvPr id="21" name="矩形 20">
@@ -5038,31 +4871,7 @@
                         <a:rPr lang="en-US" altLang="zh-CN" b="0" i="1" dirty="0" smtClean="0">
                           <a:latin typeface="Cambria Math" panose="02040503050406030204" pitchFamily="18" charset="0"/>
                         </a:rPr>
-                        <m:t>(</m:t>
-                      </m:r>
-                      <m:r>
-                        <a:rPr lang="en-US" altLang="zh-CN" b="0" i="1" dirty="0" smtClean="0">
-                          <a:latin typeface="Cambria Math" panose="02040503050406030204" pitchFamily="18" charset="0"/>
-                        </a:rPr>
-                        <m:t>3</m:t>
-                      </m:r>
-                      <m:r>
-                        <a:rPr lang="en-US" altLang="zh-CN" b="0" i="1" dirty="0" smtClean="0">
-                          <a:latin typeface="Cambria Math" panose="02040503050406030204" pitchFamily="18" charset="0"/>
-                        </a:rPr>
-                        <m:t>,</m:t>
-                      </m:r>
-                      <m:r>
-                        <a:rPr lang="en-US" altLang="zh-CN" b="0" i="1" dirty="0" smtClean="0">
-                          <a:latin typeface="Cambria Math" panose="02040503050406030204" pitchFamily="18" charset="0"/>
-                        </a:rPr>
-                        <m:t>4</m:t>
-                      </m:r>
-                      <m:r>
-                        <a:rPr lang="en-US" altLang="zh-CN" b="0" i="1" dirty="0" smtClean="0">
-                          <a:latin typeface="Cambria Math" panose="02040503050406030204" pitchFamily="18" charset="0"/>
-                        </a:rPr>
-                        <m:t>)</m:t>
+                        <m:t>(3,4)</m:t>
                       </m:r>
                     </m:oMath>
                   </m:oMathPara>
@@ -5072,7 +4881,7 @@
             </p:txBody>
           </p:sp>
         </mc:Choice>
-        <mc:Fallback>
+        <mc:Fallback xmlns="">
           <p:sp>
             <p:nvSpPr>
               <p:cNvPr id="21" name="矩形 20">
@@ -5624,8 +5433,8 @@
           </a:p>
         </p:txBody>
       </p:sp>
-      <mc:AlternateContent xmlns:mc="http://schemas.openxmlformats.org/markup-compatibility/2006">
-        <mc:Choice xmlns:a14="http://schemas.microsoft.com/office/drawing/2010/main" Requires="a14">
+      <mc:AlternateContent xmlns:mc="http://schemas.openxmlformats.org/markup-compatibility/2006" xmlns:a14="http://schemas.microsoft.com/office/drawing/2010/main">
+        <mc:Choice Requires="a14">
           <p:sp>
             <p:nvSpPr>
               <p:cNvPr id="7" name="矩形 6">
@@ -5684,31 +5493,7 @@
                         <a:rPr lang="en-US" altLang="zh-CN" b="0" i="1" dirty="0" smtClean="0">
                           <a:latin typeface="Cambria Math" panose="02040503050406030204" pitchFamily="18" charset="0"/>
                         </a:rPr>
-                        <m:t>(</m:t>
-                      </m:r>
-                      <m:r>
-                        <a:rPr lang="en-US" altLang="zh-CN" b="0" i="1" dirty="0" smtClean="0">
-                          <a:latin typeface="Cambria Math" panose="02040503050406030204" pitchFamily="18" charset="0"/>
-                        </a:rPr>
-                        <m:t>1</m:t>
-                      </m:r>
-                      <m:r>
-                        <a:rPr lang="en-US" altLang="zh-CN" b="0" i="1" dirty="0" smtClean="0">
-                          <a:latin typeface="Cambria Math" panose="02040503050406030204" pitchFamily="18" charset="0"/>
-                        </a:rPr>
-                        <m:t>,</m:t>
-                      </m:r>
-                      <m:r>
-                        <a:rPr lang="en-US" altLang="zh-CN" b="0" i="1" dirty="0" smtClean="0">
-                          <a:latin typeface="Cambria Math" panose="02040503050406030204" pitchFamily="18" charset="0"/>
-                        </a:rPr>
-                        <m:t>2</m:t>
-                      </m:r>
-                      <m:r>
-                        <a:rPr lang="en-US" altLang="zh-CN" b="0" i="1" dirty="0" smtClean="0">
-                          <a:latin typeface="Cambria Math" panose="02040503050406030204" pitchFamily="18" charset="0"/>
-                        </a:rPr>
-                        <m:t>)</m:t>
+                        <m:t>(1,2)</m:t>
                       </m:r>
                     </m:oMath>
                   </m:oMathPara>
@@ -5718,7 +5503,7 @@
             </p:txBody>
           </p:sp>
         </mc:Choice>
-        <mc:Fallback>
+        <mc:Fallback xmlns="">
           <p:sp>
             <p:nvSpPr>
               <p:cNvPr id="7" name="矩形 6">
@@ -5763,8 +5548,8 @@
           </p:sp>
         </mc:Fallback>
       </mc:AlternateContent>
-      <mc:AlternateContent xmlns:mc="http://schemas.openxmlformats.org/markup-compatibility/2006">
-        <mc:Choice xmlns:a14="http://schemas.microsoft.com/office/drawing/2010/main" Requires="a14">
+      <mc:AlternateContent xmlns:mc="http://schemas.openxmlformats.org/markup-compatibility/2006" xmlns:a14="http://schemas.microsoft.com/office/drawing/2010/main">
+        <mc:Choice Requires="a14">
           <p:sp>
             <p:nvSpPr>
               <p:cNvPr id="8" name="矩形 7">
@@ -5823,31 +5608,7 @@
                         <a:rPr lang="en-US" altLang="zh-CN" b="0" i="1" dirty="0" smtClean="0">
                           <a:latin typeface="Cambria Math" panose="02040503050406030204" pitchFamily="18" charset="0"/>
                         </a:rPr>
-                        <m:t>(</m:t>
-                      </m:r>
-                      <m:r>
-                        <a:rPr lang="en-US" altLang="zh-CN" b="0" i="1" dirty="0" smtClean="0">
-                          <a:latin typeface="Cambria Math" panose="02040503050406030204" pitchFamily="18" charset="0"/>
-                        </a:rPr>
-                        <m:t>1</m:t>
-                      </m:r>
-                      <m:r>
-                        <a:rPr lang="en-US" altLang="zh-CN" b="0" i="1" dirty="0" smtClean="0">
-                          <a:latin typeface="Cambria Math" panose="02040503050406030204" pitchFamily="18" charset="0"/>
-                        </a:rPr>
-                        <m:t>,</m:t>
-                      </m:r>
-                      <m:r>
-                        <a:rPr lang="en-US" altLang="zh-CN" b="0" i="1" dirty="0" smtClean="0">
-                          <a:latin typeface="Cambria Math" panose="02040503050406030204" pitchFamily="18" charset="0"/>
-                        </a:rPr>
-                        <m:t>1</m:t>
-                      </m:r>
-                      <m:r>
-                        <a:rPr lang="en-US" altLang="zh-CN" b="0" i="1" dirty="0" smtClean="0">
-                          <a:latin typeface="Cambria Math" panose="02040503050406030204" pitchFamily="18" charset="0"/>
-                        </a:rPr>
-                        <m:t>)</m:t>
+                        <m:t>(1,1)</m:t>
                       </m:r>
                     </m:oMath>
                   </m:oMathPara>
@@ -5857,7 +5618,7 @@
             </p:txBody>
           </p:sp>
         </mc:Choice>
-        <mc:Fallback>
+        <mc:Fallback xmlns="">
           <p:sp>
             <p:nvSpPr>
               <p:cNvPr id="8" name="矩形 7">
@@ -5902,8 +5663,8 @@
           </p:sp>
         </mc:Fallback>
       </mc:AlternateContent>
-      <mc:AlternateContent xmlns:mc="http://schemas.openxmlformats.org/markup-compatibility/2006">
-        <mc:Choice xmlns:a14="http://schemas.microsoft.com/office/drawing/2010/main" Requires="a14">
+      <mc:AlternateContent xmlns:mc="http://schemas.openxmlformats.org/markup-compatibility/2006" xmlns:a14="http://schemas.microsoft.com/office/drawing/2010/main">
+        <mc:Choice Requires="a14">
           <p:sp>
             <p:nvSpPr>
               <p:cNvPr id="9" name="矩形 8">
@@ -5962,31 +5723,7 @@
                         <a:rPr lang="en-US" altLang="zh-CN" b="0" i="1" dirty="0" smtClean="0">
                           <a:latin typeface="Cambria Math" panose="02040503050406030204" pitchFamily="18" charset="0"/>
                         </a:rPr>
-                        <m:t>(</m:t>
-                      </m:r>
-                      <m:r>
-                        <a:rPr lang="en-US" altLang="zh-CN" b="0" i="1" dirty="0" smtClean="0">
-                          <a:latin typeface="Cambria Math" panose="02040503050406030204" pitchFamily="18" charset="0"/>
-                        </a:rPr>
-                        <m:t>1</m:t>
-                      </m:r>
-                      <m:r>
-                        <a:rPr lang="en-US" altLang="zh-CN" b="0" i="1" dirty="0" smtClean="0">
-                          <a:latin typeface="Cambria Math" panose="02040503050406030204" pitchFamily="18" charset="0"/>
-                        </a:rPr>
-                        <m:t>,</m:t>
-                      </m:r>
-                      <m:r>
-                        <a:rPr lang="en-US" altLang="zh-CN" b="0" i="1" dirty="0" smtClean="0">
-                          <a:latin typeface="Cambria Math" panose="02040503050406030204" pitchFamily="18" charset="0"/>
-                        </a:rPr>
-                        <m:t>4</m:t>
-                      </m:r>
-                      <m:r>
-                        <a:rPr lang="en-US" altLang="zh-CN" b="0" i="1" dirty="0" smtClean="0">
-                          <a:latin typeface="Cambria Math" panose="02040503050406030204" pitchFamily="18" charset="0"/>
-                        </a:rPr>
-                        <m:t>)</m:t>
+                        <m:t>(1,4)</m:t>
                       </m:r>
                     </m:oMath>
                   </m:oMathPara>
@@ -5996,7 +5733,7 @@
             </p:txBody>
           </p:sp>
         </mc:Choice>
-        <mc:Fallback>
+        <mc:Fallback xmlns="">
           <p:sp>
             <p:nvSpPr>
               <p:cNvPr id="9" name="矩形 8">
@@ -6041,8 +5778,8 @@
           </p:sp>
         </mc:Fallback>
       </mc:AlternateContent>
-      <mc:AlternateContent xmlns:mc="http://schemas.openxmlformats.org/markup-compatibility/2006">
-        <mc:Choice xmlns:a14="http://schemas.microsoft.com/office/drawing/2010/main" Requires="a14">
+      <mc:AlternateContent xmlns:mc="http://schemas.openxmlformats.org/markup-compatibility/2006" xmlns:a14="http://schemas.microsoft.com/office/drawing/2010/main">
+        <mc:Choice Requires="a14">
           <p:sp>
             <p:nvSpPr>
               <p:cNvPr id="10" name="矩形 9">
@@ -6101,31 +5838,7 @@
                         <a:rPr lang="en-US" altLang="zh-CN" b="0" i="1" dirty="0" smtClean="0">
                           <a:latin typeface="Cambria Math" panose="02040503050406030204" pitchFamily="18" charset="0"/>
                         </a:rPr>
-                        <m:t>(</m:t>
-                      </m:r>
-                      <m:r>
-                        <a:rPr lang="en-US" altLang="zh-CN" b="0" i="1" dirty="0" smtClean="0">
-                          <a:latin typeface="Cambria Math" panose="02040503050406030204" pitchFamily="18" charset="0"/>
-                        </a:rPr>
-                        <m:t>1</m:t>
-                      </m:r>
-                      <m:r>
-                        <a:rPr lang="en-US" altLang="zh-CN" b="0" i="1" dirty="0" smtClean="0">
-                          <a:latin typeface="Cambria Math" panose="02040503050406030204" pitchFamily="18" charset="0"/>
-                        </a:rPr>
-                        <m:t>,</m:t>
-                      </m:r>
-                      <m:r>
-                        <a:rPr lang="en-US" altLang="zh-CN" b="0" i="1" dirty="0" smtClean="0">
-                          <a:latin typeface="Cambria Math" panose="02040503050406030204" pitchFamily="18" charset="0"/>
-                        </a:rPr>
-                        <m:t>3</m:t>
-                      </m:r>
-                      <m:r>
-                        <a:rPr lang="en-US" altLang="zh-CN" b="0" i="1" dirty="0" smtClean="0">
-                          <a:latin typeface="Cambria Math" panose="02040503050406030204" pitchFamily="18" charset="0"/>
-                        </a:rPr>
-                        <m:t>)</m:t>
+                        <m:t>(1,3)</m:t>
                       </m:r>
                     </m:oMath>
                   </m:oMathPara>
@@ -6135,7 +5848,7 @@
             </p:txBody>
           </p:sp>
         </mc:Choice>
-        <mc:Fallback>
+        <mc:Fallback xmlns="">
           <p:sp>
             <p:nvSpPr>
               <p:cNvPr id="10" name="矩形 9">
@@ -6437,8 +6150,8 @@
           </a:p>
         </p:txBody>
       </p:sp>
-      <mc:AlternateContent xmlns:mc="http://schemas.openxmlformats.org/markup-compatibility/2006">
-        <mc:Choice xmlns:a14="http://schemas.microsoft.com/office/drawing/2010/main" Requires="a14">
+      <mc:AlternateContent xmlns:mc="http://schemas.openxmlformats.org/markup-compatibility/2006" xmlns:a14="http://schemas.microsoft.com/office/drawing/2010/main">
+        <mc:Choice Requires="a14">
           <p:sp>
             <p:nvSpPr>
               <p:cNvPr id="26" name="矩形 25">
@@ -6497,19 +6210,7 @@
                         <a:rPr lang="en-US" altLang="zh-CN" b="0" i="1" dirty="0" smtClean="0">
                           <a:latin typeface="Cambria Math" panose="02040503050406030204" pitchFamily="18" charset="0"/>
                         </a:rPr>
-                        <m:t>(</m:t>
-                      </m:r>
-                      <m:r>
-                        <a:rPr lang="en-US" altLang="zh-CN" b="0" i="1" dirty="0" smtClean="0">
-                          <a:latin typeface="Cambria Math" panose="02040503050406030204" pitchFamily="18" charset="0"/>
-                        </a:rPr>
-                        <m:t>2</m:t>
-                      </m:r>
-                      <m:r>
-                        <a:rPr lang="en-US" altLang="zh-CN" b="0" i="1" dirty="0" smtClean="0">
-                          <a:latin typeface="Cambria Math" panose="02040503050406030204" pitchFamily="18" charset="0"/>
-                        </a:rPr>
-                        <m:t>,</m:t>
+                        <m:t>(2,</m:t>
                       </m:r>
                       <m:r>
                         <a:rPr lang="en-US" altLang="zh-CN" i="1" dirty="0">
@@ -6531,7 +6232,7 @@
             </p:txBody>
           </p:sp>
         </mc:Choice>
-        <mc:Fallback>
+        <mc:Fallback xmlns="">
           <p:sp>
             <p:nvSpPr>
               <p:cNvPr id="26" name="矩形 25">
@@ -6576,8 +6277,8 @@
           </p:sp>
         </mc:Fallback>
       </mc:AlternateContent>
-      <mc:AlternateContent xmlns:mc="http://schemas.openxmlformats.org/markup-compatibility/2006">
-        <mc:Choice xmlns:a14="http://schemas.microsoft.com/office/drawing/2010/main" Requires="a14">
+      <mc:AlternateContent xmlns:mc="http://schemas.openxmlformats.org/markup-compatibility/2006" xmlns:a14="http://schemas.microsoft.com/office/drawing/2010/main">
+        <mc:Choice Requires="a14">
           <p:sp>
             <p:nvSpPr>
               <p:cNvPr id="27" name="矩形 26">
@@ -6636,31 +6337,7 @@
                         <a:rPr lang="en-US" altLang="zh-CN" b="0" i="1" dirty="0" smtClean="0">
                           <a:latin typeface="Cambria Math" panose="02040503050406030204" pitchFamily="18" charset="0"/>
                         </a:rPr>
-                        <m:t>(</m:t>
-                      </m:r>
-                      <m:r>
-                        <a:rPr lang="en-US" altLang="zh-CN" b="0" i="1" dirty="0" smtClean="0">
-                          <a:latin typeface="Cambria Math" panose="02040503050406030204" pitchFamily="18" charset="0"/>
-                        </a:rPr>
-                        <m:t>2</m:t>
-                      </m:r>
-                      <m:r>
-                        <a:rPr lang="en-US" altLang="zh-CN" b="0" i="1" dirty="0" smtClean="0">
-                          <a:latin typeface="Cambria Math" panose="02040503050406030204" pitchFamily="18" charset="0"/>
-                        </a:rPr>
-                        <m:t>,</m:t>
-                      </m:r>
-                      <m:r>
-                        <a:rPr lang="en-US" altLang="zh-CN" b="0" i="1" dirty="0" smtClean="0">
-                          <a:latin typeface="Cambria Math" panose="02040503050406030204" pitchFamily="18" charset="0"/>
-                        </a:rPr>
-                        <m:t>1</m:t>
-                      </m:r>
-                      <m:r>
-                        <a:rPr lang="en-US" altLang="zh-CN" b="0" i="1" dirty="0" smtClean="0">
-                          <a:latin typeface="Cambria Math" panose="02040503050406030204" pitchFamily="18" charset="0"/>
-                        </a:rPr>
-                        <m:t>)</m:t>
+                        <m:t>(2,1)</m:t>
                       </m:r>
                     </m:oMath>
                   </m:oMathPara>
@@ -6670,7 +6347,7 @@
             </p:txBody>
           </p:sp>
         </mc:Choice>
-        <mc:Fallback>
+        <mc:Fallback xmlns="">
           <p:sp>
             <p:nvSpPr>
               <p:cNvPr id="27" name="矩形 26">
@@ -6715,8 +6392,8 @@
           </p:sp>
         </mc:Fallback>
       </mc:AlternateContent>
-      <mc:AlternateContent xmlns:mc="http://schemas.openxmlformats.org/markup-compatibility/2006">
-        <mc:Choice xmlns:a14="http://schemas.microsoft.com/office/drawing/2010/main" Requires="a14">
+      <mc:AlternateContent xmlns:mc="http://schemas.openxmlformats.org/markup-compatibility/2006" xmlns:a14="http://schemas.microsoft.com/office/drawing/2010/main">
+        <mc:Choice Requires="a14">
           <p:sp>
             <p:nvSpPr>
               <p:cNvPr id="28" name="矩形 27">
@@ -6775,31 +6452,7 @@
                         <a:rPr lang="en-US" altLang="zh-CN" b="0" i="1" dirty="0" smtClean="0">
                           <a:latin typeface="Cambria Math" panose="02040503050406030204" pitchFamily="18" charset="0"/>
                         </a:rPr>
-                        <m:t>(</m:t>
-                      </m:r>
-                      <m:r>
-                        <a:rPr lang="en-US" altLang="zh-CN" b="0" i="1" dirty="0" smtClean="0">
-                          <a:latin typeface="Cambria Math" panose="02040503050406030204" pitchFamily="18" charset="0"/>
-                        </a:rPr>
-                        <m:t>2</m:t>
-                      </m:r>
-                      <m:r>
-                        <a:rPr lang="en-US" altLang="zh-CN" b="0" i="1" dirty="0" smtClean="0">
-                          <a:latin typeface="Cambria Math" panose="02040503050406030204" pitchFamily="18" charset="0"/>
-                        </a:rPr>
-                        <m:t>,</m:t>
-                      </m:r>
-                      <m:r>
-                        <a:rPr lang="en-US" altLang="zh-CN" b="0" i="1" dirty="0" smtClean="0">
-                          <a:latin typeface="Cambria Math" panose="02040503050406030204" pitchFamily="18" charset="0"/>
-                        </a:rPr>
-                        <m:t>4</m:t>
-                      </m:r>
-                      <m:r>
-                        <a:rPr lang="en-US" altLang="zh-CN" b="0" i="1" dirty="0" smtClean="0">
-                          <a:latin typeface="Cambria Math" panose="02040503050406030204" pitchFamily="18" charset="0"/>
-                        </a:rPr>
-                        <m:t>)</m:t>
+                        <m:t>(2,4)</m:t>
                       </m:r>
                     </m:oMath>
                   </m:oMathPara>
@@ -6809,7 +6462,7 @@
             </p:txBody>
           </p:sp>
         </mc:Choice>
-        <mc:Fallback>
+        <mc:Fallback xmlns="">
           <p:sp>
             <p:nvSpPr>
               <p:cNvPr id="28" name="矩形 27">
@@ -6854,8 +6507,8 @@
           </p:sp>
         </mc:Fallback>
       </mc:AlternateContent>
-      <mc:AlternateContent xmlns:mc="http://schemas.openxmlformats.org/markup-compatibility/2006">
-        <mc:Choice xmlns:a14="http://schemas.microsoft.com/office/drawing/2010/main" Requires="a14">
+      <mc:AlternateContent xmlns:mc="http://schemas.openxmlformats.org/markup-compatibility/2006" xmlns:a14="http://schemas.microsoft.com/office/drawing/2010/main">
+        <mc:Choice Requires="a14">
           <p:sp>
             <p:nvSpPr>
               <p:cNvPr id="29" name="矩形 28">
@@ -6914,31 +6567,7 @@
                         <a:rPr lang="en-US" altLang="zh-CN" b="0" i="1" dirty="0" smtClean="0">
                           <a:latin typeface="Cambria Math" panose="02040503050406030204" pitchFamily="18" charset="0"/>
                         </a:rPr>
-                        <m:t>(</m:t>
-                      </m:r>
-                      <m:r>
-                        <a:rPr lang="en-US" altLang="zh-CN" b="0" i="1" dirty="0" smtClean="0">
-                          <a:latin typeface="Cambria Math" panose="02040503050406030204" pitchFamily="18" charset="0"/>
-                        </a:rPr>
-                        <m:t>2</m:t>
-                      </m:r>
-                      <m:r>
-                        <a:rPr lang="en-US" altLang="zh-CN" b="0" i="1" dirty="0" smtClean="0">
-                          <a:latin typeface="Cambria Math" panose="02040503050406030204" pitchFamily="18" charset="0"/>
-                        </a:rPr>
-                        <m:t>,</m:t>
-                      </m:r>
-                      <m:r>
-                        <a:rPr lang="en-US" altLang="zh-CN" b="0" i="1" dirty="0" smtClean="0">
-                          <a:latin typeface="Cambria Math" panose="02040503050406030204" pitchFamily="18" charset="0"/>
-                        </a:rPr>
-                        <m:t>3</m:t>
-                      </m:r>
-                      <m:r>
-                        <a:rPr lang="en-US" altLang="zh-CN" b="0" i="1" dirty="0" smtClean="0">
-                          <a:latin typeface="Cambria Math" panose="02040503050406030204" pitchFamily="18" charset="0"/>
-                        </a:rPr>
-                        <m:t>)</m:t>
+                        <m:t>(2,3)</m:t>
                       </m:r>
                     </m:oMath>
                   </m:oMathPara>
@@ -6948,7 +6577,7 @@
             </p:txBody>
           </p:sp>
         </mc:Choice>
-        <mc:Fallback>
+        <mc:Fallback xmlns="">
           <p:sp>
             <p:nvSpPr>
               <p:cNvPr id="29" name="矩形 28">
@@ -6993,8 +6622,8 @@
           </p:sp>
         </mc:Fallback>
       </mc:AlternateContent>
-      <mc:AlternateContent xmlns:mc="http://schemas.openxmlformats.org/markup-compatibility/2006">
-        <mc:Choice xmlns:a14="http://schemas.microsoft.com/office/drawing/2010/main" Requires="a14">
+      <mc:AlternateContent xmlns:mc="http://schemas.openxmlformats.org/markup-compatibility/2006" xmlns:a14="http://schemas.microsoft.com/office/drawing/2010/main">
+        <mc:Choice Requires="a14">
           <p:sp>
             <p:nvSpPr>
               <p:cNvPr id="30" name="矩形 29">
@@ -7053,19 +6682,7 @@
                         <a:rPr lang="en-US" altLang="zh-CN" b="0" i="1" dirty="0" smtClean="0">
                           <a:latin typeface="Cambria Math" panose="02040503050406030204" pitchFamily="18" charset="0"/>
                         </a:rPr>
-                        <m:t>(</m:t>
-                      </m:r>
-                      <m:r>
-                        <a:rPr lang="en-US" altLang="zh-CN" b="0" i="1" dirty="0" smtClean="0">
-                          <a:latin typeface="Cambria Math" panose="02040503050406030204" pitchFamily="18" charset="0"/>
-                        </a:rPr>
-                        <m:t>3</m:t>
-                      </m:r>
-                      <m:r>
-                        <a:rPr lang="en-US" altLang="zh-CN" b="0" i="1" dirty="0" smtClean="0">
-                          <a:latin typeface="Cambria Math" panose="02040503050406030204" pitchFamily="18" charset="0"/>
-                        </a:rPr>
-                        <m:t>,</m:t>
+                        <m:t>(3,</m:t>
                       </m:r>
                       <m:r>
                         <a:rPr lang="en-US" altLang="zh-CN" i="1" dirty="0">
@@ -7087,7 +6704,7 @@
             </p:txBody>
           </p:sp>
         </mc:Choice>
-        <mc:Fallback>
+        <mc:Fallback xmlns="">
           <p:sp>
             <p:nvSpPr>
               <p:cNvPr id="30" name="矩形 29">
@@ -7132,8 +6749,8 @@
           </p:sp>
         </mc:Fallback>
       </mc:AlternateContent>
-      <mc:AlternateContent xmlns:mc="http://schemas.openxmlformats.org/markup-compatibility/2006">
-        <mc:Choice xmlns:a14="http://schemas.microsoft.com/office/drawing/2010/main" Requires="a14">
+      <mc:AlternateContent xmlns:mc="http://schemas.openxmlformats.org/markup-compatibility/2006" xmlns:a14="http://schemas.microsoft.com/office/drawing/2010/main">
+        <mc:Choice Requires="a14">
           <p:sp>
             <p:nvSpPr>
               <p:cNvPr id="31" name="矩形 30">
@@ -7192,31 +6809,7 @@
                         <a:rPr lang="en-US" altLang="zh-CN" b="0" i="1" dirty="0" smtClean="0">
                           <a:latin typeface="Cambria Math" panose="02040503050406030204" pitchFamily="18" charset="0"/>
                         </a:rPr>
-                        <m:t>(</m:t>
-                      </m:r>
-                      <m:r>
-                        <a:rPr lang="en-US" altLang="zh-CN" b="0" i="1" dirty="0" smtClean="0">
-                          <a:latin typeface="Cambria Math" panose="02040503050406030204" pitchFamily="18" charset="0"/>
-                        </a:rPr>
-                        <m:t>3</m:t>
-                      </m:r>
-                      <m:r>
-                        <a:rPr lang="en-US" altLang="zh-CN" b="0" i="1" dirty="0" smtClean="0">
-                          <a:latin typeface="Cambria Math" panose="02040503050406030204" pitchFamily="18" charset="0"/>
-                        </a:rPr>
-                        <m:t>,</m:t>
-                      </m:r>
-                      <m:r>
-                        <a:rPr lang="en-US" altLang="zh-CN" b="0" i="1" dirty="0" smtClean="0">
-                          <a:latin typeface="Cambria Math" panose="02040503050406030204" pitchFamily="18" charset="0"/>
-                        </a:rPr>
-                        <m:t>1</m:t>
-                      </m:r>
-                      <m:r>
-                        <a:rPr lang="en-US" altLang="zh-CN" b="0" i="1" dirty="0" smtClean="0">
-                          <a:latin typeface="Cambria Math" panose="02040503050406030204" pitchFamily="18" charset="0"/>
-                        </a:rPr>
-                        <m:t>)</m:t>
+                        <m:t>(3,1)</m:t>
                       </m:r>
                     </m:oMath>
                   </m:oMathPara>
@@ -7226,7 +6819,7 @@
             </p:txBody>
           </p:sp>
         </mc:Choice>
-        <mc:Fallback>
+        <mc:Fallback xmlns="">
           <p:sp>
             <p:nvSpPr>
               <p:cNvPr id="31" name="矩形 30">
@@ -7271,8 +6864,8 @@
           </p:sp>
         </mc:Fallback>
       </mc:AlternateContent>
-      <mc:AlternateContent xmlns:mc="http://schemas.openxmlformats.org/markup-compatibility/2006">
-        <mc:Choice xmlns:a14="http://schemas.microsoft.com/office/drawing/2010/main" Requires="a14">
+      <mc:AlternateContent xmlns:mc="http://schemas.openxmlformats.org/markup-compatibility/2006" xmlns:a14="http://schemas.microsoft.com/office/drawing/2010/main">
+        <mc:Choice Requires="a14">
           <p:sp>
             <p:nvSpPr>
               <p:cNvPr id="32" name="矩形 31">
@@ -7331,31 +6924,7 @@
                         <a:rPr lang="en-US" altLang="zh-CN" b="0" i="1" dirty="0" smtClean="0">
                           <a:latin typeface="Cambria Math" panose="02040503050406030204" pitchFamily="18" charset="0"/>
                         </a:rPr>
-                        <m:t>(</m:t>
-                      </m:r>
-                      <m:r>
-                        <a:rPr lang="en-US" altLang="zh-CN" b="0" i="1" dirty="0" smtClean="0">
-                          <a:latin typeface="Cambria Math" panose="02040503050406030204" pitchFamily="18" charset="0"/>
-                        </a:rPr>
-                        <m:t>3</m:t>
-                      </m:r>
-                      <m:r>
-                        <a:rPr lang="en-US" altLang="zh-CN" b="0" i="1" dirty="0" smtClean="0">
-                          <a:latin typeface="Cambria Math" panose="02040503050406030204" pitchFamily="18" charset="0"/>
-                        </a:rPr>
-                        <m:t>,</m:t>
-                      </m:r>
-                      <m:r>
-                        <a:rPr lang="en-US" altLang="zh-CN" b="0" i="1" dirty="0" smtClean="0">
-                          <a:latin typeface="Cambria Math" panose="02040503050406030204" pitchFamily="18" charset="0"/>
-                        </a:rPr>
-                        <m:t>4</m:t>
-                      </m:r>
-                      <m:r>
-                        <a:rPr lang="en-US" altLang="zh-CN" b="0" i="1" dirty="0" smtClean="0">
-                          <a:latin typeface="Cambria Math" panose="02040503050406030204" pitchFamily="18" charset="0"/>
-                        </a:rPr>
-                        <m:t>)</m:t>
+                        <m:t>(3,4)</m:t>
                       </m:r>
                     </m:oMath>
                   </m:oMathPara>
@@ -7365,7 +6934,7 @@
             </p:txBody>
           </p:sp>
         </mc:Choice>
-        <mc:Fallback>
+        <mc:Fallback xmlns="">
           <p:sp>
             <p:nvSpPr>
               <p:cNvPr id="32" name="矩形 31">
@@ -7410,8 +6979,8 @@
           </p:sp>
         </mc:Fallback>
       </mc:AlternateContent>
-      <mc:AlternateContent xmlns:mc="http://schemas.openxmlformats.org/markup-compatibility/2006">
-        <mc:Choice xmlns:a14="http://schemas.microsoft.com/office/drawing/2010/main" Requires="a14">
+      <mc:AlternateContent xmlns:mc="http://schemas.openxmlformats.org/markup-compatibility/2006" xmlns:a14="http://schemas.microsoft.com/office/drawing/2010/main">
+        <mc:Choice Requires="a14">
           <p:sp>
             <p:nvSpPr>
               <p:cNvPr id="33" name="矩形 32">
@@ -7470,31 +7039,7 @@
                         <a:rPr lang="en-US" altLang="zh-CN" b="0" i="1" dirty="0" smtClean="0">
                           <a:latin typeface="Cambria Math" panose="02040503050406030204" pitchFamily="18" charset="0"/>
                         </a:rPr>
-                        <m:t>(</m:t>
-                      </m:r>
-                      <m:r>
-                        <a:rPr lang="en-US" altLang="zh-CN" b="0" i="1" dirty="0" smtClean="0">
-                          <a:latin typeface="Cambria Math" panose="02040503050406030204" pitchFamily="18" charset="0"/>
-                        </a:rPr>
-                        <m:t>3</m:t>
-                      </m:r>
-                      <m:r>
-                        <a:rPr lang="en-US" altLang="zh-CN" b="0" i="1" dirty="0" smtClean="0">
-                          <a:latin typeface="Cambria Math" panose="02040503050406030204" pitchFamily="18" charset="0"/>
-                        </a:rPr>
-                        <m:t>,</m:t>
-                      </m:r>
-                      <m:r>
-                        <a:rPr lang="en-US" altLang="zh-CN" b="0" i="1" dirty="0" smtClean="0">
-                          <a:latin typeface="Cambria Math" panose="02040503050406030204" pitchFamily="18" charset="0"/>
-                        </a:rPr>
-                        <m:t>3</m:t>
-                      </m:r>
-                      <m:r>
-                        <a:rPr lang="en-US" altLang="zh-CN" b="0" i="1" dirty="0" smtClean="0">
-                          <a:latin typeface="Cambria Math" panose="02040503050406030204" pitchFamily="18" charset="0"/>
-                        </a:rPr>
-                        <m:t>)</m:t>
+                        <m:t>(3,3)</m:t>
                       </m:r>
                     </m:oMath>
                   </m:oMathPara>
@@ -7504,7 +7049,7 @@
             </p:txBody>
           </p:sp>
         </mc:Choice>
-        <mc:Fallback>
+        <mc:Fallback xmlns="">
           <p:sp>
             <p:nvSpPr>
               <p:cNvPr id="33" name="矩形 32">
@@ -7632,6 +7177,764 @@
     <p:extLst>
       <p:ext uri="{BB962C8B-B14F-4D97-AF65-F5344CB8AC3E}">
         <p14:creationId xmlns:p14="http://schemas.microsoft.com/office/powerpoint/2010/main" val="932136156"/>
+      </p:ext>
+    </p:extLst>
+  </p:cSld>
+  <p:clrMapOvr>
+    <a:masterClrMapping/>
+  </p:clrMapOvr>
+</p:sld>
+</file>
+
+<file path=ppt/slides/slide3.xml><?xml version="1.0" encoding="utf-8"?>
+<p:sld xmlns:a="http://schemas.openxmlformats.org/drawingml/2006/main" xmlns:r="http://schemas.openxmlformats.org/officeDocument/2006/relationships" xmlns:p="http://schemas.openxmlformats.org/presentationml/2006/main">
+  <p:cSld>
+    <p:spTree>
+      <p:nvGrpSpPr>
+        <p:cNvPr id="1" name=""/>
+        <p:cNvGrpSpPr/>
+        <p:nvPr/>
+      </p:nvGrpSpPr>
+      <p:grpSpPr>
+        <a:xfrm>
+          <a:off x="0" y="0"/>
+          <a:ext cx="0" cy="0"/>
+          <a:chOff x="0" y="0"/>
+          <a:chExt cx="0" cy="0"/>
+        </a:xfrm>
+      </p:grpSpPr>
+      <p:cxnSp>
+        <p:nvCxnSpPr>
+          <p:cNvPr id="7" name="直接箭头连接符 6">
+            <a:extLst>
+              <a:ext uri="{FF2B5EF4-FFF2-40B4-BE49-F238E27FC236}">
+                <a16:creationId xmlns:a16="http://schemas.microsoft.com/office/drawing/2014/main" id="{0E8B17F1-3EDA-4AC1-B3D7-21A1F301DE38}"/>
+              </a:ext>
+            </a:extLst>
+          </p:cNvPr>
+          <p:cNvCxnSpPr>
+            <a:cxnSpLocks/>
+          </p:cNvCxnSpPr>
+          <p:nvPr/>
+        </p:nvCxnSpPr>
+        <p:spPr>
+          <a:xfrm>
+            <a:off x="1632857" y="3429000"/>
+            <a:ext cx="8338457" cy="0"/>
+          </a:xfrm>
+          <a:prstGeom prst="straightConnector1">
+            <a:avLst/>
+          </a:prstGeom>
+          <a:ln>
+            <a:solidFill>
+              <a:schemeClr val="tx1"/>
+            </a:solidFill>
+            <a:headEnd w="lg" len="lg"/>
+            <a:tailEnd type="triangle" w="lg" len="lg"/>
+          </a:ln>
+        </p:spPr>
+        <p:style>
+          <a:lnRef idx="1">
+            <a:schemeClr val="dk1"/>
+          </a:lnRef>
+          <a:fillRef idx="0">
+            <a:schemeClr val="dk1"/>
+          </a:fillRef>
+          <a:effectRef idx="0">
+            <a:schemeClr val="dk1"/>
+          </a:effectRef>
+          <a:fontRef idx="minor">
+            <a:schemeClr val="tx1"/>
+          </a:fontRef>
+        </p:style>
+      </p:cxnSp>
+      <p:sp>
+        <p:nvSpPr>
+          <p:cNvPr id="8" name="文本框 7">
+            <a:extLst>
+              <a:ext uri="{FF2B5EF4-FFF2-40B4-BE49-F238E27FC236}">
+                <a16:creationId xmlns:a16="http://schemas.microsoft.com/office/drawing/2014/main" id="{CEA47DB0-3633-4AA7-84C9-758C21024EB7}"/>
+              </a:ext>
+            </a:extLst>
+          </p:cNvPr>
+          <p:cNvSpPr txBox="1"/>
+          <p:nvPr/>
+        </p:nvSpPr>
+        <p:spPr>
+          <a:xfrm>
+            <a:off x="5245824" y="3636612"/>
+            <a:ext cx="1112522" cy="523220"/>
+          </a:xfrm>
+          <a:prstGeom prst="rect">
+            <a:avLst/>
+          </a:prstGeom>
+          <a:noFill/>
+        </p:spPr>
+        <p:txBody>
+          <a:bodyPr wrap="square" rtlCol="0">
+            <a:spAutoFit/>
+          </a:bodyPr>
+          <a:lstStyle/>
+          <a:p>
+            <a:r>
+              <a:rPr lang="en-US" altLang="zh-CN" sz="2800" dirty="0"/>
+              <a:t>100</a:t>
+            </a:r>
+            <a:r>
+              <a:rPr lang="zh-CN" altLang="en-US" sz="2800" dirty="0"/>
+              <a:t>天</a:t>
+            </a:r>
+          </a:p>
+        </p:txBody>
+      </p:sp>
+      <p:cxnSp>
+        <p:nvCxnSpPr>
+          <p:cNvPr id="10" name="直接箭头连接符 9">
+            <a:extLst>
+              <a:ext uri="{FF2B5EF4-FFF2-40B4-BE49-F238E27FC236}">
+                <a16:creationId xmlns:a16="http://schemas.microsoft.com/office/drawing/2014/main" id="{80ED660F-E261-4FC1-817E-0CF08031C7EB}"/>
+              </a:ext>
+            </a:extLst>
+          </p:cNvPr>
+          <p:cNvCxnSpPr>
+            <a:cxnSpLocks/>
+          </p:cNvCxnSpPr>
+          <p:nvPr/>
+        </p:nvCxnSpPr>
+        <p:spPr>
+          <a:xfrm>
+            <a:off x="3561806" y="2360023"/>
+            <a:ext cx="557349" cy="0"/>
+          </a:xfrm>
+          <a:prstGeom prst="straightConnector1">
+            <a:avLst/>
+          </a:prstGeom>
+          <a:ln>
+            <a:tailEnd type="triangle"/>
+          </a:ln>
+        </p:spPr>
+        <p:style>
+          <a:lnRef idx="1">
+            <a:schemeClr val="dk1"/>
+          </a:lnRef>
+          <a:fillRef idx="0">
+            <a:schemeClr val="dk1"/>
+          </a:fillRef>
+          <a:effectRef idx="0">
+            <a:schemeClr val="dk1"/>
+          </a:effectRef>
+          <a:fontRef idx="minor">
+            <a:schemeClr val="tx1"/>
+          </a:fontRef>
+        </p:style>
+      </p:cxnSp>
+      <p:sp>
+        <p:nvSpPr>
+          <p:cNvPr id="13" name="矩形: 圆角 12">
+            <a:extLst>
+              <a:ext uri="{FF2B5EF4-FFF2-40B4-BE49-F238E27FC236}">
+                <a16:creationId xmlns:a16="http://schemas.microsoft.com/office/drawing/2014/main" id="{204568CD-2CE2-4E3E-ABF9-BEA2D9547101}"/>
+              </a:ext>
+            </a:extLst>
+          </p:cNvPr>
+          <p:cNvSpPr/>
+          <p:nvPr/>
+        </p:nvSpPr>
+        <p:spPr>
+          <a:xfrm>
+            <a:off x="1779529" y="1828804"/>
+            <a:ext cx="1544163" cy="1062442"/>
+          </a:xfrm>
+          <a:prstGeom prst="roundRect">
+            <a:avLst/>
+          </a:prstGeom>
+        </p:spPr>
+        <p:style>
+          <a:lnRef idx="3">
+            <a:schemeClr val="lt1"/>
+          </a:lnRef>
+          <a:fillRef idx="1">
+            <a:schemeClr val="accent2"/>
+          </a:fillRef>
+          <a:effectRef idx="1">
+            <a:schemeClr val="accent2"/>
+          </a:effectRef>
+          <a:fontRef idx="minor">
+            <a:schemeClr val="lt1"/>
+          </a:fontRef>
+        </p:style>
+        <p:txBody>
+          <a:bodyPr rtlCol="0" anchor="ctr"/>
+          <a:lstStyle/>
+          <a:p>
+            <a:pPr algn="ctr"/>
+            <a:endParaRPr lang="zh-CN" altLang="en-US" dirty="0"/>
+          </a:p>
+        </p:txBody>
+      </p:sp>
+      <p:sp>
+        <p:nvSpPr>
+          <p:cNvPr id="14" name="矩形: 圆角 13">
+            <a:extLst>
+              <a:ext uri="{FF2B5EF4-FFF2-40B4-BE49-F238E27FC236}">
+                <a16:creationId xmlns:a16="http://schemas.microsoft.com/office/drawing/2014/main" id="{DAAC7D9F-17AB-440E-9BA7-1226746BFEA1}"/>
+              </a:ext>
+            </a:extLst>
+          </p:cNvPr>
+          <p:cNvSpPr/>
+          <p:nvPr/>
+        </p:nvSpPr>
+        <p:spPr>
+          <a:xfrm>
+            <a:off x="8096228" y="1828804"/>
+            <a:ext cx="1544163" cy="1062442"/>
+          </a:xfrm>
+          <a:prstGeom prst="roundRect">
+            <a:avLst/>
+          </a:prstGeom>
+        </p:spPr>
+        <p:style>
+          <a:lnRef idx="2">
+            <a:schemeClr val="accent2">
+              <a:shade val="50000"/>
+            </a:schemeClr>
+          </a:lnRef>
+          <a:fillRef idx="1">
+            <a:schemeClr val="accent2"/>
+          </a:fillRef>
+          <a:effectRef idx="0">
+            <a:schemeClr val="accent2"/>
+          </a:effectRef>
+          <a:fontRef idx="minor">
+            <a:schemeClr val="lt1"/>
+          </a:fontRef>
+        </p:style>
+        <p:txBody>
+          <a:bodyPr rtlCol="0" anchor="ctr"/>
+          <a:lstStyle/>
+          <a:p>
+            <a:pPr algn="ctr"/>
+            <a:endParaRPr lang="zh-CN" altLang="en-US" dirty="0"/>
+          </a:p>
+        </p:txBody>
+      </p:sp>
+      <p:sp>
+        <p:nvSpPr>
+          <p:cNvPr id="15" name="矩形: 圆角 14">
+            <a:extLst>
+              <a:ext uri="{FF2B5EF4-FFF2-40B4-BE49-F238E27FC236}">
+                <a16:creationId xmlns:a16="http://schemas.microsoft.com/office/drawing/2014/main" id="{AD4C2D4E-8051-4080-9396-585D099F4167}"/>
+              </a:ext>
+            </a:extLst>
+          </p:cNvPr>
+          <p:cNvSpPr/>
+          <p:nvPr/>
+        </p:nvSpPr>
+        <p:spPr>
+          <a:xfrm>
+            <a:off x="4370329" y="1828804"/>
+            <a:ext cx="1544163" cy="1062442"/>
+          </a:xfrm>
+          <a:prstGeom prst="roundRect">
+            <a:avLst/>
+          </a:prstGeom>
+        </p:spPr>
+        <p:style>
+          <a:lnRef idx="2">
+            <a:schemeClr val="accent2">
+              <a:shade val="50000"/>
+            </a:schemeClr>
+          </a:lnRef>
+          <a:fillRef idx="1">
+            <a:schemeClr val="accent2"/>
+          </a:fillRef>
+          <a:effectRef idx="0">
+            <a:schemeClr val="accent2"/>
+          </a:effectRef>
+          <a:fontRef idx="minor">
+            <a:schemeClr val="lt1"/>
+          </a:fontRef>
+        </p:style>
+        <p:txBody>
+          <a:bodyPr rtlCol="0" anchor="ctr"/>
+          <a:lstStyle/>
+          <a:p>
+            <a:pPr algn="ctr"/>
+            <a:endParaRPr lang="zh-CN" altLang="en-US" dirty="0"/>
+          </a:p>
+        </p:txBody>
+      </p:sp>
+      <p:cxnSp>
+        <p:nvCxnSpPr>
+          <p:cNvPr id="16" name="直接箭头连接符 15">
+            <a:extLst>
+              <a:ext uri="{FF2B5EF4-FFF2-40B4-BE49-F238E27FC236}">
+                <a16:creationId xmlns:a16="http://schemas.microsoft.com/office/drawing/2014/main" id="{B22510B3-25EB-478E-BE56-BB92B1B12C10}"/>
+              </a:ext>
+            </a:extLst>
+          </p:cNvPr>
+          <p:cNvCxnSpPr>
+            <a:cxnSpLocks/>
+          </p:cNvCxnSpPr>
+          <p:nvPr/>
+        </p:nvCxnSpPr>
+        <p:spPr>
+          <a:xfrm>
+            <a:off x="7381746" y="2360023"/>
+            <a:ext cx="557349" cy="0"/>
+          </a:xfrm>
+          <a:prstGeom prst="straightConnector1">
+            <a:avLst/>
+          </a:prstGeom>
+          <a:ln>
+            <a:tailEnd type="triangle"/>
+          </a:ln>
+        </p:spPr>
+        <p:style>
+          <a:lnRef idx="1">
+            <a:schemeClr val="dk1"/>
+          </a:lnRef>
+          <a:fillRef idx="0">
+            <a:schemeClr val="dk1"/>
+          </a:fillRef>
+          <a:effectRef idx="0">
+            <a:schemeClr val="dk1"/>
+          </a:effectRef>
+          <a:fontRef idx="minor">
+            <a:schemeClr val="tx1"/>
+          </a:fontRef>
+        </p:style>
+      </p:cxnSp>
+      <p:cxnSp>
+        <p:nvCxnSpPr>
+          <p:cNvPr id="17" name="直接箭头连接符 16">
+            <a:extLst>
+              <a:ext uri="{FF2B5EF4-FFF2-40B4-BE49-F238E27FC236}">
+                <a16:creationId xmlns:a16="http://schemas.microsoft.com/office/drawing/2014/main" id="{E9D01D7A-62C4-4A40-867B-A9B7354AD25E}"/>
+              </a:ext>
+            </a:extLst>
+          </p:cNvPr>
+          <p:cNvCxnSpPr>
+            <a:cxnSpLocks/>
+          </p:cNvCxnSpPr>
+          <p:nvPr/>
+        </p:nvCxnSpPr>
+        <p:spPr>
+          <a:xfrm>
+            <a:off x="6120091" y="2360023"/>
+            <a:ext cx="557349" cy="0"/>
+          </a:xfrm>
+          <a:prstGeom prst="straightConnector1">
+            <a:avLst/>
+          </a:prstGeom>
+          <a:ln>
+            <a:tailEnd type="triangle"/>
+          </a:ln>
+        </p:spPr>
+        <p:style>
+          <a:lnRef idx="1">
+            <a:schemeClr val="dk1"/>
+          </a:lnRef>
+          <a:fillRef idx="0">
+            <a:schemeClr val="dk1"/>
+          </a:fillRef>
+          <a:effectRef idx="0">
+            <a:schemeClr val="dk1"/>
+          </a:effectRef>
+          <a:fontRef idx="minor">
+            <a:schemeClr val="tx1"/>
+          </a:fontRef>
+        </p:style>
+      </p:cxnSp>
+      <p:sp>
+        <p:nvSpPr>
+          <p:cNvPr id="18" name="文本框 17">
+            <a:extLst>
+              <a:ext uri="{FF2B5EF4-FFF2-40B4-BE49-F238E27FC236}">
+                <a16:creationId xmlns:a16="http://schemas.microsoft.com/office/drawing/2014/main" id="{9D6DE4F8-8105-42DA-87F6-38C66F895C6F}"/>
+              </a:ext>
+            </a:extLst>
+          </p:cNvPr>
+          <p:cNvSpPr txBox="1"/>
+          <p:nvPr/>
+        </p:nvSpPr>
+        <p:spPr>
+          <a:xfrm>
+            <a:off x="6772928" y="2067635"/>
+            <a:ext cx="584610" cy="584775"/>
+          </a:xfrm>
+          <a:prstGeom prst="rect">
+            <a:avLst/>
+          </a:prstGeom>
+          <a:noFill/>
+        </p:spPr>
+        <p:txBody>
+          <a:bodyPr wrap="square" rtlCol="0">
+            <a:spAutoFit/>
+          </a:bodyPr>
+          <a:lstStyle/>
+          <a:p>
+            <a:r>
+              <a:rPr lang="en-US" altLang="zh-CN" sz="3200" dirty="0">
+                <a:latin typeface="4YEOstamp" panose="00000400000000000000" pitchFamily="2" charset="0"/>
+              </a:rPr>
+              <a:t>…</a:t>
+            </a:r>
+            <a:endParaRPr lang="zh-CN" altLang="en-US" sz="3200" dirty="0">
+              <a:latin typeface="4YEOstamp" panose="00000400000000000000" pitchFamily="2" charset="0"/>
+            </a:endParaRPr>
+          </a:p>
+        </p:txBody>
+      </p:sp>
+      <mc:AlternateContent xmlns:mc="http://schemas.openxmlformats.org/markup-compatibility/2006">
+        <mc:Choice xmlns:a14="http://schemas.microsoft.com/office/drawing/2010/main" Requires="a14">
+          <p:sp>
+            <p:nvSpPr>
+              <p:cNvPr id="19" name="文本框 18">
+                <a:extLst>
+                  <a:ext uri="{FF2B5EF4-FFF2-40B4-BE49-F238E27FC236}">
+                    <a16:creationId xmlns:a16="http://schemas.microsoft.com/office/drawing/2014/main" id="{B88D9119-19F0-46B9-8E80-58F18A7610E7}"/>
+                  </a:ext>
+                </a:extLst>
+              </p:cNvPr>
+              <p:cNvSpPr txBox="1"/>
+              <p:nvPr/>
+            </p:nvSpPr>
+            <p:spPr>
+              <a:xfrm>
+                <a:off x="2355338" y="1194288"/>
+                <a:ext cx="544187" cy="492443"/>
+              </a:xfrm>
+              <a:prstGeom prst="rect">
+                <a:avLst/>
+              </a:prstGeom>
+              <a:noFill/>
+            </p:spPr>
+            <p:txBody>
+              <a:bodyPr wrap="none" lIns="0" tIns="0" rIns="0" bIns="0" rtlCol="0">
+                <a:spAutoFit/>
+              </a:bodyPr>
+              <a:lstStyle/>
+              <a:p>
+                <a14:m>
+                  <m:oMathPara xmlns:m="http://schemas.openxmlformats.org/officeDocument/2006/math">
+                    <m:oMathParaPr>
+                      <m:jc m:val="centerGroup"/>
+                    </m:oMathParaPr>
+                    <m:oMath xmlns:m="http://schemas.openxmlformats.org/officeDocument/2006/math">
+                      <m:sSub>
+                        <m:sSubPr>
+                          <m:ctrlPr>
+                            <a:rPr lang="en-US" altLang="zh-CN" sz="3200" b="0" i="1" smtClean="0">
+                              <a:latin typeface="Cambria Math" panose="02040503050406030204" pitchFamily="18" charset="0"/>
+                            </a:rPr>
+                          </m:ctrlPr>
+                        </m:sSubPr>
+                        <m:e>
+                          <m:r>
+                            <a:rPr lang="en-US" altLang="zh-CN" sz="3200" i="1">
+                              <a:latin typeface="Cambria Math" panose="02040503050406030204" pitchFamily="18" charset="0"/>
+                            </a:rPr>
+                            <m:t>𝐵</m:t>
+                          </m:r>
+                        </m:e>
+                        <m:sub>
+                          <m:r>
+                            <a:rPr lang="en-US" altLang="zh-CN" sz="3200" b="0" i="1" smtClean="0">
+                              <a:latin typeface="Cambria Math" panose="02040503050406030204" pitchFamily="18" charset="0"/>
+                            </a:rPr>
+                            <m:t>1</m:t>
+                          </m:r>
+                        </m:sub>
+                      </m:sSub>
+                    </m:oMath>
+                  </m:oMathPara>
+                </a14:m>
+                <a:endParaRPr lang="zh-CN" altLang="en-US" sz="3200" dirty="0"/>
+              </a:p>
+            </p:txBody>
+          </p:sp>
+        </mc:Choice>
+        <mc:Fallback>
+          <p:sp>
+            <p:nvSpPr>
+              <p:cNvPr id="19" name="文本框 18">
+                <a:extLst>
+                  <a:ext uri="{FF2B5EF4-FFF2-40B4-BE49-F238E27FC236}">
+                    <a16:creationId xmlns:a16="http://schemas.microsoft.com/office/drawing/2014/main" id="{B88D9119-19F0-46B9-8E80-58F18A7610E7}"/>
+                  </a:ext>
+                </a:extLst>
+              </p:cNvPr>
+              <p:cNvSpPr txBox="1">
+                <a:spLocks noRot="1" noChangeAspect="1" noMove="1" noResize="1" noEditPoints="1" noAdjustHandles="1" noChangeArrowheads="1" noChangeShapeType="1" noTextEdit="1"/>
+              </p:cNvSpPr>
+              <p:nvPr/>
+            </p:nvSpPr>
+            <p:spPr>
+              <a:xfrm>
+                <a:off x="2355338" y="1194288"/>
+                <a:ext cx="544187" cy="492443"/>
+              </a:xfrm>
+              <a:prstGeom prst="rect">
+                <a:avLst/>
+              </a:prstGeom>
+              <a:blipFill>
+                <a:blip r:embed="rId2"/>
+                <a:stretch>
+                  <a:fillRect/>
+                </a:stretch>
+              </a:blipFill>
+            </p:spPr>
+            <p:txBody>
+              <a:bodyPr/>
+              <a:lstStyle/>
+              <a:p>
+                <a:r>
+                  <a:rPr lang="zh-CN" altLang="en-US">
+                    <a:noFill/>
+                  </a:rPr>
+                  <a:t> </a:t>
+                </a:r>
+              </a:p>
+            </p:txBody>
+          </p:sp>
+        </mc:Fallback>
+      </mc:AlternateContent>
+      <mc:AlternateContent xmlns:mc="http://schemas.openxmlformats.org/markup-compatibility/2006">
+        <mc:Choice xmlns:a14="http://schemas.microsoft.com/office/drawing/2010/main" Requires="a14">
+          <p:sp>
+            <p:nvSpPr>
+              <p:cNvPr id="21" name="文本框 20">
+                <a:extLst>
+                  <a:ext uri="{FF2B5EF4-FFF2-40B4-BE49-F238E27FC236}">
+                    <a16:creationId xmlns:a16="http://schemas.microsoft.com/office/drawing/2014/main" id="{55194860-2B11-4CCE-B86C-994251FDD9A7}"/>
+                  </a:ext>
+                </a:extLst>
+              </p:cNvPr>
+              <p:cNvSpPr txBox="1"/>
+              <p:nvPr/>
+            </p:nvSpPr>
+            <p:spPr>
+              <a:xfrm>
+                <a:off x="4968985" y="1194287"/>
+                <a:ext cx="553678" cy="492443"/>
+              </a:xfrm>
+              <a:prstGeom prst="rect">
+                <a:avLst/>
+              </a:prstGeom>
+              <a:noFill/>
+            </p:spPr>
+            <p:txBody>
+              <a:bodyPr wrap="none" lIns="0" tIns="0" rIns="0" bIns="0" rtlCol="0">
+                <a:spAutoFit/>
+              </a:bodyPr>
+              <a:lstStyle/>
+              <a:p>
+                <a14:m>
+                  <m:oMathPara xmlns:m="http://schemas.openxmlformats.org/officeDocument/2006/math">
+                    <m:oMathParaPr>
+                      <m:jc m:val="centerGroup"/>
+                    </m:oMathParaPr>
+                    <m:oMath xmlns:m="http://schemas.openxmlformats.org/officeDocument/2006/math">
+                      <m:sSub>
+                        <m:sSubPr>
+                          <m:ctrlPr>
+                            <a:rPr lang="en-US" altLang="zh-CN" sz="3200" b="0" i="1" smtClean="0">
+                              <a:latin typeface="Cambria Math" panose="02040503050406030204" pitchFamily="18" charset="0"/>
+                            </a:rPr>
+                          </m:ctrlPr>
+                        </m:sSubPr>
+                        <m:e>
+                          <m:r>
+                            <a:rPr lang="en-US" altLang="zh-CN" sz="3200" i="1">
+                              <a:latin typeface="Cambria Math" panose="02040503050406030204" pitchFamily="18" charset="0"/>
+                            </a:rPr>
+                            <m:t>𝐵</m:t>
+                          </m:r>
+                        </m:e>
+                        <m:sub>
+                          <m:r>
+                            <a:rPr lang="en-US" altLang="zh-CN" sz="3200" b="0" i="1" smtClean="0">
+                              <a:latin typeface="Cambria Math" panose="02040503050406030204" pitchFamily="18" charset="0"/>
+                            </a:rPr>
+                            <m:t>2</m:t>
+                          </m:r>
+                        </m:sub>
+                      </m:sSub>
+                    </m:oMath>
+                  </m:oMathPara>
+                </a14:m>
+                <a:endParaRPr lang="zh-CN" altLang="en-US" sz="3200" dirty="0"/>
+              </a:p>
+            </p:txBody>
+          </p:sp>
+        </mc:Choice>
+        <mc:Fallback>
+          <p:sp>
+            <p:nvSpPr>
+              <p:cNvPr id="21" name="文本框 20">
+                <a:extLst>
+                  <a:ext uri="{FF2B5EF4-FFF2-40B4-BE49-F238E27FC236}">
+                    <a16:creationId xmlns:a16="http://schemas.microsoft.com/office/drawing/2014/main" id="{55194860-2B11-4CCE-B86C-994251FDD9A7}"/>
+                  </a:ext>
+                </a:extLst>
+              </p:cNvPr>
+              <p:cNvSpPr txBox="1">
+                <a:spLocks noRot="1" noChangeAspect="1" noMove="1" noResize="1" noEditPoints="1" noAdjustHandles="1" noChangeArrowheads="1" noChangeShapeType="1" noTextEdit="1"/>
+              </p:cNvSpPr>
+              <p:nvPr/>
+            </p:nvSpPr>
+            <p:spPr>
+              <a:xfrm>
+                <a:off x="4968985" y="1194287"/>
+                <a:ext cx="553678" cy="492443"/>
+              </a:xfrm>
+              <a:prstGeom prst="rect">
+                <a:avLst/>
+              </a:prstGeom>
+              <a:blipFill>
+                <a:blip r:embed="rId3"/>
+                <a:stretch>
+                  <a:fillRect/>
+                </a:stretch>
+              </a:blipFill>
+            </p:spPr>
+            <p:txBody>
+              <a:bodyPr/>
+              <a:lstStyle/>
+              <a:p>
+                <a:r>
+                  <a:rPr lang="zh-CN" altLang="en-US">
+                    <a:noFill/>
+                  </a:rPr>
+                  <a:t> </a:t>
+                </a:r>
+              </a:p>
+            </p:txBody>
+          </p:sp>
+        </mc:Fallback>
+      </mc:AlternateContent>
+      <mc:AlternateContent xmlns:mc="http://schemas.openxmlformats.org/markup-compatibility/2006">
+        <mc:Choice xmlns:a14="http://schemas.microsoft.com/office/drawing/2010/main" Requires="a14">
+          <p:sp>
+            <p:nvSpPr>
+              <p:cNvPr id="22" name="文本框 21">
+                <a:extLst>
+                  <a:ext uri="{FF2B5EF4-FFF2-40B4-BE49-F238E27FC236}">
+                    <a16:creationId xmlns:a16="http://schemas.microsoft.com/office/drawing/2014/main" id="{F7B33F8C-B1E8-47B2-BCD3-8D8D369DBC7A}"/>
+                  </a:ext>
+                </a:extLst>
+              </p:cNvPr>
+              <p:cNvSpPr txBox="1"/>
+              <p:nvPr/>
+            </p:nvSpPr>
+            <p:spPr>
+              <a:xfrm>
+                <a:off x="8596215" y="1194287"/>
+                <a:ext cx="550087" cy="492443"/>
+              </a:xfrm>
+              <a:prstGeom prst="rect">
+                <a:avLst/>
+              </a:prstGeom>
+              <a:noFill/>
+            </p:spPr>
+            <p:txBody>
+              <a:bodyPr wrap="none" lIns="0" tIns="0" rIns="0" bIns="0" rtlCol="0">
+                <a:spAutoFit/>
+              </a:bodyPr>
+              <a:lstStyle/>
+              <a:p>
+                <a14:m>
+                  <m:oMathPara xmlns:m="http://schemas.openxmlformats.org/officeDocument/2006/math">
+                    <m:oMathParaPr>
+                      <m:jc m:val="centerGroup"/>
+                    </m:oMathParaPr>
+                    <m:oMath xmlns:m="http://schemas.openxmlformats.org/officeDocument/2006/math">
+                      <m:sSub>
+                        <m:sSubPr>
+                          <m:ctrlPr>
+                            <a:rPr lang="en-US" altLang="zh-CN" sz="3200" b="0" i="1" smtClean="0">
+                              <a:latin typeface="Cambria Math" panose="02040503050406030204" pitchFamily="18" charset="0"/>
+                            </a:rPr>
+                          </m:ctrlPr>
+                        </m:sSubPr>
+                        <m:e>
+                          <m:r>
+                            <a:rPr lang="en-US" altLang="zh-CN" sz="3200" i="1">
+                              <a:latin typeface="Cambria Math" panose="02040503050406030204" pitchFamily="18" charset="0"/>
+                            </a:rPr>
+                            <m:t>𝐵</m:t>
+                          </m:r>
+                        </m:e>
+                        <m:sub>
+                          <m:r>
+                            <m:rPr>
+                              <m:sty m:val="p"/>
+                            </m:rPr>
+                            <a:rPr lang="en-US" altLang="zh-CN" sz="3200" i="1">
+                              <a:latin typeface="Cambria Math" panose="02040503050406030204" pitchFamily="18" charset="0"/>
+                            </a:rPr>
+                            <m:t>n</m:t>
+                          </m:r>
+                        </m:sub>
+                      </m:sSub>
+                    </m:oMath>
+                  </m:oMathPara>
+                </a14:m>
+                <a:endParaRPr lang="zh-CN" altLang="en-US" sz="3200" dirty="0"/>
+              </a:p>
+            </p:txBody>
+          </p:sp>
+        </mc:Choice>
+        <mc:Fallback>
+          <p:sp>
+            <p:nvSpPr>
+              <p:cNvPr id="22" name="文本框 21">
+                <a:extLst>
+                  <a:ext uri="{FF2B5EF4-FFF2-40B4-BE49-F238E27FC236}">
+                    <a16:creationId xmlns:a16="http://schemas.microsoft.com/office/drawing/2014/main" id="{F7B33F8C-B1E8-47B2-BCD3-8D8D369DBC7A}"/>
+                  </a:ext>
+                </a:extLst>
+              </p:cNvPr>
+              <p:cNvSpPr txBox="1">
+                <a:spLocks noRot="1" noChangeAspect="1" noMove="1" noResize="1" noEditPoints="1" noAdjustHandles="1" noChangeArrowheads="1" noChangeShapeType="1" noTextEdit="1"/>
+              </p:cNvSpPr>
+              <p:nvPr/>
+            </p:nvSpPr>
+            <p:spPr>
+              <a:xfrm>
+                <a:off x="8596215" y="1194287"/>
+                <a:ext cx="550087" cy="492443"/>
+              </a:xfrm>
+              <a:prstGeom prst="rect">
+                <a:avLst/>
+              </a:prstGeom>
+              <a:blipFill>
+                <a:blip r:embed="rId4"/>
+                <a:stretch>
+                  <a:fillRect/>
+                </a:stretch>
+              </a:blipFill>
+            </p:spPr>
+            <p:txBody>
+              <a:bodyPr/>
+              <a:lstStyle/>
+              <a:p>
+                <a:r>
+                  <a:rPr lang="zh-CN" altLang="en-US">
+                    <a:noFill/>
+                  </a:rPr>
+                  <a:t> </a:t>
+                </a:r>
+              </a:p>
+            </p:txBody>
+          </p:sp>
+        </mc:Fallback>
+      </mc:AlternateContent>
+    </p:spTree>
+    <p:extLst>
+      <p:ext uri="{BB962C8B-B14F-4D97-AF65-F5344CB8AC3E}">
+        <p14:creationId xmlns:p14="http://schemas.microsoft.com/office/powerpoint/2010/main" val="1568438806"/>
       </p:ext>
     </p:extLst>
   </p:cSld>

--- a/article/figures/流水线PPT.pptx
+++ b/article/figures/流水线PPT.pptx
@@ -7,7 +7,6 @@
   <p:sldIdLst>
     <p:sldId id="256" r:id="rId2"/>
     <p:sldId id="257" r:id="rId3"/>
-    <p:sldId id="258" r:id="rId4"/>
   </p:sldIdLst>
   <p:sldSz cx="12192000" cy="6858000"/>
   <p:notesSz cx="6858000" cy="9144000"/>
@@ -3474,8 +3473,8 @@
           </a:p>
         </p:txBody>
       </p:sp>
-      <mc:AlternateContent xmlns:mc="http://schemas.openxmlformats.org/markup-compatibility/2006" xmlns:a14="http://schemas.microsoft.com/office/drawing/2010/main">
-        <mc:Choice Requires="a14">
+      <mc:AlternateContent xmlns:mc="http://schemas.openxmlformats.org/markup-compatibility/2006">
+        <mc:Choice xmlns:a14="http://schemas.microsoft.com/office/drawing/2010/main" Requires="a14">
           <p:sp>
             <p:nvSpPr>
               <p:cNvPr id="7" name="矩形 6">
@@ -3556,7 +3555,7 @@
             </p:txBody>
           </p:sp>
         </mc:Choice>
-        <mc:Fallback xmlns="">
+        <mc:Fallback>
           <p:sp>
             <p:nvSpPr>
               <p:cNvPr id="7" name="矩形 6">
@@ -3601,8 +3600,8 @@
           </p:sp>
         </mc:Fallback>
       </mc:AlternateContent>
-      <mc:AlternateContent xmlns:mc="http://schemas.openxmlformats.org/markup-compatibility/2006" xmlns:a14="http://schemas.microsoft.com/office/drawing/2010/main">
-        <mc:Choice Requires="a14">
+      <mc:AlternateContent xmlns:mc="http://schemas.openxmlformats.org/markup-compatibility/2006">
+        <mc:Choice xmlns:a14="http://schemas.microsoft.com/office/drawing/2010/main" Requires="a14">
           <p:sp>
             <p:nvSpPr>
               <p:cNvPr id="10" name="矩形 9">
@@ -3671,7 +3670,7 @@
             </p:txBody>
           </p:sp>
         </mc:Choice>
-        <mc:Fallback xmlns="">
+        <mc:Fallback>
           <p:sp>
             <p:nvSpPr>
               <p:cNvPr id="10" name="矩形 9">
@@ -3716,8 +3715,8 @@
           </p:sp>
         </mc:Fallback>
       </mc:AlternateContent>
-      <mc:AlternateContent xmlns:mc="http://schemas.openxmlformats.org/markup-compatibility/2006" xmlns:a14="http://schemas.microsoft.com/office/drawing/2010/main">
-        <mc:Choice Requires="a14">
+      <mc:AlternateContent xmlns:mc="http://schemas.openxmlformats.org/markup-compatibility/2006">
+        <mc:Choice xmlns:a14="http://schemas.microsoft.com/office/drawing/2010/main" Requires="a14">
           <p:sp>
             <p:nvSpPr>
               <p:cNvPr id="11" name="矩形 10">
@@ -3786,7 +3785,7 @@
             </p:txBody>
           </p:sp>
         </mc:Choice>
-        <mc:Fallback xmlns="">
+        <mc:Fallback>
           <p:sp>
             <p:nvSpPr>
               <p:cNvPr id="11" name="矩形 10">
@@ -3831,8 +3830,8 @@
           </p:sp>
         </mc:Fallback>
       </mc:AlternateContent>
-      <mc:AlternateContent xmlns:mc="http://schemas.openxmlformats.org/markup-compatibility/2006" xmlns:a14="http://schemas.microsoft.com/office/drawing/2010/main">
-        <mc:Choice Requires="a14">
+      <mc:AlternateContent xmlns:mc="http://schemas.openxmlformats.org/markup-compatibility/2006">
+        <mc:Choice xmlns:a14="http://schemas.microsoft.com/office/drawing/2010/main" Requires="a14">
           <p:sp>
             <p:nvSpPr>
               <p:cNvPr id="12" name="矩形 11">
@@ -3901,7 +3900,7 @@
             </p:txBody>
           </p:sp>
         </mc:Choice>
-        <mc:Fallback xmlns="">
+        <mc:Fallback>
           <p:sp>
             <p:nvSpPr>
               <p:cNvPr id="12" name="矩形 11">
@@ -3946,8 +3945,8 @@
           </p:sp>
         </mc:Fallback>
       </mc:AlternateContent>
-      <mc:AlternateContent xmlns:mc="http://schemas.openxmlformats.org/markup-compatibility/2006" xmlns:a14="http://schemas.microsoft.com/office/drawing/2010/main">
-        <mc:Choice Requires="a14">
+      <mc:AlternateContent xmlns:mc="http://schemas.openxmlformats.org/markup-compatibility/2006">
+        <mc:Choice xmlns:a14="http://schemas.microsoft.com/office/drawing/2010/main" Requires="a14">
           <p:sp>
             <p:nvSpPr>
               <p:cNvPr id="13" name="矩形 12">
@@ -4040,7 +4039,7 @@
             </p:txBody>
           </p:sp>
         </mc:Choice>
-        <mc:Fallback xmlns="">
+        <mc:Fallback>
           <p:sp>
             <p:nvSpPr>
               <p:cNvPr id="13" name="矩形 12">
@@ -4085,8 +4084,8 @@
           </p:sp>
         </mc:Fallback>
       </mc:AlternateContent>
-      <mc:AlternateContent xmlns:mc="http://schemas.openxmlformats.org/markup-compatibility/2006" xmlns:a14="http://schemas.microsoft.com/office/drawing/2010/main">
-        <mc:Choice Requires="a14">
+      <mc:AlternateContent xmlns:mc="http://schemas.openxmlformats.org/markup-compatibility/2006">
+        <mc:Choice xmlns:a14="http://schemas.microsoft.com/office/drawing/2010/main" Requires="a14">
           <p:sp>
             <p:nvSpPr>
               <p:cNvPr id="14" name="矩形 13">
@@ -4167,7 +4166,7 @@
             </p:txBody>
           </p:sp>
         </mc:Choice>
-        <mc:Fallback xmlns="">
+        <mc:Fallback>
           <p:sp>
             <p:nvSpPr>
               <p:cNvPr id="14" name="矩形 13">
@@ -4212,8 +4211,8 @@
           </p:sp>
         </mc:Fallback>
       </mc:AlternateContent>
-      <mc:AlternateContent xmlns:mc="http://schemas.openxmlformats.org/markup-compatibility/2006" xmlns:a14="http://schemas.microsoft.com/office/drawing/2010/main">
-        <mc:Choice Requires="a14">
+      <mc:AlternateContent xmlns:mc="http://schemas.openxmlformats.org/markup-compatibility/2006">
+        <mc:Choice xmlns:a14="http://schemas.microsoft.com/office/drawing/2010/main" Requires="a14">
           <p:sp>
             <p:nvSpPr>
               <p:cNvPr id="15" name="矩形 14">
@@ -4294,7 +4293,7 @@
             </p:txBody>
           </p:sp>
         </mc:Choice>
-        <mc:Fallback xmlns="">
+        <mc:Fallback>
           <p:sp>
             <p:nvSpPr>
               <p:cNvPr id="15" name="矩形 14">
@@ -4320,7 +4319,7 @@
               <a:blipFill>
                 <a:blip r:embed="rId8"/>
                 <a:stretch>
-                  <a:fillRect l="-5512" r="-2362"/>
+                  <a:fillRect l="-4918" r="-1639"/>
                 </a:stretch>
               </a:blipFill>
             </p:spPr>
@@ -4339,8 +4338,8 @@
           </p:sp>
         </mc:Fallback>
       </mc:AlternateContent>
-      <mc:AlternateContent xmlns:mc="http://schemas.openxmlformats.org/markup-compatibility/2006" xmlns:a14="http://schemas.microsoft.com/office/drawing/2010/main">
-        <mc:Choice Requires="a14">
+      <mc:AlternateContent xmlns:mc="http://schemas.openxmlformats.org/markup-compatibility/2006">
+        <mc:Choice xmlns:a14="http://schemas.microsoft.com/office/drawing/2010/main" Requires="a14">
           <p:sp>
             <p:nvSpPr>
               <p:cNvPr id="16" name="矩形 15">
@@ -4421,7 +4420,7 @@
             </p:txBody>
           </p:sp>
         </mc:Choice>
-        <mc:Fallback xmlns="">
+        <mc:Fallback>
           <p:sp>
             <p:nvSpPr>
               <p:cNvPr id="16" name="矩形 15">
@@ -4466,8 +4465,8 @@
           </p:sp>
         </mc:Fallback>
       </mc:AlternateContent>
-      <mc:AlternateContent xmlns:mc="http://schemas.openxmlformats.org/markup-compatibility/2006" xmlns:a14="http://schemas.microsoft.com/office/drawing/2010/main">
-        <mc:Choice Requires="a14">
+      <mc:AlternateContent xmlns:mc="http://schemas.openxmlformats.org/markup-compatibility/2006">
+        <mc:Choice xmlns:a14="http://schemas.microsoft.com/office/drawing/2010/main" Requires="a14">
           <p:sp>
             <p:nvSpPr>
               <p:cNvPr id="17" name="矩形 16">
@@ -4536,7 +4535,7 @@
             </p:txBody>
           </p:sp>
         </mc:Choice>
-        <mc:Fallback xmlns="">
+        <mc:Fallback>
           <p:sp>
             <p:nvSpPr>
               <p:cNvPr id="17" name="矩形 16">
@@ -4581,8 +4580,8 @@
           </p:sp>
         </mc:Fallback>
       </mc:AlternateContent>
-      <mc:AlternateContent xmlns:mc="http://schemas.openxmlformats.org/markup-compatibility/2006" xmlns:a14="http://schemas.microsoft.com/office/drawing/2010/main">
-        <mc:Choice Requires="a14">
+      <mc:AlternateContent xmlns:mc="http://schemas.openxmlformats.org/markup-compatibility/2006">
+        <mc:Choice xmlns:a14="http://schemas.microsoft.com/office/drawing/2010/main" Requires="a14">
           <p:sp>
             <p:nvSpPr>
               <p:cNvPr id="18" name="矩形 17">
@@ -4651,7 +4650,7 @@
             </p:txBody>
           </p:sp>
         </mc:Choice>
-        <mc:Fallback xmlns="">
+        <mc:Fallback>
           <p:sp>
             <p:nvSpPr>
               <p:cNvPr id="18" name="矩形 17">
@@ -4696,8 +4695,8 @@
           </p:sp>
         </mc:Fallback>
       </mc:AlternateContent>
-      <mc:AlternateContent xmlns:mc="http://schemas.openxmlformats.org/markup-compatibility/2006" xmlns:a14="http://schemas.microsoft.com/office/drawing/2010/main">
-        <mc:Choice Requires="a14">
+      <mc:AlternateContent xmlns:mc="http://schemas.openxmlformats.org/markup-compatibility/2006">
+        <mc:Choice xmlns:a14="http://schemas.microsoft.com/office/drawing/2010/main" Requires="a14">
           <p:sp>
             <p:nvSpPr>
               <p:cNvPr id="19" name="矩形 18">
@@ -4766,7 +4765,7 @@
             </p:txBody>
           </p:sp>
         </mc:Choice>
-        <mc:Fallback xmlns="">
+        <mc:Fallback>
           <p:sp>
             <p:nvSpPr>
               <p:cNvPr id="19" name="矩形 18">
@@ -4811,8 +4810,8 @@
           </p:sp>
         </mc:Fallback>
       </mc:AlternateContent>
-      <mc:AlternateContent xmlns:mc="http://schemas.openxmlformats.org/markup-compatibility/2006" xmlns:a14="http://schemas.microsoft.com/office/drawing/2010/main">
-        <mc:Choice Requires="a14">
+      <mc:AlternateContent xmlns:mc="http://schemas.openxmlformats.org/markup-compatibility/2006">
+        <mc:Choice xmlns:a14="http://schemas.microsoft.com/office/drawing/2010/main" Requires="a14">
           <p:sp>
             <p:nvSpPr>
               <p:cNvPr id="21" name="矩形 20">
@@ -4881,7 +4880,7 @@
             </p:txBody>
           </p:sp>
         </mc:Choice>
-        <mc:Fallback xmlns="">
+        <mc:Fallback>
           <p:sp>
             <p:nvSpPr>
               <p:cNvPr id="21" name="矩形 20">
@@ -4935,7 +4934,9 @@
               </a:ext>
             </a:extLst>
           </p:cNvPr>
-          <p:cNvCxnSpPr/>
+          <p:cNvCxnSpPr>
+            <a:cxnSpLocks/>
+          </p:cNvCxnSpPr>
           <p:nvPr/>
         </p:nvCxnSpPr>
         <p:spPr>
@@ -4971,7 +4972,9 @@
               </a:ext>
             </a:extLst>
           </p:cNvPr>
-          <p:cNvCxnSpPr/>
+          <p:cNvCxnSpPr>
+            <a:cxnSpLocks/>
+          </p:cNvCxnSpPr>
           <p:nvPr/>
         </p:nvCxnSpPr>
         <p:spPr>
@@ -5007,7 +5010,9 @@
               </a:ext>
             </a:extLst>
           </p:cNvPr>
-          <p:cNvCxnSpPr/>
+          <p:cNvCxnSpPr>
+            <a:cxnSpLocks/>
+          </p:cNvCxnSpPr>
           <p:nvPr/>
         </p:nvCxnSpPr>
         <p:spPr>
@@ -5049,7 +5054,7 @@
         <p:spPr>
           <a:xfrm>
             <a:off x="1484942" y="1326815"/>
-            <a:ext cx="527709" cy="369332"/>
+            <a:ext cx="1027610" cy="369332"/>
           </a:xfrm>
           <a:prstGeom prst="rect">
             <a:avLst/>
@@ -5057,7 +5062,7 @@
           <a:noFill/>
         </p:spPr>
         <p:txBody>
-          <a:bodyPr wrap="none" rtlCol="0">
+          <a:bodyPr wrap="square" rtlCol="0">
             <a:spAutoFit/>
           </a:bodyPr>
           <a:lstStyle/>
@@ -5085,7 +5090,7 @@
         <p:spPr>
           <a:xfrm>
             <a:off x="1457252" y="2283124"/>
-            <a:ext cx="527709" cy="369332"/>
+            <a:ext cx="1027610" cy="369332"/>
           </a:xfrm>
           <a:prstGeom prst="rect">
             <a:avLst/>
@@ -5093,7 +5098,7 @@
           <a:noFill/>
         </p:spPr>
         <p:txBody>
-          <a:bodyPr wrap="none" rtlCol="0">
+          <a:bodyPr wrap="square" rtlCol="0">
             <a:spAutoFit/>
           </a:bodyPr>
           <a:lstStyle/>
@@ -5157,7 +5162,7 @@
         <p:spPr>
           <a:xfrm>
             <a:off x="1456914" y="4208807"/>
-            <a:ext cx="527709" cy="369332"/>
+            <a:ext cx="1139530" cy="369332"/>
           </a:xfrm>
           <a:prstGeom prst="rect">
             <a:avLst/>
@@ -5165,7 +5170,7 @@
           <a:noFill/>
         </p:spPr>
         <p:txBody>
-          <a:bodyPr wrap="none" rtlCol="0">
+          <a:bodyPr wrap="square" rtlCol="0">
             <a:spAutoFit/>
           </a:bodyPr>
           <a:lstStyle/>
@@ -5195,7 +5200,7 @@
         <p:spPr>
           <a:xfrm>
             <a:off x="2033452" y="5242560"/>
-            <a:ext cx="8338457" cy="0"/>
+            <a:ext cx="8194281" cy="7316"/>
           </a:xfrm>
           <a:prstGeom prst="straightConnector1">
             <a:avLst/>
@@ -5237,7 +5242,7 @@
         <p:spPr>
           <a:xfrm>
             <a:off x="9344275" y="5249876"/>
-            <a:ext cx="1341120" cy="369332"/>
+            <a:ext cx="670560" cy="369332"/>
           </a:xfrm>
           <a:prstGeom prst="rect">
             <a:avLst/>
@@ -6020,8 +6025,8 @@
         </p:nvSpPr>
         <p:spPr>
           <a:xfrm>
-            <a:off x="1484942" y="1326815"/>
-            <a:ext cx="527709" cy="369332"/>
+            <a:off x="1484941" y="1326815"/>
+            <a:ext cx="875083" cy="369332"/>
           </a:xfrm>
           <a:prstGeom prst="rect">
             <a:avLst/>
@@ -6029,7 +6034,7 @@
           <a:noFill/>
         </p:spPr>
         <p:txBody>
-          <a:bodyPr wrap="none" rtlCol="0">
+          <a:bodyPr wrap="square" rtlCol="0">
             <a:spAutoFit/>
           </a:bodyPr>
           <a:lstStyle/>
@@ -6057,7 +6062,7 @@
         <p:spPr>
           <a:xfrm>
             <a:off x="1457252" y="2283124"/>
-            <a:ext cx="527709" cy="369332"/>
+            <a:ext cx="902773" cy="369332"/>
           </a:xfrm>
           <a:prstGeom prst="rect">
             <a:avLst/>
@@ -6065,7 +6070,7 @@
           <a:noFill/>
         </p:spPr>
         <p:txBody>
-          <a:bodyPr wrap="none" rtlCol="0">
+          <a:bodyPr wrap="square" rtlCol="0">
             <a:spAutoFit/>
           </a:bodyPr>
           <a:lstStyle/>
@@ -6129,7 +6134,7 @@
         <p:spPr>
           <a:xfrm>
             <a:off x="1456914" y="4208807"/>
-            <a:ext cx="527709" cy="369332"/>
+            <a:ext cx="903110" cy="369332"/>
           </a:xfrm>
           <a:prstGeom prst="rect">
             <a:avLst/>
@@ -6137,7 +6142,7 @@
           <a:noFill/>
         </p:spPr>
         <p:txBody>
-          <a:bodyPr wrap="none" rtlCol="0">
+          <a:bodyPr wrap="square" rtlCol="0">
             <a:spAutoFit/>
           </a:bodyPr>
           <a:lstStyle/>
@@ -7186,764 +7191,6 @@
 </p:sld>
 </file>
 
-<file path=ppt/slides/slide3.xml><?xml version="1.0" encoding="utf-8"?>
-<p:sld xmlns:a="http://schemas.openxmlformats.org/drawingml/2006/main" xmlns:r="http://schemas.openxmlformats.org/officeDocument/2006/relationships" xmlns:p="http://schemas.openxmlformats.org/presentationml/2006/main">
-  <p:cSld>
-    <p:spTree>
-      <p:nvGrpSpPr>
-        <p:cNvPr id="1" name=""/>
-        <p:cNvGrpSpPr/>
-        <p:nvPr/>
-      </p:nvGrpSpPr>
-      <p:grpSpPr>
-        <a:xfrm>
-          <a:off x="0" y="0"/>
-          <a:ext cx="0" cy="0"/>
-          <a:chOff x="0" y="0"/>
-          <a:chExt cx="0" cy="0"/>
-        </a:xfrm>
-      </p:grpSpPr>
-      <p:cxnSp>
-        <p:nvCxnSpPr>
-          <p:cNvPr id="7" name="直接箭头连接符 6">
-            <a:extLst>
-              <a:ext uri="{FF2B5EF4-FFF2-40B4-BE49-F238E27FC236}">
-                <a16:creationId xmlns:a16="http://schemas.microsoft.com/office/drawing/2014/main" id="{0E8B17F1-3EDA-4AC1-B3D7-21A1F301DE38}"/>
-              </a:ext>
-            </a:extLst>
-          </p:cNvPr>
-          <p:cNvCxnSpPr>
-            <a:cxnSpLocks/>
-          </p:cNvCxnSpPr>
-          <p:nvPr/>
-        </p:nvCxnSpPr>
-        <p:spPr>
-          <a:xfrm>
-            <a:off x="1632857" y="3429000"/>
-            <a:ext cx="8338457" cy="0"/>
-          </a:xfrm>
-          <a:prstGeom prst="straightConnector1">
-            <a:avLst/>
-          </a:prstGeom>
-          <a:ln>
-            <a:solidFill>
-              <a:schemeClr val="tx1"/>
-            </a:solidFill>
-            <a:headEnd w="lg" len="lg"/>
-            <a:tailEnd type="triangle" w="lg" len="lg"/>
-          </a:ln>
-        </p:spPr>
-        <p:style>
-          <a:lnRef idx="1">
-            <a:schemeClr val="dk1"/>
-          </a:lnRef>
-          <a:fillRef idx="0">
-            <a:schemeClr val="dk1"/>
-          </a:fillRef>
-          <a:effectRef idx="0">
-            <a:schemeClr val="dk1"/>
-          </a:effectRef>
-          <a:fontRef idx="minor">
-            <a:schemeClr val="tx1"/>
-          </a:fontRef>
-        </p:style>
-      </p:cxnSp>
-      <p:sp>
-        <p:nvSpPr>
-          <p:cNvPr id="8" name="文本框 7">
-            <a:extLst>
-              <a:ext uri="{FF2B5EF4-FFF2-40B4-BE49-F238E27FC236}">
-                <a16:creationId xmlns:a16="http://schemas.microsoft.com/office/drawing/2014/main" id="{CEA47DB0-3633-4AA7-84C9-758C21024EB7}"/>
-              </a:ext>
-            </a:extLst>
-          </p:cNvPr>
-          <p:cNvSpPr txBox="1"/>
-          <p:nvPr/>
-        </p:nvSpPr>
-        <p:spPr>
-          <a:xfrm>
-            <a:off x="5245824" y="3636612"/>
-            <a:ext cx="1112522" cy="523220"/>
-          </a:xfrm>
-          <a:prstGeom prst="rect">
-            <a:avLst/>
-          </a:prstGeom>
-          <a:noFill/>
-        </p:spPr>
-        <p:txBody>
-          <a:bodyPr wrap="square" rtlCol="0">
-            <a:spAutoFit/>
-          </a:bodyPr>
-          <a:lstStyle/>
-          <a:p>
-            <a:r>
-              <a:rPr lang="en-US" altLang="zh-CN" sz="2800" dirty="0"/>
-              <a:t>100</a:t>
-            </a:r>
-            <a:r>
-              <a:rPr lang="zh-CN" altLang="en-US" sz="2800" dirty="0"/>
-              <a:t>天</a:t>
-            </a:r>
-          </a:p>
-        </p:txBody>
-      </p:sp>
-      <p:cxnSp>
-        <p:nvCxnSpPr>
-          <p:cNvPr id="10" name="直接箭头连接符 9">
-            <a:extLst>
-              <a:ext uri="{FF2B5EF4-FFF2-40B4-BE49-F238E27FC236}">
-                <a16:creationId xmlns:a16="http://schemas.microsoft.com/office/drawing/2014/main" id="{80ED660F-E261-4FC1-817E-0CF08031C7EB}"/>
-              </a:ext>
-            </a:extLst>
-          </p:cNvPr>
-          <p:cNvCxnSpPr>
-            <a:cxnSpLocks/>
-          </p:cNvCxnSpPr>
-          <p:nvPr/>
-        </p:nvCxnSpPr>
-        <p:spPr>
-          <a:xfrm>
-            <a:off x="3561806" y="2360023"/>
-            <a:ext cx="557349" cy="0"/>
-          </a:xfrm>
-          <a:prstGeom prst="straightConnector1">
-            <a:avLst/>
-          </a:prstGeom>
-          <a:ln>
-            <a:tailEnd type="triangle"/>
-          </a:ln>
-        </p:spPr>
-        <p:style>
-          <a:lnRef idx="1">
-            <a:schemeClr val="dk1"/>
-          </a:lnRef>
-          <a:fillRef idx="0">
-            <a:schemeClr val="dk1"/>
-          </a:fillRef>
-          <a:effectRef idx="0">
-            <a:schemeClr val="dk1"/>
-          </a:effectRef>
-          <a:fontRef idx="minor">
-            <a:schemeClr val="tx1"/>
-          </a:fontRef>
-        </p:style>
-      </p:cxnSp>
-      <p:sp>
-        <p:nvSpPr>
-          <p:cNvPr id="13" name="矩形: 圆角 12">
-            <a:extLst>
-              <a:ext uri="{FF2B5EF4-FFF2-40B4-BE49-F238E27FC236}">
-                <a16:creationId xmlns:a16="http://schemas.microsoft.com/office/drawing/2014/main" id="{204568CD-2CE2-4E3E-ABF9-BEA2D9547101}"/>
-              </a:ext>
-            </a:extLst>
-          </p:cNvPr>
-          <p:cNvSpPr/>
-          <p:nvPr/>
-        </p:nvSpPr>
-        <p:spPr>
-          <a:xfrm>
-            <a:off x="1779529" y="1828804"/>
-            <a:ext cx="1544163" cy="1062442"/>
-          </a:xfrm>
-          <a:prstGeom prst="roundRect">
-            <a:avLst/>
-          </a:prstGeom>
-        </p:spPr>
-        <p:style>
-          <a:lnRef idx="3">
-            <a:schemeClr val="lt1"/>
-          </a:lnRef>
-          <a:fillRef idx="1">
-            <a:schemeClr val="accent2"/>
-          </a:fillRef>
-          <a:effectRef idx="1">
-            <a:schemeClr val="accent2"/>
-          </a:effectRef>
-          <a:fontRef idx="minor">
-            <a:schemeClr val="lt1"/>
-          </a:fontRef>
-        </p:style>
-        <p:txBody>
-          <a:bodyPr rtlCol="0" anchor="ctr"/>
-          <a:lstStyle/>
-          <a:p>
-            <a:pPr algn="ctr"/>
-            <a:endParaRPr lang="zh-CN" altLang="en-US" dirty="0"/>
-          </a:p>
-        </p:txBody>
-      </p:sp>
-      <p:sp>
-        <p:nvSpPr>
-          <p:cNvPr id="14" name="矩形: 圆角 13">
-            <a:extLst>
-              <a:ext uri="{FF2B5EF4-FFF2-40B4-BE49-F238E27FC236}">
-                <a16:creationId xmlns:a16="http://schemas.microsoft.com/office/drawing/2014/main" id="{DAAC7D9F-17AB-440E-9BA7-1226746BFEA1}"/>
-              </a:ext>
-            </a:extLst>
-          </p:cNvPr>
-          <p:cNvSpPr/>
-          <p:nvPr/>
-        </p:nvSpPr>
-        <p:spPr>
-          <a:xfrm>
-            <a:off x="8096228" y="1828804"/>
-            <a:ext cx="1544163" cy="1062442"/>
-          </a:xfrm>
-          <a:prstGeom prst="roundRect">
-            <a:avLst/>
-          </a:prstGeom>
-        </p:spPr>
-        <p:style>
-          <a:lnRef idx="2">
-            <a:schemeClr val="accent2">
-              <a:shade val="50000"/>
-            </a:schemeClr>
-          </a:lnRef>
-          <a:fillRef idx="1">
-            <a:schemeClr val="accent2"/>
-          </a:fillRef>
-          <a:effectRef idx="0">
-            <a:schemeClr val="accent2"/>
-          </a:effectRef>
-          <a:fontRef idx="minor">
-            <a:schemeClr val="lt1"/>
-          </a:fontRef>
-        </p:style>
-        <p:txBody>
-          <a:bodyPr rtlCol="0" anchor="ctr"/>
-          <a:lstStyle/>
-          <a:p>
-            <a:pPr algn="ctr"/>
-            <a:endParaRPr lang="zh-CN" altLang="en-US" dirty="0"/>
-          </a:p>
-        </p:txBody>
-      </p:sp>
-      <p:sp>
-        <p:nvSpPr>
-          <p:cNvPr id="15" name="矩形: 圆角 14">
-            <a:extLst>
-              <a:ext uri="{FF2B5EF4-FFF2-40B4-BE49-F238E27FC236}">
-                <a16:creationId xmlns:a16="http://schemas.microsoft.com/office/drawing/2014/main" id="{AD4C2D4E-8051-4080-9396-585D099F4167}"/>
-              </a:ext>
-            </a:extLst>
-          </p:cNvPr>
-          <p:cNvSpPr/>
-          <p:nvPr/>
-        </p:nvSpPr>
-        <p:spPr>
-          <a:xfrm>
-            <a:off x="4370329" y="1828804"/>
-            <a:ext cx="1544163" cy="1062442"/>
-          </a:xfrm>
-          <a:prstGeom prst="roundRect">
-            <a:avLst/>
-          </a:prstGeom>
-        </p:spPr>
-        <p:style>
-          <a:lnRef idx="2">
-            <a:schemeClr val="accent2">
-              <a:shade val="50000"/>
-            </a:schemeClr>
-          </a:lnRef>
-          <a:fillRef idx="1">
-            <a:schemeClr val="accent2"/>
-          </a:fillRef>
-          <a:effectRef idx="0">
-            <a:schemeClr val="accent2"/>
-          </a:effectRef>
-          <a:fontRef idx="minor">
-            <a:schemeClr val="lt1"/>
-          </a:fontRef>
-        </p:style>
-        <p:txBody>
-          <a:bodyPr rtlCol="0" anchor="ctr"/>
-          <a:lstStyle/>
-          <a:p>
-            <a:pPr algn="ctr"/>
-            <a:endParaRPr lang="zh-CN" altLang="en-US" dirty="0"/>
-          </a:p>
-        </p:txBody>
-      </p:sp>
-      <p:cxnSp>
-        <p:nvCxnSpPr>
-          <p:cNvPr id="16" name="直接箭头连接符 15">
-            <a:extLst>
-              <a:ext uri="{FF2B5EF4-FFF2-40B4-BE49-F238E27FC236}">
-                <a16:creationId xmlns:a16="http://schemas.microsoft.com/office/drawing/2014/main" id="{B22510B3-25EB-478E-BE56-BB92B1B12C10}"/>
-              </a:ext>
-            </a:extLst>
-          </p:cNvPr>
-          <p:cNvCxnSpPr>
-            <a:cxnSpLocks/>
-          </p:cNvCxnSpPr>
-          <p:nvPr/>
-        </p:nvCxnSpPr>
-        <p:spPr>
-          <a:xfrm>
-            <a:off x="7381746" y="2360023"/>
-            <a:ext cx="557349" cy="0"/>
-          </a:xfrm>
-          <a:prstGeom prst="straightConnector1">
-            <a:avLst/>
-          </a:prstGeom>
-          <a:ln>
-            <a:tailEnd type="triangle"/>
-          </a:ln>
-        </p:spPr>
-        <p:style>
-          <a:lnRef idx="1">
-            <a:schemeClr val="dk1"/>
-          </a:lnRef>
-          <a:fillRef idx="0">
-            <a:schemeClr val="dk1"/>
-          </a:fillRef>
-          <a:effectRef idx="0">
-            <a:schemeClr val="dk1"/>
-          </a:effectRef>
-          <a:fontRef idx="minor">
-            <a:schemeClr val="tx1"/>
-          </a:fontRef>
-        </p:style>
-      </p:cxnSp>
-      <p:cxnSp>
-        <p:nvCxnSpPr>
-          <p:cNvPr id="17" name="直接箭头连接符 16">
-            <a:extLst>
-              <a:ext uri="{FF2B5EF4-FFF2-40B4-BE49-F238E27FC236}">
-                <a16:creationId xmlns:a16="http://schemas.microsoft.com/office/drawing/2014/main" id="{E9D01D7A-62C4-4A40-867B-A9B7354AD25E}"/>
-              </a:ext>
-            </a:extLst>
-          </p:cNvPr>
-          <p:cNvCxnSpPr>
-            <a:cxnSpLocks/>
-          </p:cNvCxnSpPr>
-          <p:nvPr/>
-        </p:nvCxnSpPr>
-        <p:spPr>
-          <a:xfrm>
-            <a:off x="6120091" y="2360023"/>
-            <a:ext cx="557349" cy="0"/>
-          </a:xfrm>
-          <a:prstGeom prst="straightConnector1">
-            <a:avLst/>
-          </a:prstGeom>
-          <a:ln>
-            <a:tailEnd type="triangle"/>
-          </a:ln>
-        </p:spPr>
-        <p:style>
-          <a:lnRef idx="1">
-            <a:schemeClr val="dk1"/>
-          </a:lnRef>
-          <a:fillRef idx="0">
-            <a:schemeClr val="dk1"/>
-          </a:fillRef>
-          <a:effectRef idx="0">
-            <a:schemeClr val="dk1"/>
-          </a:effectRef>
-          <a:fontRef idx="minor">
-            <a:schemeClr val="tx1"/>
-          </a:fontRef>
-        </p:style>
-      </p:cxnSp>
-      <p:sp>
-        <p:nvSpPr>
-          <p:cNvPr id="18" name="文本框 17">
-            <a:extLst>
-              <a:ext uri="{FF2B5EF4-FFF2-40B4-BE49-F238E27FC236}">
-                <a16:creationId xmlns:a16="http://schemas.microsoft.com/office/drawing/2014/main" id="{9D6DE4F8-8105-42DA-87F6-38C66F895C6F}"/>
-              </a:ext>
-            </a:extLst>
-          </p:cNvPr>
-          <p:cNvSpPr txBox="1"/>
-          <p:nvPr/>
-        </p:nvSpPr>
-        <p:spPr>
-          <a:xfrm>
-            <a:off x="6772928" y="2067635"/>
-            <a:ext cx="584610" cy="584775"/>
-          </a:xfrm>
-          <a:prstGeom prst="rect">
-            <a:avLst/>
-          </a:prstGeom>
-          <a:noFill/>
-        </p:spPr>
-        <p:txBody>
-          <a:bodyPr wrap="square" rtlCol="0">
-            <a:spAutoFit/>
-          </a:bodyPr>
-          <a:lstStyle/>
-          <a:p>
-            <a:r>
-              <a:rPr lang="en-US" altLang="zh-CN" sz="3200" dirty="0">
-                <a:latin typeface="4YEOstamp" panose="00000400000000000000" pitchFamily="2" charset="0"/>
-              </a:rPr>
-              <a:t>…</a:t>
-            </a:r>
-            <a:endParaRPr lang="zh-CN" altLang="en-US" sz="3200" dirty="0">
-              <a:latin typeface="4YEOstamp" panose="00000400000000000000" pitchFamily="2" charset="0"/>
-            </a:endParaRPr>
-          </a:p>
-        </p:txBody>
-      </p:sp>
-      <mc:AlternateContent xmlns:mc="http://schemas.openxmlformats.org/markup-compatibility/2006">
-        <mc:Choice xmlns:a14="http://schemas.microsoft.com/office/drawing/2010/main" Requires="a14">
-          <p:sp>
-            <p:nvSpPr>
-              <p:cNvPr id="19" name="文本框 18">
-                <a:extLst>
-                  <a:ext uri="{FF2B5EF4-FFF2-40B4-BE49-F238E27FC236}">
-                    <a16:creationId xmlns:a16="http://schemas.microsoft.com/office/drawing/2014/main" id="{B88D9119-19F0-46B9-8E80-58F18A7610E7}"/>
-                  </a:ext>
-                </a:extLst>
-              </p:cNvPr>
-              <p:cNvSpPr txBox="1"/>
-              <p:nvPr/>
-            </p:nvSpPr>
-            <p:spPr>
-              <a:xfrm>
-                <a:off x="2355338" y="1194288"/>
-                <a:ext cx="544187" cy="492443"/>
-              </a:xfrm>
-              <a:prstGeom prst="rect">
-                <a:avLst/>
-              </a:prstGeom>
-              <a:noFill/>
-            </p:spPr>
-            <p:txBody>
-              <a:bodyPr wrap="none" lIns="0" tIns="0" rIns="0" bIns="0" rtlCol="0">
-                <a:spAutoFit/>
-              </a:bodyPr>
-              <a:lstStyle/>
-              <a:p>
-                <a14:m>
-                  <m:oMathPara xmlns:m="http://schemas.openxmlformats.org/officeDocument/2006/math">
-                    <m:oMathParaPr>
-                      <m:jc m:val="centerGroup"/>
-                    </m:oMathParaPr>
-                    <m:oMath xmlns:m="http://schemas.openxmlformats.org/officeDocument/2006/math">
-                      <m:sSub>
-                        <m:sSubPr>
-                          <m:ctrlPr>
-                            <a:rPr lang="en-US" altLang="zh-CN" sz="3200" b="0" i="1" smtClean="0">
-                              <a:latin typeface="Cambria Math" panose="02040503050406030204" pitchFamily="18" charset="0"/>
-                            </a:rPr>
-                          </m:ctrlPr>
-                        </m:sSubPr>
-                        <m:e>
-                          <m:r>
-                            <a:rPr lang="en-US" altLang="zh-CN" sz="3200" i="1">
-                              <a:latin typeface="Cambria Math" panose="02040503050406030204" pitchFamily="18" charset="0"/>
-                            </a:rPr>
-                            <m:t>𝐵</m:t>
-                          </m:r>
-                        </m:e>
-                        <m:sub>
-                          <m:r>
-                            <a:rPr lang="en-US" altLang="zh-CN" sz="3200" b="0" i="1" smtClean="0">
-                              <a:latin typeface="Cambria Math" panose="02040503050406030204" pitchFamily="18" charset="0"/>
-                            </a:rPr>
-                            <m:t>1</m:t>
-                          </m:r>
-                        </m:sub>
-                      </m:sSub>
-                    </m:oMath>
-                  </m:oMathPara>
-                </a14:m>
-                <a:endParaRPr lang="zh-CN" altLang="en-US" sz="3200" dirty="0"/>
-              </a:p>
-            </p:txBody>
-          </p:sp>
-        </mc:Choice>
-        <mc:Fallback>
-          <p:sp>
-            <p:nvSpPr>
-              <p:cNvPr id="19" name="文本框 18">
-                <a:extLst>
-                  <a:ext uri="{FF2B5EF4-FFF2-40B4-BE49-F238E27FC236}">
-                    <a16:creationId xmlns:a16="http://schemas.microsoft.com/office/drawing/2014/main" id="{B88D9119-19F0-46B9-8E80-58F18A7610E7}"/>
-                  </a:ext>
-                </a:extLst>
-              </p:cNvPr>
-              <p:cNvSpPr txBox="1">
-                <a:spLocks noRot="1" noChangeAspect="1" noMove="1" noResize="1" noEditPoints="1" noAdjustHandles="1" noChangeArrowheads="1" noChangeShapeType="1" noTextEdit="1"/>
-              </p:cNvSpPr>
-              <p:nvPr/>
-            </p:nvSpPr>
-            <p:spPr>
-              <a:xfrm>
-                <a:off x="2355338" y="1194288"/>
-                <a:ext cx="544187" cy="492443"/>
-              </a:xfrm>
-              <a:prstGeom prst="rect">
-                <a:avLst/>
-              </a:prstGeom>
-              <a:blipFill>
-                <a:blip r:embed="rId2"/>
-                <a:stretch>
-                  <a:fillRect/>
-                </a:stretch>
-              </a:blipFill>
-            </p:spPr>
-            <p:txBody>
-              <a:bodyPr/>
-              <a:lstStyle/>
-              <a:p>
-                <a:r>
-                  <a:rPr lang="zh-CN" altLang="en-US">
-                    <a:noFill/>
-                  </a:rPr>
-                  <a:t> </a:t>
-                </a:r>
-              </a:p>
-            </p:txBody>
-          </p:sp>
-        </mc:Fallback>
-      </mc:AlternateContent>
-      <mc:AlternateContent xmlns:mc="http://schemas.openxmlformats.org/markup-compatibility/2006">
-        <mc:Choice xmlns:a14="http://schemas.microsoft.com/office/drawing/2010/main" Requires="a14">
-          <p:sp>
-            <p:nvSpPr>
-              <p:cNvPr id="21" name="文本框 20">
-                <a:extLst>
-                  <a:ext uri="{FF2B5EF4-FFF2-40B4-BE49-F238E27FC236}">
-                    <a16:creationId xmlns:a16="http://schemas.microsoft.com/office/drawing/2014/main" id="{55194860-2B11-4CCE-B86C-994251FDD9A7}"/>
-                  </a:ext>
-                </a:extLst>
-              </p:cNvPr>
-              <p:cNvSpPr txBox="1"/>
-              <p:nvPr/>
-            </p:nvSpPr>
-            <p:spPr>
-              <a:xfrm>
-                <a:off x="4968985" y="1194287"/>
-                <a:ext cx="553678" cy="492443"/>
-              </a:xfrm>
-              <a:prstGeom prst="rect">
-                <a:avLst/>
-              </a:prstGeom>
-              <a:noFill/>
-            </p:spPr>
-            <p:txBody>
-              <a:bodyPr wrap="none" lIns="0" tIns="0" rIns="0" bIns="0" rtlCol="0">
-                <a:spAutoFit/>
-              </a:bodyPr>
-              <a:lstStyle/>
-              <a:p>
-                <a14:m>
-                  <m:oMathPara xmlns:m="http://schemas.openxmlformats.org/officeDocument/2006/math">
-                    <m:oMathParaPr>
-                      <m:jc m:val="centerGroup"/>
-                    </m:oMathParaPr>
-                    <m:oMath xmlns:m="http://schemas.openxmlformats.org/officeDocument/2006/math">
-                      <m:sSub>
-                        <m:sSubPr>
-                          <m:ctrlPr>
-                            <a:rPr lang="en-US" altLang="zh-CN" sz="3200" b="0" i="1" smtClean="0">
-                              <a:latin typeface="Cambria Math" panose="02040503050406030204" pitchFamily="18" charset="0"/>
-                            </a:rPr>
-                          </m:ctrlPr>
-                        </m:sSubPr>
-                        <m:e>
-                          <m:r>
-                            <a:rPr lang="en-US" altLang="zh-CN" sz="3200" i="1">
-                              <a:latin typeface="Cambria Math" panose="02040503050406030204" pitchFamily="18" charset="0"/>
-                            </a:rPr>
-                            <m:t>𝐵</m:t>
-                          </m:r>
-                        </m:e>
-                        <m:sub>
-                          <m:r>
-                            <a:rPr lang="en-US" altLang="zh-CN" sz="3200" b="0" i="1" smtClean="0">
-                              <a:latin typeface="Cambria Math" panose="02040503050406030204" pitchFamily="18" charset="0"/>
-                            </a:rPr>
-                            <m:t>2</m:t>
-                          </m:r>
-                        </m:sub>
-                      </m:sSub>
-                    </m:oMath>
-                  </m:oMathPara>
-                </a14:m>
-                <a:endParaRPr lang="zh-CN" altLang="en-US" sz="3200" dirty="0"/>
-              </a:p>
-            </p:txBody>
-          </p:sp>
-        </mc:Choice>
-        <mc:Fallback>
-          <p:sp>
-            <p:nvSpPr>
-              <p:cNvPr id="21" name="文本框 20">
-                <a:extLst>
-                  <a:ext uri="{FF2B5EF4-FFF2-40B4-BE49-F238E27FC236}">
-                    <a16:creationId xmlns:a16="http://schemas.microsoft.com/office/drawing/2014/main" id="{55194860-2B11-4CCE-B86C-994251FDD9A7}"/>
-                  </a:ext>
-                </a:extLst>
-              </p:cNvPr>
-              <p:cNvSpPr txBox="1">
-                <a:spLocks noRot="1" noChangeAspect="1" noMove="1" noResize="1" noEditPoints="1" noAdjustHandles="1" noChangeArrowheads="1" noChangeShapeType="1" noTextEdit="1"/>
-              </p:cNvSpPr>
-              <p:nvPr/>
-            </p:nvSpPr>
-            <p:spPr>
-              <a:xfrm>
-                <a:off x="4968985" y="1194287"/>
-                <a:ext cx="553678" cy="492443"/>
-              </a:xfrm>
-              <a:prstGeom prst="rect">
-                <a:avLst/>
-              </a:prstGeom>
-              <a:blipFill>
-                <a:blip r:embed="rId3"/>
-                <a:stretch>
-                  <a:fillRect/>
-                </a:stretch>
-              </a:blipFill>
-            </p:spPr>
-            <p:txBody>
-              <a:bodyPr/>
-              <a:lstStyle/>
-              <a:p>
-                <a:r>
-                  <a:rPr lang="zh-CN" altLang="en-US">
-                    <a:noFill/>
-                  </a:rPr>
-                  <a:t> </a:t>
-                </a:r>
-              </a:p>
-            </p:txBody>
-          </p:sp>
-        </mc:Fallback>
-      </mc:AlternateContent>
-      <mc:AlternateContent xmlns:mc="http://schemas.openxmlformats.org/markup-compatibility/2006">
-        <mc:Choice xmlns:a14="http://schemas.microsoft.com/office/drawing/2010/main" Requires="a14">
-          <p:sp>
-            <p:nvSpPr>
-              <p:cNvPr id="22" name="文本框 21">
-                <a:extLst>
-                  <a:ext uri="{FF2B5EF4-FFF2-40B4-BE49-F238E27FC236}">
-                    <a16:creationId xmlns:a16="http://schemas.microsoft.com/office/drawing/2014/main" id="{F7B33F8C-B1E8-47B2-BCD3-8D8D369DBC7A}"/>
-                  </a:ext>
-                </a:extLst>
-              </p:cNvPr>
-              <p:cNvSpPr txBox="1"/>
-              <p:nvPr/>
-            </p:nvSpPr>
-            <p:spPr>
-              <a:xfrm>
-                <a:off x="8596215" y="1194287"/>
-                <a:ext cx="550087" cy="492443"/>
-              </a:xfrm>
-              <a:prstGeom prst="rect">
-                <a:avLst/>
-              </a:prstGeom>
-              <a:noFill/>
-            </p:spPr>
-            <p:txBody>
-              <a:bodyPr wrap="none" lIns="0" tIns="0" rIns="0" bIns="0" rtlCol="0">
-                <a:spAutoFit/>
-              </a:bodyPr>
-              <a:lstStyle/>
-              <a:p>
-                <a14:m>
-                  <m:oMathPara xmlns:m="http://schemas.openxmlformats.org/officeDocument/2006/math">
-                    <m:oMathParaPr>
-                      <m:jc m:val="centerGroup"/>
-                    </m:oMathParaPr>
-                    <m:oMath xmlns:m="http://schemas.openxmlformats.org/officeDocument/2006/math">
-                      <m:sSub>
-                        <m:sSubPr>
-                          <m:ctrlPr>
-                            <a:rPr lang="en-US" altLang="zh-CN" sz="3200" b="0" i="1" smtClean="0">
-                              <a:latin typeface="Cambria Math" panose="02040503050406030204" pitchFamily="18" charset="0"/>
-                            </a:rPr>
-                          </m:ctrlPr>
-                        </m:sSubPr>
-                        <m:e>
-                          <m:r>
-                            <a:rPr lang="en-US" altLang="zh-CN" sz="3200" i="1">
-                              <a:latin typeface="Cambria Math" panose="02040503050406030204" pitchFamily="18" charset="0"/>
-                            </a:rPr>
-                            <m:t>𝐵</m:t>
-                          </m:r>
-                        </m:e>
-                        <m:sub>
-                          <m:r>
-                            <m:rPr>
-                              <m:sty m:val="p"/>
-                            </m:rPr>
-                            <a:rPr lang="en-US" altLang="zh-CN" sz="3200" i="1">
-                              <a:latin typeface="Cambria Math" panose="02040503050406030204" pitchFamily="18" charset="0"/>
-                            </a:rPr>
-                            <m:t>n</m:t>
-                          </m:r>
-                        </m:sub>
-                      </m:sSub>
-                    </m:oMath>
-                  </m:oMathPara>
-                </a14:m>
-                <a:endParaRPr lang="zh-CN" altLang="en-US" sz="3200" dirty="0"/>
-              </a:p>
-            </p:txBody>
-          </p:sp>
-        </mc:Choice>
-        <mc:Fallback>
-          <p:sp>
-            <p:nvSpPr>
-              <p:cNvPr id="22" name="文本框 21">
-                <a:extLst>
-                  <a:ext uri="{FF2B5EF4-FFF2-40B4-BE49-F238E27FC236}">
-                    <a16:creationId xmlns:a16="http://schemas.microsoft.com/office/drawing/2014/main" id="{F7B33F8C-B1E8-47B2-BCD3-8D8D369DBC7A}"/>
-                  </a:ext>
-                </a:extLst>
-              </p:cNvPr>
-              <p:cNvSpPr txBox="1">
-                <a:spLocks noRot="1" noChangeAspect="1" noMove="1" noResize="1" noEditPoints="1" noAdjustHandles="1" noChangeArrowheads="1" noChangeShapeType="1" noTextEdit="1"/>
-              </p:cNvSpPr>
-              <p:nvPr/>
-            </p:nvSpPr>
-            <p:spPr>
-              <a:xfrm>
-                <a:off x="8596215" y="1194287"/>
-                <a:ext cx="550087" cy="492443"/>
-              </a:xfrm>
-              <a:prstGeom prst="rect">
-                <a:avLst/>
-              </a:prstGeom>
-              <a:blipFill>
-                <a:blip r:embed="rId4"/>
-                <a:stretch>
-                  <a:fillRect/>
-                </a:stretch>
-              </a:blipFill>
-            </p:spPr>
-            <p:txBody>
-              <a:bodyPr/>
-              <a:lstStyle/>
-              <a:p>
-                <a:r>
-                  <a:rPr lang="zh-CN" altLang="en-US">
-                    <a:noFill/>
-                  </a:rPr>
-                  <a:t> </a:t>
-                </a:r>
-              </a:p>
-            </p:txBody>
-          </p:sp>
-        </mc:Fallback>
-      </mc:AlternateContent>
-    </p:spTree>
-    <p:extLst>
-      <p:ext uri="{BB962C8B-B14F-4D97-AF65-F5344CB8AC3E}">
-        <p14:creationId xmlns:p14="http://schemas.microsoft.com/office/powerpoint/2010/main" val="1568438806"/>
-      </p:ext>
-    </p:extLst>
-  </p:cSld>
-  <p:clrMapOvr>
-    <a:masterClrMapping/>
-  </p:clrMapOvr>
-</p:sld>
-</file>
-
 <file path=ppt/theme/theme1.xml><?xml version="1.0" encoding="utf-8"?>
 <a:theme xmlns:a="http://schemas.openxmlformats.org/drawingml/2006/main" name="Office 主题​​">
   <a:themeElements>

--- a/article/figures/流水线PPT.pptx
+++ b/article/figures/流水线PPT.pptx
@@ -8,6 +8,8 @@
     <p:sldId id="256" r:id="rId2"/>
     <p:sldId id="257" r:id="rId3"/>
     <p:sldId id="258" r:id="rId4"/>
+    <p:sldId id="259" r:id="rId5"/>
+    <p:sldId id="260" r:id="rId6"/>
   </p:sldIdLst>
   <p:sldSz cx="12192000" cy="6858000"/>
   <p:notesSz cx="6858000" cy="9144000"/>
@@ -112,6 +114,18 @@
     </p:ext>
   </p:extLst>
 </p:presentation>
+</file>
+
+<file path=ppt/commentAuthors.xml><?xml version="1.0" encoding="utf-8"?>
+<p:cmAuthorLst xmlns:a="http://schemas.openxmlformats.org/drawingml/2006/main" xmlns:r="http://schemas.openxmlformats.org/officeDocument/2006/relationships" xmlns:p="http://schemas.openxmlformats.org/presentationml/2006/main">
+  <p:cmAuthor id="1" name=" " initials="" lastIdx="1" clrIdx="0">
+    <p:extLst>
+      <p:ext uri="{19B8F6BF-5375-455C-9EA6-DF929625EA0E}">
+        <p15:presenceInfo xmlns:p15="http://schemas.microsoft.com/office/powerpoint/2012/main" userId="a8833edf5be20159" providerId="Windows Live"/>
+      </p:ext>
+    </p:extLst>
+  </p:cmAuthor>
+</p:cmAuthorLst>
 </file>
 
 <file path=ppt/slideLayouts/slideLayout1.xml><?xml version="1.0" encoding="utf-8"?>
@@ -7586,8 +7600,8 @@
           </a:p>
         </p:txBody>
       </p:sp>
-      <mc:AlternateContent xmlns:mc="http://schemas.openxmlformats.org/markup-compatibility/2006">
-        <mc:Choice xmlns:a14="http://schemas.microsoft.com/office/drawing/2010/main" Requires="a14">
+      <mc:AlternateContent xmlns:mc="http://schemas.openxmlformats.org/markup-compatibility/2006" xmlns:a14="http://schemas.microsoft.com/office/drawing/2010/main">
+        <mc:Choice Requires="a14">
           <p:sp>
             <p:nvSpPr>
               <p:cNvPr id="19" name="文本框 18">
@@ -7616,6 +7630,7 @@
               </a:bodyPr>
               <a:lstStyle/>
               <a:p>
+                <a:pPr/>
                 <a14:m>
                   <m:oMathPara xmlns:m="http://schemas.openxmlformats.org/officeDocument/2006/math">
                     <m:oMathParaPr>
@@ -7655,7 +7670,7 @@
             </p:txBody>
           </p:sp>
         </mc:Choice>
-        <mc:Fallback>
+        <mc:Fallback xmlns="">
           <p:sp>
             <p:nvSpPr>
               <p:cNvPr id="19" name="文本框 18">
@@ -7700,8 +7715,8 @@
           </p:sp>
         </mc:Fallback>
       </mc:AlternateContent>
-      <mc:AlternateContent xmlns:mc="http://schemas.openxmlformats.org/markup-compatibility/2006">
-        <mc:Choice xmlns:a14="http://schemas.microsoft.com/office/drawing/2010/main" Requires="a14">
+      <mc:AlternateContent xmlns:mc="http://schemas.openxmlformats.org/markup-compatibility/2006" xmlns:a14="http://schemas.microsoft.com/office/drawing/2010/main">
+        <mc:Choice Requires="a14">
           <p:sp>
             <p:nvSpPr>
               <p:cNvPr id="21" name="文本框 20">
@@ -7730,6 +7745,7 @@
               </a:bodyPr>
               <a:lstStyle/>
               <a:p>
+                <a:pPr/>
                 <a14:m>
                   <m:oMathPara xmlns:m="http://schemas.openxmlformats.org/officeDocument/2006/math">
                     <m:oMathParaPr>
@@ -7769,7 +7785,7 @@
             </p:txBody>
           </p:sp>
         </mc:Choice>
-        <mc:Fallback>
+        <mc:Fallback xmlns="">
           <p:sp>
             <p:nvSpPr>
               <p:cNvPr id="21" name="文本框 20">
@@ -7814,8 +7830,8 @@
           </p:sp>
         </mc:Fallback>
       </mc:AlternateContent>
-      <mc:AlternateContent xmlns:mc="http://schemas.openxmlformats.org/markup-compatibility/2006">
-        <mc:Choice xmlns:a14="http://schemas.microsoft.com/office/drawing/2010/main" Requires="a14">
+      <mc:AlternateContent xmlns:mc="http://schemas.openxmlformats.org/markup-compatibility/2006" xmlns:a14="http://schemas.microsoft.com/office/drawing/2010/main">
+        <mc:Choice Requires="a14">
           <p:sp>
             <p:nvSpPr>
               <p:cNvPr id="22" name="文本框 21">
@@ -7844,6 +7860,7 @@
               </a:bodyPr>
               <a:lstStyle/>
               <a:p>
+                <a:pPr/>
                 <a14:m>
                   <m:oMathPara xmlns:m="http://schemas.openxmlformats.org/officeDocument/2006/math">
                     <m:oMathParaPr>
@@ -7886,7 +7903,7 @@
             </p:txBody>
           </p:sp>
         </mc:Choice>
-        <mc:Fallback>
+        <mc:Fallback xmlns="">
           <p:sp>
             <p:nvSpPr>
               <p:cNvPr id="22" name="文本框 21">
@@ -7935,6 +7952,504 @@
     <p:extLst>
       <p:ext uri="{BB962C8B-B14F-4D97-AF65-F5344CB8AC3E}">
         <p14:creationId xmlns:p14="http://schemas.microsoft.com/office/powerpoint/2010/main" val="1568438806"/>
+      </p:ext>
+    </p:extLst>
+  </p:cSld>
+  <p:clrMapOvr>
+    <a:masterClrMapping/>
+  </p:clrMapOvr>
+</p:sld>
+</file>
+
+<file path=ppt/slides/slide4.xml><?xml version="1.0" encoding="utf-8"?>
+<p:sld xmlns:a="http://schemas.openxmlformats.org/drawingml/2006/main" xmlns:r="http://schemas.openxmlformats.org/officeDocument/2006/relationships" xmlns:p="http://schemas.openxmlformats.org/presentationml/2006/main">
+  <p:cSld>
+    <p:spTree>
+      <p:nvGrpSpPr>
+        <p:cNvPr id="1" name=""/>
+        <p:cNvGrpSpPr/>
+        <p:nvPr/>
+      </p:nvGrpSpPr>
+      <p:grpSpPr>
+        <a:xfrm>
+          <a:off x="0" y="0"/>
+          <a:ext cx="0" cy="0"/>
+          <a:chOff x="0" y="0"/>
+          <a:chExt cx="0" cy="0"/>
+        </a:xfrm>
+      </p:grpSpPr>
+      <p:pic>
+        <p:nvPicPr>
+          <p:cNvPr id="5" name="图片 4">
+            <a:extLst>
+              <a:ext uri="{FF2B5EF4-FFF2-40B4-BE49-F238E27FC236}">
+                <a16:creationId xmlns:a16="http://schemas.microsoft.com/office/drawing/2014/main" id="{67F4053C-D056-42D7-BA89-A90C8F199020}"/>
+              </a:ext>
+            </a:extLst>
+          </p:cNvPr>
+          <p:cNvPicPr>
+            <a:picLocks noChangeAspect="1"/>
+          </p:cNvPicPr>
+          <p:nvPr/>
+        </p:nvPicPr>
+        <p:blipFill rotWithShape="1">
+          <a:blip r:embed="rId2">
+            <a:extLst>
+              <a:ext uri="{28A0092B-C50C-407E-A947-70E740481C1C}">
+                <a14:useLocalDpi xmlns:a14="http://schemas.microsoft.com/office/drawing/2010/main" val="0"/>
+              </a:ext>
+            </a:extLst>
+          </a:blip>
+          <a:srcRect l="6548" t="18334" r="389"/>
+          <a:stretch/>
+        </p:blipFill>
+        <p:spPr>
+          <a:xfrm>
+            <a:off x="901609" y="1881050"/>
+            <a:ext cx="10388781" cy="2442483"/>
+          </a:xfrm>
+          <a:prstGeom prst="rect">
+            <a:avLst/>
+          </a:prstGeom>
+        </p:spPr>
+      </p:pic>
+      <p:cxnSp>
+        <p:nvCxnSpPr>
+          <p:cNvPr id="6" name="直接箭头连接符 5">
+            <a:extLst>
+              <a:ext uri="{FF2B5EF4-FFF2-40B4-BE49-F238E27FC236}">
+                <a16:creationId xmlns:a16="http://schemas.microsoft.com/office/drawing/2014/main" id="{EDB76742-F270-4AE1-9463-535007EE8705}"/>
+              </a:ext>
+            </a:extLst>
+          </p:cNvPr>
+          <p:cNvCxnSpPr>
+            <a:cxnSpLocks/>
+          </p:cNvCxnSpPr>
+          <p:nvPr/>
+        </p:nvCxnSpPr>
+        <p:spPr>
+          <a:xfrm>
+            <a:off x="901609" y="4113744"/>
+            <a:ext cx="10388781" cy="0"/>
+          </a:xfrm>
+          <a:prstGeom prst="straightConnector1">
+            <a:avLst/>
+          </a:prstGeom>
+          <a:ln>
+            <a:solidFill>
+              <a:schemeClr val="tx1"/>
+            </a:solidFill>
+            <a:headEnd w="lg" len="lg"/>
+            <a:tailEnd type="triangle" w="lg" len="lg"/>
+          </a:ln>
+        </p:spPr>
+        <p:style>
+          <a:lnRef idx="1">
+            <a:schemeClr val="dk1"/>
+          </a:lnRef>
+          <a:fillRef idx="0">
+            <a:schemeClr val="dk1"/>
+          </a:fillRef>
+          <a:effectRef idx="0">
+            <a:schemeClr val="dk1"/>
+          </a:effectRef>
+          <a:fontRef idx="minor">
+            <a:schemeClr val="tx1"/>
+          </a:fontRef>
+        </p:style>
+      </p:cxnSp>
+      <p:sp>
+        <p:nvSpPr>
+          <p:cNvPr id="9" name="文本框 8">
+            <a:extLst>
+              <a:ext uri="{FF2B5EF4-FFF2-40B4-BE49-F238E27FC236}">
+                <a16:creationId xmlns:a16="http://schemas.microsoft.com/office/drawing/2014/main" id="{C9857132-AEAA-4685-80FC-64DBBB803B32}"/>
+              </a:ext>
+            </a:extLst>
+          </p:cNvPr>
+          <p:cNvSpPr txBox="1"/>
+          <p:nvPr/>
+        </p:nvSpPr>
+        <p:spPr>
+          <a:xfrm>
+            <a:off x="409303" y="2228671"/>
+            <a:ext cx="492306" cy="1200329"/>
+          </a:xfrm>
+          <a:prstGeom prst="rect">
+            <a:avLst/>
+          </a:prstGeom>
+          <a:noFill/>
+        </p:spPr>
+        <p:txBody>
+          <a:bodyPr wrap="square" rtlCol="0">
+            <a:spAutoFit/>
+          </a:bodyPr>
+          <a:lstStyle/>
+          <a:p>
+            <a:r>
+              <a:rPr lang="zh-CN" altLang="en-US" dirty="0"/>
+              <a:t>生产顺序</a:t>
+            </a:r>
+          </a:p>
+        </p:txBody>
+      </p:sp>
+      <p:sp>
+        <p:nvSpPr>
+          <p:cNvPr id="10" name="文本框 9">
+            <a:extLst>
+              <a:ext uri="{FF2B5EF4-FFF2-40B4-BE49-F238E27FC236}">
+                <a16:creationId xmlns:a16="http://schemas.microsoft.com/office/drawing/2014/main" id="{3EC17613-C319-4BBD-911D-26FC5A9C5E58}"/>
+              </a:ext>
+            </a:extLst>
+          </p:cNvPr>
+          <p:cNvSpPr txBox="1"/>
+          <p:nvPr/>
+        </p:nvSpPr>
+        <p:spPr>
+          <a:xfrm>
+            <a:off x="5534296" y="4323533"/>
+            <a:ext cx="1123406" cy="369332"/>
+          </a:xfrm>
+          <a:prstGeom prst="rect">
+            <a:avLst/>
+          </a:prstGeom>
+          <a:noFill/>
+        </p:spPr>
+        <p:txBody>
+          <a:bodyPr wrap="square" rtlCol="0">
+            <a:spAutoFit/>
+          </a:bodyPr>
+          <a:lstStyle/>
+          <a:p>
+            <a:r>
+              <a:rPr lang="zh-CN" altLang="en-US" dirty="0"/>
+              <a:t>迭代过程</a:t>
+            </a:r>
+          </a:p>
+        </p:txBody>
+      </p:sp>
+    </p:spTree>
+    <p:extLst>
+      <p:ext uri="{BB962C8B-B14F-4D97-AF65-F5344CB8AC3E}">
+        <p14:creationId xmlns:p14="http://schemas.microsoft.com/office/powerpoint/2010/main" val="503260087"/>
+      </p:ext>
+    </p:extLst>
+  </p:cSld>
+  <p:clrMapOvr>
+    <a:masterClrMapping/>
+  </p:clrMapOvr>
+</p:sld>
+</file>
+
+<file path=ppt/slides/slide5.xml><?xml version="1.0" encoding="utf-8"?>
+<p:sld xmlns:a="http://schemas.openxmlformats.org/drawingml/2006/main" xmlns:r="http://schemas.openxmlformats.org/officeDocument/2006/relationships" xmlns:p="http://schemas.openxmlformats.org/presentationml/2006/main">
+  <p:cSld>
+    <p:spTree>
+      <p:nvGrpSpPr>
+        <p:cNvPr id="1" name=""/>
+        <p:cNvGrpSpPr/>
+        <p:nvPr/>
+      </p:nvGrpSpPr>
+      <p:grpSpPr>
+        <a:xfrm>
+          <a:off x="0" y="0"/>
+          <a:ext cx="0" cy="0"/>
+          <a:chOff x="0" y="0"/>
+          <a:chExt cx="0" cy="0"/>
+        </a:xfrm>
+      </p:grpSpPr>
+      <p:pic>
+        <p:nvPicPr>
+          <p:cNvPr id="5" name="图片 4">
+            <a:extLst>
+              <a:ext uri="{FF2B5EF4-FFF2-40B4-BE49-F238E27FC236}">
+                <a16:creationId xmlns:a16="http://schemas.microsoft.com/office/drawing/2014/main" id="{3214F291-5628-4CC9-A978-EA7F1DF45AF2}"/>
+              </a:ext>
+            </a:extLst>
+          </p:cNvPr>
+          <p:cNvPicPr>
+            <a:picLocks noChangeAspect="1"/>
+          </p:cNvPicPr>
+          <p:nvPr/>
+        </p:nvPicPr>
+        <p:blipFill>
+          <a:blip r:embed="rId2">
+            <a:extLst>
+              <a:ext uri="{28A0092B-C50C-407E-A947-70E740481C1C}">
+                <a14:useLocalDpi xmlns:a14="http://schemas.microsoft.com/office/drawing/2010/main" val="0"/>
+              </a:ext>
+            </a:extLst>
+          </a:blip>
+          <a:stretch>
+            <a:fillRect/>
+          </a:stretch>
+        </p:blipFill>
+        <p:spPr>
+          <a:xfrm>
+            <a:off x="1942828" y="314121"/>
+            <a:ext cx="8306344" cy="6229758"/>
+          </a:xfrm>
+          <a:prstGeom prst="rect">
+            <a:avLst/>
+          </a:prstGeom>
+        </p:spPr>
+      </p:pic>
+      <p:cxnSp>
+        <p:nvCxnSpPr>
+          <p:cNvPr id="9" name="直接连接符 8">
+            <a:extLst>
+              <a:ext uri="{FF2B5EF4-FFF2-40B4-BE49-F238E27FC236}">
+                <a16:creationId xmlns:a16="http://schemas.microsoft.com/office/drawing/2014/main" id="{CDB5E873-A8D9-494F-B0BD-B8EC2F152F81}"/>
+              </a:ext>
+            </a:extLst>
+          </p:cNvPr>
+          <p:cNvCxnSpPr>
+            <a:cxnSpLocks/>
+          </p:cNvCxnSpPr>
+          <p:nvPr/>
+        </p:nvCxnSpPr>
+        <p:spPr>
+          <a:xfrm>
+            <a:off x="3021874" y="1271451"/>
+            <a:ext cx="3457303" cy="0"/>
+          </a:xfrm>
+          <a:prstGeom prst="line">
+            <a:avLst/>
+          </a:prstGeom>
+          <a:ln w="9525" cap="flat" cmpd="sng" algn="ctr">
+            <a:solidFill>
+              <a:schemeClr val="dk1"/>
+            </a:solidFill>
+            <a:prstDash val="dash"/>
+            <a:round/>
+            <a:headEnd type="none" w="med" len="med"/>
+            <a:tailEnd type="none" w="med" len="med"/>
+          </a:ln>
+        </p:spPr>
+        <p:style>
+          <a:lnRef idx="0">
+            <a:scrgbClr r="0" g="0" b="0"/>
+          </a:lnRef>
+          <a:fillRef idx="0">
+            <a:scrgbClr r="0" g="0" b="0"/>
+          </a:fillRef>
+          <a:effectRef idx="0">
+            <a:scrgbClr r="0" g="0" b="0"/>
+          </a:effectRef>
+          <a:fontRef idx="minor">
+            <a:schemeClr val="tx1"/>
+          </a:fontRef>
+        </p:style>
+      </p:cxnSp>
+      <p:cxnSp>
+        <p:nvCxnSpPr>
+          <p:cNvPr id="12" name="直接连接符 11">
+            <a:extLst>
+              <a:ext uri="{FF2B5EF4-FFF2-40B4-BE49-F238E27FC236}">
+                <a16:creationId xmlns:a16="http://schemas.microsoft.com/office/drawing/2014/main" id="{09A1AAE4-0E1B-4914-8A98-702D8122A225}"/>
+              </a:ext>
+            </a:extLst>
+          </p:cNvPr>
+          <p:cNvCxnSpPr/>
+          <p:nvPr/>
+        </p:nvCxnSpPr>
+        <p:spPr>
+          <a:xfrm>
+            <a:off x="6479177" y="1262743"/>
+            <a:ext cx="0" cy="4589417"/>
+          </a:xfrm>
+          <a:prstGeom prst="line">
+            <a:avLst/>
+          </a:prstGeom>
+          <a:ln w="9525" cap="flat" cmpd="sng" algn="ctr">
+            <a:solidFill>
+              <a:schemeClr val="dk1"/>
+            </a:solidFill>
+            <a:prstDash val="dash"/>
+            <a:round/>
+            <a:headEnd type="none" w="med" len="med"/>
+            <a:tailEnd type="none" w="med" len="med"/>
+          </a:ln>
+        </p:spPr>
+        <p:style>
+          <a:lnRef idx="0">
+            <a:scrgbClr r="0" g="0" b="0"/>
+          </a:lnRef>
+          <a:fillRef idx="0">
+            <a:scrgbClr r="0" g="0" b="0"/>
+          </a:fillRef>
+          <a:effectRef idx="0">
+            <a:scrgbClr r="0" g="0" b="0"/>
+          </a:effectRef>
+          <a:fontRef idx="minor">
+            <a:schemeClr val="tx1"/>
+          </a:fontRef>
+        </p:style>
+      </p:cxnSp>
+      <p:sp>
+        <p:nvSpPr>
+          <p:cNvPr id="13" name="椭圆 12">
+            <a:extLst>
+              <a:ext uri="{FF2B5EF4-FFF2-40B4-BE49-F238E27FC236}">
+                <a16:creationId xmlns:a16="http://schemas.microsoft.com/office/drawing/2014/main" id="{D9BDEB53-AE1D-4CA9-BDDA-1E0119B59ADE}"/>
+              </a:ext>
+            </a:extLst>
+          </p:cNvPr>
+          <p:cNvSpPr/>
+          <p:nvPr/>
+        </p:nvSpPr>
+        <p:spPr>
+          <a:xfrm>
+            <a:off x="6422571" y="1214845"/>
+            <a:ext cx="113211" cy="113211"/>
+          </a:xfrm>
+          <a:prstGeom prst="ellipse">
+            <a:avLst/>
+          </a:prstGeom>
+        </p:spPr>
+        <p:style>
+          <a:lnRef idx="2">
+            <a:schemeClr val="accent1">
+              <a:shade val="50000"/>
+            </a:schemeClr>
+          </a:lnRef>
+          <a:fillRef idx="1">
+            <a:schemeClr val="accent1"/>
+          </a:fillRef>
+          <a:effectRef idx="0">
+            <a:schemeClr val="accent1"/>
+          </a:effectRef>
+          <a:fontRef idx="minor">
+            <a:schemeClr val="lt1"/>
+          </a:fontRef>
+        </p:style>
+        <p:txBody>
+          <a:bodyPr rtlCol="0" anchor="ctr"/>
+          <a:lstStyle/>
+          <a:p>
+            <a:pPr algn="ctr"/>
+            <a:endParaRPr lang="zh-CN" altLang="en-US"/>
+          </a:p>
+        </p:txBody>
+      </p:sp>
+      <mc:AlternateContent xmlns:mc="http://schemas.openxmlformats.org/markup-compatibility/2006">
+        <mc:Choice xmlns:a14="http://schemas.microsoft.com/office/drawing/2010/main" Requires="a14">
+          <p:sp>
+            <p:nvSpPr>
+              <p:cNvPr id="14" name="文本框 13">
+                <a:extLst>
+                  <a:ext uri="{FF2B5EF4-FFF2-40B4-BE49-F238E27FC236}">
+                    <a16:creationId xmlns:a16="http://schemas.microsoft.com/office/drawing/2014/main" id="{0AFED791-0A8D-4D37-B986-765EB0978DA6}"/>
+                  </a:ext>
+                </a:extLst>
+              </p:cNvPr>
+              <p:cNvSpPr txBox="1"/>
+              <p:nvPr/>
+            </p:nvSpPr>
+            <p:spPr>
+              <a:xfrm>
+                <a:off x="6383913" y="5908766"/>
+                <a:ext cx="303738" cy="301878"/>
+              </a:xfrm>
+              <a:prstGeom prst="rect">
+                <a:avLst/>
+              </a:prstGeom>
+              <a:noFill/>
+            </p:spPr>
+            <p:txBody>
+              <a:bodyPr wrap="none" lIns="0" tIns="0" rIns="0" bIns="0" rtlCol="0">
+                <a:spAutoFit/>
+              </a:bodyPr>
+              <a:lstStyle/>
+              <a:p>
+                <a14:m>
+                  <m:oMathPara xmlns:m="http://schemas.openxmlformats.org/officeDocument/2006/math">
+                    <m:oMathParaPr>
+                      <m:jc m:val="centerGroup"/>
+                    </m:oMathParaPr>
+                    <m:oMath xmlns:m="http://schemas.openxmlformats.org/officeDocument/2006/math">
+                      <m:sSub>
+                        <m:sSubPr>
+                          <m:ctrlPr>
+                            <a:rPr lang="en-US" altLang="zh-CN" b="0" i="1" smtClean="0">
+                              <a:latin typeface="Cambria Math" panose="02040503050406030204" pitchFamily="18" charset="0"/>
+                            </a:rPr>
+                          </m:ctrlPr>
+                        </m:sSubPr>
+                        <m:e>
+                          <m:r>
+                            <a:rPr lang="en-US" altLang="zh-CN" i="1">
+                              <a:latin typeface="Cambria Math" panose="02040503050406030204" pitchFamily="18" charset="0"/>
+                            </a:rPr>
+                            <m:t>𝑇</m:t>
+                          </m:r>
+                        </m:e>
+                        <m:sub>
+                          <m:r>
+                            <a:rPr lang="zh-CN" altLang="en-US" i="1">
+                              <a:latin typeface="Cambria Math" panose="02040503050406030204" pitchFamily="18" charset="0"/>
+                            </a:rPr>
+                            <m:t>∑</m:t>
+                          </m:r>
+                        </m:sub>
+                      </m:sSub>
+                    </m:oMath>
+                  </m:oMathPara>
+                </a14:m>
+                <a:endParaRPr lang="zh-CN" altLang="en-US" dirty="0"/>
+              </a:p>
+            </p:txBody>
+          </p:sp>
+        </mc:Choice>
+        <mc:Fallback>
+          <p:sp>
+            <p:nvSpPr>
+              <p:cNvPr id="14" name="文本框 13">
+                <a:extLst>
+                  <a:ext uri="{FF2B5EF4-FFF2-40B4-BE49-F238E27FC236}">
+                    <a16:creationId xmlns:a16="http://schemas.microsoft.com/office/drawing/2014/main" id="{0AFED791-0A8D-4D37-B986-765EB0978DA6}"/>
+                  </a:ext>
+                </a:extLst>
+              </p:cNvPr>
+              <p:cNvSpPr txBox="1">
+                <a:spLocks noRot="1" noChangeAspect="1" noMove="1" noResize="1" noEditPoints="1" noAdjustHandles="1" noChangeArrowheads="1" noChangeShapeType="1" noTextEdit="1"/>
+              </p:cNvSpPr>
+              <p:nvPr/>
+            </p:nvSpPr>
+            <p:spPr>
+              <a:xfrm>
+                <a:off x="6383913" y="5908766"/>
+                <a:ext cx="303738" cy="301878"/>
+              </a:xfrm>
+              <a:prstGeom prst="rect">
+                <a:avLst/>
+              </a:prstGeom>
+              <a:blipFill>
+                <a:blip r:embed="rId3"/>
+                <a:stretch>
+                  <a:fillRect l="-16000" r="-16000" b="-28000"/>
+                </a:stretch>
+              </a:blipFill>
+            </p:spPr>
+            <p:txBody>
+              <a:bodyPr/>
+              <a:lstStyle/>
+              <a:p>
+                <a:r>
+                  <a:rPr lang="zh-CN" altLang="en-US">
+                    <a:noFill/>
+                  </a:rPr>
+                  <a:t> </a:t>
+                </a:r>
+              </a:p>
+            </p:txBody>
+          </p:sp>
+        </mc:Fallback>
+      </mc:AlternateContent>
+    </p:spTree>
+    <p:extLst>
+      <p:ext uri="{BB962C8B-B14F-4D97-AF65-F5344CB8AC3E}">
+        <p14:creationId xmlns:p14="http://schemas.microsoft.com/office/powerpoint/2010/main" val="2249765586"/>
       </p:ext>
     </p:extLst>
   </p:cSld>
